--- a/course/compiler/lecture/(Spring2020)Lecture9.pptx
+++ b/course/compiler/lecture/(Spring2020)Lecture9.pptx
@@ -5,10 +5,10 @@
     <p:sldMasterId id="2147483648" r:id="rId4"/>
   </p:sldMasterIdLst>
   <p:notesMasterIdLst>
-    <p:notesMasterId r:id="rId12"/>
+    <p:notesMasterId r:id="rId20"/>
   </p:notesMasterIdLst>
   <p:handoutMasterIdLst>
-    <p:handoutMasterId r:id="rId13"/>
+    <p:handoutMasterId r:id="rId21"/>
   </p:handoutMasterIdLst>
   <p:sldIdLst>
     <p:sldId id="256" r:id="rId5"/>
@@ -18,6 +18,14 @@
     <p:sldId id="280" r:id="rId9"/>
     <p:sldId id="281" r:id="rId10"/>
     <p:sldId id="282" r:id="rId11"/>
+    <p:sldId id="283" r:id="rId12"/>
+    <p:sldId id="284" r:id="rId13"/>
+    <p:sldId id="285" r:id="rId14"/>
+    <p:sldId id="286" r:id="rId15"/>
+    <p:sldId id="288" r:id="rId16"/>
+    <p:sldId id="289" r:id="rId17"/>
+    <p:sldId id="290" r:id="rId18"/>
+    <p:sldId id="291" r:id="rId19"/>
   </p:sldIdLst>
   <p:sldSz cx="9144000" cy="6858000" type="screen4x3"/>
   <p:notesSz cx="6858000" cy="9144000"/>
@@ -229,7 +237,7 @@
                 <a:ea typeface="微软雅黑" panose="020B0503020204020204" pitchFamily="34" charset="-122"/>
               </a:rPr>
               <a:pPr algn="r" rtl="0"/>
-              <a:t>2020/5/26</a:t>
+              <a:t>2020/5/27</a:t>
             </a:fld>
             <a:endParaRPr lang="zh-CN" altLang="en-US" dirty="0">
               <a:latin typeface="微软雅黑" panose="020B0503020204020204" pitchFamily="34" charset="-122"/>
@@ -416,7 +424,7 @@
             <a:fld id="{229B22C3-6CB1-491B-AD00-E0837F23A3F3}" type="datetime1">
               <a:rPr lang="zh-CN" altLang="en-US" smtClean="0"/>
               <a:pPr/>
-              <a:t>2020/5/26</a:t>
+              <a:t>2020/5/27</a:t>
             </a:fld>
             <a:endParaRPr lang="zh-CN" altLang="en-US" dirty="0"/>
           </a:p>
@@ -1012,7 +1020,7 @@
             <a:fld id="{A7392AAC-879E-4B39-8824-AF6B730A809E}" type="datetime1">
               <a:rPr lang="zh-CN" altLang="en-US" smtClean="0"/>
               <a:pPr/>
-              <a:t>2020/5/26</a:t>
+              <a:t>2020/5/27</a:t>
             </a:fld>
             <a:endParaRPr lang="zh-CN" altLang="en-US" dirty="0"/>
           </a:p>
@@ -1353,7 +1361,7 @@
             <a:fld id="{7118C275-B304-48F5-8C4F-015CBCF4E7C1}" type="datetime1">
               <a:rPr lang="zh-CN" altLang="en-US" smtClean="0"/>
               <a:pPr/>
-              <a:t>2020/5/26</a:t>
+              <a:t>2020/5/27</a:t>
             </a:fld>
             <a:r>
               <a:rPr lang="zh-CN" altLang="en-US" dirty="0"/>
@@ -1559,7 +1567,7 @@
             <a:fld id="{98791AA9-DDCB-4BA8-AD1D-963A3AA00622}" type="datetime1">
               <a:rPr lang="zh-CN" altLang="en-US" smtClean="0"/>
               <a:pPr/>
-              <a:t>2020/5/26</a:t>
+              <a:t>2020/5/27</a:t>
             </a:fld>
             <a:endParaRPr lang="zh-CN" altLang="en-US" dirty="0"/>
           </a:p>
@@ -1763,7 +1771,7 @@
             <a:fld id="{9170426F-E661-472B-BE42-25E072CD46D9}" type="datetime1">
               <a:rPr lang="zh-CN" altLang="en-US" smtClean="0"/>
               <a:pPr/>
-              <a:t>2020/5/26</a:t>
+              <a:t>2020/5/27</a:t>
             </a:fld>
             <a:endParaRPr lang="zh-CN" altLang="en-US" dirty="0"/>
           </a:p>
@@ -2085,7 +2093,7 @@
             <a:fld id="{9BA78444-6099-4C0A-A3A9-C6F3C5D7F289}" type="datetime1">
               <a:rPr lang="zh-CN" altLang="en-US" smtClean="0"/>
               <a:pPr/>
-              <a:t>2020/5/26</a:t>
+              <a:t>2020/5/27</a:t>
             </a:fld>
             <a:endParaRPr lang="zh-CN" altLang="en-US" dirty="0"/>
           </a:p>
@@ -3197,7 +3205,7 @@
             <a:fld id="{AF5F6A19-70BF-4380-9A40-68C9536408C6}" type="datetime1">
               <a:rPr lang="zh-CN" altLang="en-US" smtClean="0"/>
               <a:pPr/>
-              <a:t>2020/5/26</a:t>
+              <a:t>2020/5/27</a:t>
             </a:fld>
             <a:endParaRPr lang="zh-CN" altLang="en-US" dirty="0"/>
           </a:p>
@@ -3596,7 +3604,7 @@
             <a:fld id="{6017EB90-196C-4C15-BD31-13E0E0436C73}" type="datetime1">
               <a:rPr lang="zh-CN" altLang="en-US" smtClean="0"/>
               <a:pPr/>
-              <a:t>2020/5/26</a:t>
+              <a:t>2020/5/27</a:t>
             </a:fld>
             <a:r>
               <a:rPr lang="zh-CN" altLang="en-US" dirty="0"/>
@@ -4078,7 +4086,7 @@
             <a:fld id="{C2EC0F41-B48F-4298-A7F6-618EB9D22195}" type="datetime1">
               <a:rPr lang="zh-CN" altLang="en-US" smtClean="0"/>
               <a:pPr/>
-              <a:t>2020/5/26</a:t>
+              <a:t>2020/5/27</a:t>
             </a:fld>
             <a:endParaRPr lang="zh-CN" altLang="en-US" dirty="0"/>
           </a:p>
@@ -4229,7 +4237,7 @@
             <a:fld id="{7DB2D836-56E8-4B15-857C-14B1A5B3B67B}" type="datetime1">
               <a:rPr lang="zh-CN" altLang="en-US" smtClean="0"/>
               <a:pPr/>
-              <a:t>2020/5/26</a:t>
+              <a:t>2020/5/27</a:t>
             </a:fld>
             <a:endParaRPr lang="zh-CN" altLang="en-US" dirty="0"/>
           </a:p>
@@ -4347,7 +4355,7 @@
             <a:fld id="{038D929F-7D8C-4CC3-8AC7-BB9B8FE2DEBF}" type="datetime1">
               <a:rPr lang="zh-CN" altLang="en-US" smtClean="0"/>
               <a:pPr/>
-              <a:t>2020/5/26</a:t>
+              <a:t>2020/5/27</a:t>
             </a:fld>
             <a:endParaRPr lang="zh-CN" altLang="en-US" dirty="0"/>
           </a:p>
@@ -4650,7 +4658,7 @@
             <a:fld id="{F7892ACC-8BC8-4C9E-9D2B-0669DA5038B6}" type="datetime1">
               <a:rPr lang="zh-CN" altLang="en-US" smtClean="0"/>
               <a:pPr/>
-              <a:t>2020/5/26</a:t>
+              <a:t>2020/5/27</a:t>
             </a:fld>
             <a:endParaRPr lang="zh-CN" altLang="en-US" dirty="0"/>
           </a:p>
@@ -4916,7 +4924,7 @@
             <a:fld id="{660B6A15-7713-4A08-BBFD-F297CCC2B976}" type="datetime1">
               <a:rPr lang="zh-CN" altLang="en-US" smtClean="0"/>
               <a:pPr/>
-              <a:t>2020/5/26</a:t>
+              <a:t>2020/5/27</a:t>
             </a:fld>
             <a:r>
               <a:rPr lang="zh-CN" altLang="en-US" dirty="0"/>
@@ -5604,6 +5612,1050 @@
 </p:sld>
 </file>
 
+<file path=ppt/slides/slide10.xml><?xml version="1.0" encoding="utf-8"?>
+<p:sld xmlns:a="http://schemas.openxmlformats.org/drawingml/2006/main" xmlns:r="http://schemas.openxmlformats.org/officeDocument/2006/relationships" xmlns:p="http://schemas.openxmlformats.org/presentationml/2006/main">
+  <p:cSld>
+    <p:spTree>
+      <p:nvGrpSpPr>
+        <p:cNvPr id="1" name=""/>
+        <p:cNvGrpSpPr/>
+        <p:nvPr/>
+      </p:nvGrpSpPr>
+      <p:grpSpPr>
+        <a:xfrm>
+          <a:off x="0" y="0"/>
+          <a:ext cx="0" cy="0"/>
+          <a:chOff x="0" y="0"/>
+          <a:chExt cx="0" cy="0"/>
+        </a:xfrm>
+      </p:grpSpPr>
+      <p:sp>
+        <p:nvSpPr>
+          <p:cNvPr id="2" name="标题 1"/>
+          <p:cNvSpPr>
+            <a:spLocks noGrp="1"/>
+          </p:cNvSpPr>
+          <p:nvPr>
+            <p:ph type="title"/>
+          </p:nvPr>
+        </p:nvSpPr>
+        <p:spPr/>
+        <p:txBody>
+          <a:bodyPr/>
+          <a:lstStyle/>
+          <a:p>
+            <a:r>
+              <a:rPr lang="en-US" altLang="zh-CN" dirty="0" smtClean="0"/>
+              <a:t>8.2 The </a:t>
+            </a:r>
+            <a:r>
+              <a:rPr lang="en-US" altLang="zh-CN" dirty="0"/>
+              <a:t>Target </a:t>
+            </a:r>
+            <a:r>
+              <a:rPr lang="en-US" altLang="zh-CN" dirty="0" smtClean="0"/>
+              <a:t>Language – Examples</a:t>
+            </a:r>
+            <a:endParaRPr lang="zh-CN" altLang="en-US" dirty="0"/>
+          </a:p>
+        </p:txBody>
+      </p:sp>
+      <p:pic>
+        <p:nvPicPr>
+          <p:cNvPr id="5" name="图片 4"/>
+          <p:cNvPicPr>
+            <a:picLocks noChangeAspect="1"/>
+          </p:cNvPicPr>
+          <p:nvPr/>
+        </p:nvPicPr>
+        <p:blipFill>
+          <a:blip r:embed="rId2"/>
+          <a:stretch>
+            <a:fillRect/>
+          </a:stretch>
+        </p:blipFill>
+        <p:spPr>
+          <a:xfrm>
+            <a:off x="768345" y="1538813"/>
+            <a:ext cx="7504762" cy="4857143"/>
+          </a:xfrm>
+          <a:prstGeom prst="rect">
+            <a:avLst/>
+          </a:prstGeom>
+        </p:spPr>
+      </p:pic>
+    </p:spTree>
+    <p:extLst>
+      <p:ext uri="{BB962C8B-B14F-4D97-AF65-F5344CB8AC3E}">
+        <p14:creationId xmlns:p14="http://schemas.microsoft.com/office/powerpoint/2010/main" val="2707928671"/>
+      </p:ext>
+    </p:extLst>
+  </p:cSld>
+  <p:clrMapOvr>
+    <a:masterClrMapping/>
+  </p:clrMapOvr>
+  <mc:AlternateContent xmlns:mc="http://schemas.openxmlformats.org/markup-compatibility/2006" xmlns:p14="http://schemas.microsoft.com/office/powerpoint/2010/main">
+    <mc:Choice Requires="p14">
+      <p:transition spd="med" p14:dur="700">
+        <p:fade/>
+      </p:transition>
+    </mc:Choice>
+    <mc:Fallback xmlns="">
+      <p:transition spd="med">
+        <p:fade/>
+      </p:transition>
+    </mc:Fallback>
+  </mc:AlternateContent>
+</p:sld>
+</file>
+
+<file path=ppt/slides/slide11.xml><?xml version="1.0" encoding="utf-8"?>
+<p:sld xmlns:a="http://schemas.openxmlformats.org/drawingml/2006/main" xmlns:r="http://schemas.openxmlformats.org/officeDocument/2006/relationships" xmlns:p="http://schemas.openxmlformats.org/presentationml/2006/main">
+  <p:cSld>
+    <p:spTree>
+      <p:nvGrpSpPr>
+        <p:cNvPr id="1" name=""/>
+        <p:cNvGrpSpPr/>
+        <p:nvPr/>
+      </p:nvGrpSpPr>
+      <p:grpSpPr>
+        <a:xfrm>
+          <a:off x="0" y="0"/>
+          <a:ext cx="0" cy="0"/>
+          <a:chOff x="0" y="0"/>
+          <a:chExt cx="0" cy="0"/>
+        </a:xfrm>
+      </p:grpSpPr>
+      <p:sp>
+        <p:nvSpPr>
+          <p:cNvPr id="2" name="标题 1"/>
+          <p:cNvSpPr>
+            <a:spLocks noGrp="1"/>
+          </p:cNvSpPr>
+          <p:nvPr>
+            <p:ph type="title"/>
+          </p:nvPr>
+        </p:nvSpPr>
+        <p:spPr/>
+        <p:txBody>
+          <a:bodyPr/>
+          <a:lstStyle/>
+          <a:p>
+            <a:r>
+              <a:rPr lang="en-US" altLang="zh-CN" dirty="0" smtClean="0"/>
+              <a:t>8.2 The </a:t>
+            </a:r>
+            <a:r>
+              <a:rPr lang="en-US" altLang="zh-CN" dirty="0"/>
+              <a:t>Target </a:t>
+            </a:r>
+            <a:r>
+              <a:rPr lang="en-US" altLang="zh-CN" dirty="0" smtClean="0"/>
+              <a:t>Language – Examples</a:t>
+            </a:r>
+            <a:endParaRPr lang="zh-CN" altLang="en-US" dirty="0"/>
+          </a:p>
+        </p:txBody>
+      </p:sp>
+      <p:pic>
+        <p:nvPicPr>
+          <p:cNvPr id="3" name="图片 2"/>
+          <p:cNvPicPr>
+            <a:picLocks noChangeAspect="1"/>
+          </p:cNvPicPr>
+          <p:nvPr/>
+        </p:nvPicPr>
+        <p:blipFill>
+          <a:blip r:embed="rId2"/>
+          <a:stretch>
+            <a:fillRect/>
+          </a:stretch>
+        </p:blipFill>
+        <p:spPr>
+          <a:xfrm>
+            <a:off x="739772" y="1342739"/>
+            <a:ext cx="7561905" cy="3266667"/>
+          </a:xfrm>
+          <a:prstGeom prst="rect">
+            <a:avLst/>
+          </a:prstGeom>
+        </p:spPr>
+      </p:pic>
+      <p:pic>
+        <p:nvPicPr>
+          <p:cNvPr id="4" name="图片 3"/>
+          <p:cNvPicPr>
+            <a:picLocks noChangeAspect="1"/>
+          </p:cNvPicPr>
+          <p:nvPr/>
+        </p:nvPicPr>
+        <p:blipFill>
+          <a:blip r:embed="rId3"/>
+          <a:stretch>
+            <a:fillRect/>
+          </a:stretch>
+        </p:blipFill>
+        <p:spPr>
+          <a:xfrm>
+            <a:off x="839483" y="4562481"/>
+            <a:ext cx="6285714" cy="809524"/>
+          </a:xfrm>
+          <a:prstGeom prst="rect">
+            <a:avLst/>
+          </a:prstGeom>
+        </p:spPr>
+      </p:pic>
+      <p:pic>
+        <p:nvPicPr>
+          <p:cNvPr id="6" name="图片 5"/>
+          <p:cNvPicPr>
+            <a:picLocks noChangeAspect="1"/>
+          </p:cNvPicPr>
+          <p:nvPr/>
+        </p:nvPicPr>
+        <p:blipFill>
+          <a:blip r:embed="rId4"/>
+          <a:stretch>
+            <a:fillRect/>
+          </a:stretch>
+        </p:blipFill>
+        <p:spPr>
+          <a:xfrm>
+            <a:off x="883749" y="5315143"/>
+            <a:ext cx="5257143" cy="1542857"/>
+          </a:xfrm>
+          <a:prstGeom prst="rect">
+            <a:avLst/>
+          </a:prstGeom>
+        </p:spPr>
+      </p:pic>
+    </p:spTree>
+    <p:extLst>
+      <p:ext uri="{BB962C8B-B14F-4D97-AF65-F5344CB8AC3E}">
+        <p14:creationId xmlns:p14="http://schemas.microsoft.com/office/powerpoint/2010/main" val="649376807"/>
+      </p:ext>
+    </p:extLst>
+  </p:cSld>
+  <p:clrMapOvr>
+    <a:masterClrMapping/>
+  </p:clrMapOvr>
+  <mc:AlternateContent xmlns:mc="http://schemas.openxmlformats.org/markup-compatibility/2006" xmlns:p14="http://schemas.microsoft.com/office/powerpoint/2010/main">
+    <mc:Choice Requires="p14">
+      <p:transition spd="med" p14:dur="700">
+        <p:fade/>
+      </p:transition>
+    </mc:Choice>
+    <mc:Fallback xmlns="">
+      <p:transition spd="med">
+        <p:fade/>
+      </p:transition>
+    </mc:Fallback>
+  </mc:AlternateContent>
+</p:sld>
+</file>
+
+<file path=ppt/slides/slide12.xml><?xml version="1.0" encoding="utf-8"?>
+<p:sld xmlns:a="http://schemas.openxmlformats.org/drawingml/2006/main" xmlns:r="http://schemas.openxmlformats.org/officeDocument/2006/relationships" xmlns:p="http://schemas.openxmlformats.org/presentationml/2006/main">
+  <p:cSld>
+    <p:spTree>
+      <p:nvGrpSpPr>
+        <p:cNvPr id="1" name=""/>
+        <p:cNvGrpSpPr/>
+        <p:nvPr/>
+      </p:nvGrpSpPr>
+      <p:grpSpPr>
+        <a:xfrm>
+          <a:off x="0" y="0"/>
+          <a:ext cx="0" cy="0"/>
+          <a:chOff x="0" y="0"/>
+          <a:chExt cx="0" cy="0"/>
+        </a:xfrm>
+      </p:grpSpPr>
+      <p:sp>
+        <p:nvSpPr>
+          <p:cNvPr id="2" name="标题 1"/>
+          <p:cNvSpPr>
+            <a:spLocks noGrp="1"/>
+          </p:cNvSpPr>
+          <p:nvPr>
+            <p:ph type="title"/>
+          </p:nvPr>
+        </p:nvSpPr>
+        <p:spPr/>
+        <p:txBody>
+          <a:bodyPr/>
+          <a:lstStyle/>
+          <a:p>
+            <a:r>
+              <a:rPr lang="en-US" altLang="zh-CN" dirty="0"/>
+              <a:t>8.2 The Target Language – Instruction Cost</a:t>
+            </a:r>
+            <a:endParaRPr lang="zh-CN" altLang="en-US" dirty="0"/>
+          </a:p>
+        </p:txBody>
+      </p:sp>
+      <p:sp>
+        <p:nvSpPr>
+          <p:cNvPr id="3" name="内容占位符 2"/>
+          <p:cNvSpPr>
+            <a:spLocks noGrp="1"/>
+          </p:cNvSpPr>
+          <p:nvPr>
+            <p:ph idx="1"/>
+          </p:nvPr>
+        </p:nvSpPr>
+        <p:spPr/>
+        <p:txBody>
+          <a:bodyPr/>
+          <a:lstStyle/>
+          <a:p>
+            <a:r>
+              <a:rPr lang="en-US" altLang="zh-CN" dirty="0" smtClean="0"/>
+              <a:t>We assume </a:t>
+            </a:r>
+            <a:r>
+              <a:rPr lang="en-US" altLang="zh-CN" dirty="0"/>
+              <a:t>each </a:t>
+            </a:r>
+            <a:r>
+              <a:rPr lang="en-US" altLang="zh-CN" dirty="0" smtClean="0"/>
+              <a:t>target-language instruction </a:t>
+            </a:r>
+            <a:r>
+              <a:rPr lang="en-US" altLang="zh-CN" dirty="0"/>
+              <a:t>has an associated cost. For simplicity, we take the cost of an </a:t>
+            </a:r>
+            <a:r>
+              <a:rPr lang="en-US" altLang="zh-CN" dirty="0" smtClean="0"/>
+              <a:t>instruction to </a:t>
+            </a:r>
+            <a:r>
+              <a:rPr lang="en-US" altLang="zh-CN" dirty="0"/>
+              <a:t>be one plus the costs associated with the addressing modes of </a:t>
+            </a:r>
+            <a:r>
+              <a:rPr lang="en-US" altLang="zh-CN" dirty="0" smtClean="0"/>
+              <a:t>the operands</a:t>
+            </a:r>
+            <a:r>
+              <a:rPr lang="en-US" altLang="zh-CN" dirty="0"/>
+              <a:t>.</a:t>
+            </a:r>
+            <a:endParaRPr lang="zh-CN" altLang="en-US" dirty="0"/>
+          </a:p>
+        </p:txBody>
+      </p:sp>
+      <p:pic>
+        <p:nvPicPr>
+          <p:cNvPr id="4" name="图片 3"/>
+          <p:cNvPicPr>
+            <a:picLocks noChangeAspect="1"/>
+          </p:cNvPicPr>
+          <p:nvPr/>
+        </p:nvPicPr>
+        <p:blipFill>
+          <a:blip r:embed="rId2"/>
+          <a:stretch>
+            <a:fillRect/>
+          </a:stretch>
+        </p:blipFill>
+        <p:spPr>
+          <a:xfrm>
+            <a:off x="934033" y="2465556"/>
+            <a:ext cx="7190476" cy="2952381"/>
+          </a:xfrm>
+          <a:prstGeom prst="rect">
+            <a:avLst/>
+          </a:prstGeom>
+        </p:spPr>
+      </p:pic>
+    </p:spTree>
+    <p:extLst>
+      <p:ext uri="{BB962C8B-B14F-4D97-AF65-F5344CB8AC3E}">
+        <p14:creationId xmlns:p14="http://schemas.microsoft.com/office/powerpoint/2010/main" val="1721618236"/>
+      </p:ext>
+    </p:extLst>
+  </p:cSld>
+  <p:clrMapOvr>
+    <a:masterClrMapping/>
+  </p:clrMapOvr>
+  <mc:AlternateContent xmlns:mc="http://schemas.openxmlformats.org/markup-compatibility/2006" xmlns:p14="http://schemas.microsoft.com/office/powerpoint/2010/main">
+    <mc:Choice Requires="p14">
+      <p:transition spd="med" p14:dur="700">
+        <p:fade/>
+      </p:transition>
+    </mc:Choice>
+    <mc:Fallback xmlns="">
+      <p:transition spd="med">
+        <p:fade/>
+      </p:transition>
+    </mc:Fallback>
+  </mc:AlternateContent>
+</p:sld>
+</file>
+
+<file path=ppt/slides/slide13.xml><?xml version="1.0" encoding="utf-8"?>
+<p:sld xmlns:a="http://schemas.openxmlformats.org/drawingml/2006/main" xmlns:r="http://schemas.openxmlformats.org/officeDocument/2006/relationships" xmlns:p="http://schemas.openxmlformats.org/presentationml/2006/main">
+  <p:cSld>
+    <p:spTree>
+      <p:nvGrpSpPr>
+        <p:cNvPr id="1" name=""/>
+        <p:cNvGrpSpPr/>
+        <p:nvPr/>
+      </p:nvGrpSpPr>
+      <p:grpSpPr>
+        <a:xfrm>
+          <a:off x="0" y="0"/>
+          <a:ext cx="0" cy="0"/>
+          <a:chOff x="0" y="0"/>
+          <a:chExt cx="0" cy="0"/>
+        </a:xfrm>
+      </p:grpSpPr>
+      <p:sp>
+        <p:nvSpPr>
+          <p:cNvPr id="2" name="标题 1"/>
+          <p:cNvSpPr>
+            <a:spLocks noGrp="1"/>
+          </p:cNvSpPr>
+          <p:nvPr>
+            <p:ph type="title"/>
+          </p:nvPr>
+        </p:nvSpPr>
+        <p:spPr/>
+        <p:txBody>
+          <a:bodyPr/>
+          <a:lstStyle/>
+          <a:p>
+            <a:r>
+              <a:rPr lang="en-US" altLang="zh-CN" dirty="0"/>
+              <a:t>8.3 Addresses in the Target Code</a:t>
+            </a:r>
+            <a:endParaRPr lang="zh-CN" altLang="en-US" dirty="0"/>
+          </a:p>
+        </p:txBody>
+      </p:sp>
+      <p:sp>
+        <p:nvSpPr>
+          <p:cNvPr id="5" name="内容占位符 4"/>
+          <p:cNvSpPr>
+            <a:spLocks noGrp="1"/>
+          </p:cNvSpPr>
+          <p:nvPr>
+            <p:ph idx="1"/>
+          </p:nvPr>
+        </p:nvSpPr>
+        <p:spPr>
+          <a:xfrm>
+            <a:off x="828675" y="1600200"/>
+            <a:ext cx="7486650" cy="989176"/>
+          </a:xfrm>
+        </p:spPr>
+        <p:txBody>
+          <a:bodyPr/>
+          <a:lstStyle/>
+          <a:p>
+            <a:r>
+              <a:rPr lang="en-US" altLang="zh-CN" dirty="0" smtClean="0"/>
+              <a:t>In the last chapter, we </a:t>
+            </a:r>
+            <a:r>
+              <a:rPr lang="en-US" altLang="zh-CN" dirty="0"/>
+              <a:t>described how </a:t>
+            </a:r>
+            <a:r>
+              <a:rPr lang="en-US" altLang="zh-CN" dirty="0" smtClean="0"/>
+              <a:t>each executing </a:t>
+            </a:r>
+            <a:r>
+              <a:rPr lang="en-US" altLang="zh-CN" dirty="0"/>
+              <a:t>program runs in its own logical address space that was </a:t>
+            </a:r>
+            <a:r>
+              <a:rPr lang="en-US" altLang="zh-CN" dirty="0" smtClean="0"/>
+              <a:t>partitioned into </a:t>
+            </a:r>
+            <a:r>
+              <a:rPr lang="en-US" altLang="zh-CN" dirty="0"/>
+              <a:t>four code and data areas:</a:t>
+            </a:r>
+            <a:endParaRPr lang="zh-CN" altLang="en-US" dirty="0"/>
+          </a:p>
+        </p:txBody>
+      </p:sp>
+      <p:pic>
+        <p:nvPicPr>
+          <p:cNvPr id="6" name="图片 5"/>
+          <p:cNvPicPr>
+            <a:picLocks noChangeAspect="1"/>
+          </p:cNvPicPr>
+          <p:nvPr/>
+        </p:nvPicPr>
+        <p:blipFill>
+          <a:blip r:embed="rId2"/>
+          <a:stretch>
+            <a:fillRect/>
+          </a:stretch>
+        </p:blipFill>
+        <p:spPr>
+          <a:xfrm>
+            <a:off x="972849" y="2432561"/>
+            <a:ext cx="7266667" cy="3428571"/>
+          </a:xfrm>
+          <a:prstGeom prst="rect">
+            <a:avLst/>
+          </a:prstGeom>
+        </p:spPr>
+      </p:pic>
+    </p:spTree>
+    <p:extLst>
+      <p:ext uri="{BB962C8B-B14F-4D97-AF65-F5344CB8AC3E}">
+        <p14:creationId xmlns:p14="http://schemas.microsoft.com/office/powerpoint/2010/main" val="244648622"/>
+      </p:ext>
+    </p:extLst>
+  </p:cSld>
+  <p:clrMapOvr>
+    <a:masterClrMapping/>
+  </p:clrMapOvr>
+  <mc:AlternateContent xmlns:mc="http://schemas.openxmlformats.org/markup-compatibility/2006" xmlns:p14="http://schemas.microsoft.com/office/powerpoint/2010/main">
+    <mc:Choice Requires="p14">
+      <p:transition spd="med" p14:dur="700">
+        <p:fade/>
+      </p:transition>
+    </mc:Choice>
+    <mc:Fallback xmlns="">
+      <p:transition spd="med">
+        <p:fade/>
+      </p:transition>
+    </mc:Fallback>
+  </mc:AlternateContent>
+</p:sld>
+</file>
+
+<file path=ppt/slides/slide14.xml><?xml version="1.0" encoding="utf-8"?>
+<p:sld xmlns:a="http://schemas.openxmlformats.org/drawingml/2006/main" xmlns:r="http://schemas.openxmlformats.org/officeDocument/2006/relationships" xmlns:p="http://schemas.openxmlformats.org/presentationml/2006/main">
+  <p:cSld>
+    <p:spTree>
+      <p:nvGrpSpPr>
+        <p:cNvPr id="1" name=""/>
+        <p:cNvGrpSpPr/>
+        <p:nvPr/>
+      </p:nvGrpSpPr>
+      <p:grpSpPr>
+        <a:xfrm>
+          <a:off x="0" y="0"/>
+          <a:ext cx="0" cy="0"/>
+          <a:chOff x="0" y="0"/>
+          <a:chExt cx="0" cy="0"/>
+        </a:xfrm>
+      </p:grpSpPr>
+      <p:sp>
+        <p:nvSpPr>
+          <p:cNvPr id="2" name="标题 1"/>
+          <p:cNvSpPr>
+            <a:spLocks noGrp="1"/>
+          </p:cNvSpPr>
+          <p:nvPr>
+            <p:ph type="title"/>
+          </p:nvPr>
+        </p:nvSpPr>
+        <p:spPr/>
+        <p:txBody>
+          <a:bodyPr/>
+          <a:lstStyle/>
+          <a:p>
+            <a:r>
+              <a:rPr lang="en-US" altLang="zh-CN" dirty="0"/>
+              <a:t>8.3 Addresses in the Target Code-Static Allocation</a:t>
+            </a:r>
+            <a:endParaRPr lang="zh-CN" altLang="en-US" dirty="0"/>
+          </a:p>
+        </p:txBody>
+      </p:sp>
+      <p:sp>
+        <p:nvSpPr>
+          <p:cNvPr id="5" name="内容占位符 4"/>
+          <p:cNvSpPr>
+            <a:spLocks noGrp="1"/>
+          </p:cNvSpPr>
+          <p:nvPr>
+            <p:ph idx="1"/>
+          </p:nvPr>
+        </p:nvSpPr>
+        <p:spPr>
+          <a:xfrm>
+            <a:off x="828675" y="1600199"/>
+            <a:ext cx="7486650" cy="4672413"/>
+          </a:xfrm>
+        </p:spPr>
+        <p:txBody>
+          <a:bodyPr/>
+          <a:lstStyle/>
+          <a:p>
+            <a:r>
+              <a:rPr lang="en-US" altLang="zh-CN" dirty="0"/>
+              <a:t>code generation for simplified procedure calls and returns, three-address statements</a:t>
+            </a:r>
+            <a:r>
+              <a:rPr lang="en-US" altLang="zh-CN" dirty="0" smtClean="0"/>
+              <a:t>:</a:t>
+            </a:r>
+          </a:p>
+          <a:p>
+            <a:endParaRPr lang="en-US" altLang="zh-CN" dirty="0"/>
+          </a:p>
+          <a:p>
+            <a:endParaRPr lang="en-US" altLang="zh-CN" dirty="0" smtClean="0"/>
+          </a:p>
+          <a:p>
+            <a:r>
+              <a:rPr lang="en-US" altLang="zh-CN" dirty="0"/>
+              <a:t>Here, a </a:t>
+            </a:r>
+            <a:r>
+              <a:rPr lang="en-US" altLang="zh-CN" dirty="0">
+                <a:solidFill>
+                  <a:srgbClr val="7030A0"/>
+                </a:solidFill>
+                <a:latin typeface="Cambria Math" panose="02040503050406030204" pitchFamily="18" charset="0"/>
+                <a:ea typeface="Cambria Math" panose="02040503050406030204" pitchFamily="18" charset="0"/>
+              </a:rPr>
+              <a:t>call </a:t>
+            </a:r>
+            <a:r>
+              <a:rPr lang="en-US" altLang="zh-CN" dirty="0" err="1">
+                <a:solidFill>
+                  <a:srgbClr val="7030A0"/>
+                </a:solidFill>
+                <a:latin typeface="Cambria Math" panose="02040503050406030204" pitchFamily="18" charset="0"/>
+                <a:ea typeface="Cambria Math" panose="02040503050406030204" pitchFamily="18" charset="0"/>
+              </a:rPr>
+              <a:t>callee</a:t>
+            </a:r>
+            <a:r>
+              <a:rPr lang="en-US" altLang="zh-CN" dirty="0">
+                <a:solidFill>
+                  <a:srgbClr val="7030A0"/>
+                </a:solidFill>
+                <a:latin typeface="Cambria Math" panose="02040503050406030204" pitchFamily="18" charset="0"/>
+                <a:ea typeface="Cambria Math" panose="02040503050406030204" pitchFamily="18" charset="0"/>
+              </a:rPr>
+              <a:t> </a:t>
+            </a:r>
+            <a:r>
+              <a:rPr lang="en-US" altLang="zh-CN" dirty="0"/>
+              <a:t>statement in the intermediate code can be </a:t>
+            </a:r>
+            <a:r>
+              <a:rPr lang="en-US" altLang="zh-CN" dirty="0" smtClean="0"/>
+              <a:t>implemented by </a:t>
+            </a:r>
+            <a:r>
+              <a:rPr lang="en-US" altLang="zh-CN" dirty="0"/>
+              <a:t>a sequence of two target-machine </a:t>
+            </a:r>
+            <a:r>
+              <a:rPr lang="en-US" altLang="zh-CN" dirty="0" smtClean="0"/>
+              <a:t>instructions</a:t>
+            </a:r>
+            <a:r>
+              <a:rPr lang="en-US" altLang="zh-CN" dirty="0"/>
+              <a:t>:</a:t>
+            </a:r>
+            <a:endParaRPr lang="en-US" altLang="zh-CN" dirty="0" smtClean="0"/>
+          </a:p>
+          <a:p>
+            <a:endParaRPr lang="zh-CN" altLang="en-US" dirty="0"/>
+          </a:p>
+        </p:txBody>
+      </p:sp>
+      <p:pic>
+        <p:nvPicPr>
+          <p:cNvPr id="3" name="图片 2"/>
+          <p:cNvPicPr>
+            <a:picLocks noChangeAspect="1"/>
+          </p:cNvPicPr>
+          <p:nvPr/>
+        </p:nvPicPr>
+        <p:blipFill>
+          <a:blip r:embed="rId2"/>
+          <a:stretch>
+            <a:fillRect/>
+          </a:stretch>
+        </p:blipFill>
+        <p:spPr>
+          <a:xfrm>
+            <a:off x="2202385" y="1880754"/>
+            <a:ext cx="4557339" cy="1094020"/>
+          </a:xfrm>
+          <a:prstGeom prst="rect">
+            <a:avLst/>
+          </a:prstGeom>
+        </p:spPr>
+      </p:pic>
+      <p:pic>
+        <p:nvPicPr>
+          <p:cNvPr id="4" name="图片 3"/>
+          <p:cNvPicPr>
+            <a:picLocks noChangeAspect="1"/>
+          </p:cNvPicPr>
+          <p:nvPr/>
+        </p:nvPicPr>
+        <p:blipFill>
+          <a:blip r:embed="rId3"/>
+          <a:stretch>
+            <a:fillRect/>
+          </a:stretch>
+        </p:blipFill>
+        <p:spPr>
+          <a:xfrm>
+            <a:off x="2319329" y="3484139"/>
+            <a:ext cx="3226892" cy="555742"/>
+          </a:xfrm>
+          <a:prstGeom prst="rect">
+            <a:avLst/>
+          </a:prstGeom>
+        </p:spPr>
+      </p:pic>
+      <p:pic>
+        <p:nvPicPr>
+          <p:cNvPr id="6" name="图片 5"/>
+          <p:cNvPicPr>
+            <a:picLocks noChangeAspect="1"/>
+          </p:cNvPicPr>
+          <p:nvPr/>
+        </p:nvPicPr>
+        <p:blipFill>
+          <a:blip r:embed="rId4"/>
+          <a:stretch>
+            <a:fillRect/>
+          </a:stretch>
+        </p:blipFill>
+        <p:spPr>
+          <a:xfrm>
+            <a:off x="833648" y="4142015"/>
+            <a:ext cx="7647619" cy="2647619"/>
+          </a:xfrm>
+          <a:prstGeom prst="rect">
+            <a:avLst/>
+          </a:prstGeom>
+        </p:spPr>
+      </p:pic>
+    </p:spTree>
+    <p:extLst>
+      <p:ext uri="{BB962C8B-B14F-4D97-AF65-F5344CB8AC3E}">
+        <p14:creationId xmlns:p14="http://schemas.microsoft.com/office/powerpoint/2010/main" val="3679248542"/>
+      </p:ext>
+    </p:extLst>
+  </p:cSld>
+  <p:clrMapOvr>
+    <a:masterClrMapping/>
+  </p:clrMapOvr>
+  <mc:AlternateContent xmlns:mc="http://schemas.openxmlformats.org/markup-compatibility/2006" xmlns:p14="http://schemas.microsoft.com/office/powerpoint/2010/main">
+    <mc:Choice Requires="p14">
+      <p:transition spd="med" p14:dur="700">
+        <p:fade/>
+      </p:transition>
+    </mc:Choice>
+    <mc:Fallback xmlns="">
+      <p:transition spd="med">
+        <p:fade/>
+      </p:transition>
+    </mc:Fallback>
+  </mc:AlternateContent>
+</p:sld>
+</file>
+
+<file path=ppt/slides/slide15.xml><?xml version="1.0" encoding="utf-8"?>
+<p:sld xmlns:a="http://schemas.openxmlformats.org/drawingml/2006/main" xmlns:r="http://schemas.openxmlformats.org/officeDocument/2006/relationships" xmlns:p="http://schemas.openxmlformats.org/presentationml/2006/main">
+  <p:cSld>
+    <p:spTree>
+      <p:nvGrpSpPr>
+        <p:cNvPr id="1" name=""/>
+        <p:cNvGrpSpPr/>
+        <p:nvPr/>
+      </p:nvGrpSpPr>
+      <p:grpSpPr>
+        <a:xfrm>
+          <a:off x="0" y="0"/>
+          <a:ext cx="0" cy="0"/>
+          <a:chOff x="0" y="0"/>
+          <a:chExt cx="0" cy="0"/>
+        </a:xfrm>
+      </p:grpSpPr>
+      <p:sp>
+        <p:nvSpPr>
+          <p:cNvPr id="2" name="标题 1"/>
+          <p:cNvSpPr>
+            <a:spLocks noGrp="1"/>
+          </p:cNvSpPr>
+          <p:nvPr>
+            <p:ph type="title"/>
+          </p:nvPr>
+        </p:nvSpPr>
+        <p:spPr/>
+        <p:txBody>
+          <a:bodyPr/>
+          <a:lstStyle/>
+          <a:p>
+            <a:r>
+              <a:rPr lang="en-US" altLang="zh-CN" dirty="0"/>
+              <a:t>8.3 Addresses in the Target Code-Static Allocation</a:t>
+            </a:r>
+            <a:endParaRPr lang="zh-CN" altLang="en-US" dirty="0"/>
+          </a:p>
+        </p:txBody>
+      </p:sp>
+      <p:sp>
+        <p:nvSpPr>
+          <p:cNvPr id="5" name="内容占位符 4"/>
+          <p:cNvSpPr>
+            <a:spLocks noGrp="1"/>
+          </p:cNvSpPr>
+          <p:nvPr>
+            <p:ph idx="1"/>
+          </p:nvPr>
+        </p:nvSpPr>
+        <p:spPr>
+          <a:xfrm>
+            <a:off x="828675" y="1600199"/>
+            <a:ext cx="7486650" cy="4672413"/>
+          </a:xfrm>
+        </p:spPr>
+        <p:txBody>
+          <a:bodyPr/>
+          <a:lstStyle/>
+          <a:p>
+            <a:r>
+              <a:rPr lang="en-US" altLang="zh-CN" dirty="0"/>
+              <a:t>A </a:t>
+            </a:r>
+            <a:r>
+              <a:rPr lang="en-US" altLang="zh-CN" dirty="0">
+                <a:solidFill>
+                  <a:srgbClr val="7030A0"/>
+                </a:solidFill>
+                <a:latin typeface="Cambria Math" panose="02040503050406030204" pitchFamily="18" charset="0"/>
+                <a:ea typeface="Cambria Math" panose="02040503050406030204" pitchFamily="18" charset="0"/>
+              </a:rPr>
+              <a:t>return </a:t>
+            </a:r>
+            <a:r>
+              <a:rPr lang="en-US" altLang="zh-CN" dirty="0" err="1">
+                <a:solidFill>
+                  <a:srgbClr val="7030A0"/>
+                </a:solidFill>
+                <a:latin typeface="Cambria Math" panose="02040503050406030204" pitchFamily="18" charset="0"/>
+                <a:ea typeface="Cambria Math" panose="02040503050406030204" pitchFamily="18" charset="0"/>
+              </a:rPr>
+              <a:t>callee</a:t>
+            </a:r>
+            <a:r>
+              <a:rPr lang="en-US" altLang="zh-CN" dirty="0">
+                <a:solidFill>
+                  <a:srgbClr val="7030A0"/>
+                </a:solidFill>
+                <a:latin typeface="Cambria Math" panose="02040503050406030204" pitchFamily="18" charset="0"/>
+                <a:ea typeface="Cambria Math" panose="02040503050406030204" pitchFamily="18" charset="0"/>
+              </a:rPr>
+              <a:t> </a:t>
+            </a:r>
+            <a:r>
+              <a:rPr lang="en-US" altLang="zh-CN" dirty="0"/>
+              <a:t>statement can </a:t>
+            </a:r>
+            <a:r>
+              <a:rPr lang="en-US" altLang="zh-CN" dirty="0" smtClean="0"/>
+              <a:t>be implemented </a:t>
+            </a:r>
+            <a:r>
+              <a:rPr lang="en-US" altLang="zh-CN" dirty="0"/>
+              <a:t>by a simple jump instruction</a:t>
+            </a:r>
+          </a:p>
+          <a:p>
+            <a:endParaRPr lang="en-US" altLang="zh-CN" dirty="0" smtClean="0"/>
+          </a:p>
+          <a:p>
+            <a:r>
+              <a:rPr lang="en-US" altLang="zh-CN" dirty="0"/>
+              <a:t>which transfers control to the address saved at the beginning of the </a:t>
+            </a:r>
+            <a:r>
+              <a:rPr lang="en-US" altLang="zh-CN" dirty="0" smtClean="0"/>
+              <a:t>activation record </a:t>
+            </a:r>
+            <a:r>
+              <a:rPr lang="en-US" altLang="zh-CN" dirty="0"/>
+              <a:t>for </a:t>
+            </a:r>
+            <a:r>
+              <a:rPr lang="en-US" altLang="zh-CN" dirty="0" err="1"/>
+              <a:t>callee</a:t>
+            </a:r>
+            <a:r>
+              <a:rPr lang="en-US" altLang="zh-CN" dirty="0" smtClean="0"/>
+              <a:t>.</a:t>
+            </a:r>
+          </a:p>
+          <a:p>
+            <a:pPr marL="0" indent="0">
+              <a:buNone/>
+            </a:pPr>
+            <a:endParaRPr lang="en-US" altLang="zh-CN" dirty="0"/>
+          </a:p>
+          <a:p>
+            <a:pPr marL="0" indent="0">
+              <a:buNone/>
+            </a:pPr>
+            <a:r>
+              <a:rPr lang="en-US" altLang="zh-CN" dirty="0" smtClean="0"/>
+              <a:t>Example</a:t>
+            </a:r>
+            <a:r>
+              <a:rPr lang="zh-CN" altLang="en-US" dirty="0" smtClean="0"/>
+              <a:t>： </a:t>
+            </a:r>
+            <a:endParaRPr lang="en-US" altLang="zh-CN" dirty="0"/>
+          </a:p>
+        </p:txBody>
+      </p:sp>
+      <p:pic>
+        <p:nvPicPr>
+          <p:cNvPr id="7" name="图片 6"/>
+          <p:cNvPicPr>
+            <a:picLocks noChangeAspect="1"/>
+          </p:cNvPicPr>
+          <p:nvPr/>
+        </p:nvPicPr>
+        <p:blipFill>
+          <a:blip r:embed="rId2"/>
+          <a:stretch>
+            <a:fillRect/>
+          </a:stretch>
+        </p:blipFill>
+        <p:spPr>
+          <a:xfrm>
+            <a:off x="2952405" y="1968134"/>
+            <a:ext cx="2333333" cy="323810"/>
+          </a:xfrm>
+          <a:prstGeom prst="rect">
+            <a:avLst/>
+          </a:prstGeom>
+        </p:spPr>
+      </p:pic>
+      <p:pic>
+        <p:nvPicPr>
+          <p:cNvPr id="8" name="图片 7"/>
+          <p:cNvPicPr>
+            <a:picLocks noChangeAspect="1"/>
+          </p:cNvPicPr>
+          <p:nvPr/>
+        </p:nvPicPr>
+        <p:blipFill>
+          <a:blip r:embed="rId3"/>
+          <a:stretch>
+            <a:fillRect/>
+          </a:stretch>
+        </p:blipFill>
+        <p:spPr>
+          <a:xfrm>
+            <a:off x="589167" y="3741864"/>
+            <a:ext cx="2530948" cy="1958182"/>
+          </a:xfrm>
+          <a:prstGeom prst="rect">
+            <a:avLst/>
+          </a:prstGeom>
+        </p:spPr>
+      </p:pic>
+      <p:pic>
+        <p:nvPicPr>
+          <p:cNvPr id="9" name="图片 8"/>
+          <p:cNvPicPr>
+            <a:picLocks noChangeAspect="1"/>
+          </p:cNvPicPr>
+          <p:nvPr/>
+        </p:nvPicPr>
+        <p:blipFill>
+          <a:blip r:embed="rId4"/>
+          <a:stretch>
+            <a:fillRect/>
+          </a:stretch>
+        </p:blipFill>
+        <p:spPr>
+          <a:xfrm>
+            <a:off x="4582043" y="3119215"/>
+            <a:ext cx="4310801" cy="3129506"/>
+          </a:xfrm>
+          <a:prstGeom prst="rect">
+            <a:avLst/>
+          </a:prstGeom>
+        </p:spPr>
+      </p:pic>
+      <p:sp>
+        <p:nvSpPr>
+          <p:cNvPr id="10" name="右箭头 9"/>
+          <p:cNvSpPr/>
+          <p:nvPr/>
+        </p:nvSpPr>
+        <p:spPr>
+          <a:xfrm>
+            <a:off x="3469593" y="4221622"/>
+            <a:ext cx="709300" cy="393107"/>
+          </a:xfrm>
+          <a:prstGeom prst="rightArrow">
+            <a:avLst/>
+          </a:prstGeom>
+        </p:spPr>
+        <p:style>
+          <a:lnRef idx="2">
+            <a:schemeClr val="accent1">
+              <a:shade val="50000"/>
+            </a:schemeClr>
+          </a:lnRef>
+          <a:fillRef idx="1">
+            <a:schemeClr val="accent1"/>
+          </a:fillRef>
+          <a:effectRef idx="0">
+            <a:schemeClr val="accent1"/>
+          </a:effectRef>
+          <a:fontRef idx="minor">
+            <a:schemeClr val="lt1"/>
+          </a:fontRef>
+        </p:style>
+        <p:txBody>
+          <a:bodyPr rtlCol="0" anchor="ctr"/>
+          <a:lstStyle/>
+          <a:p>
+            <a:pPr algn="ctr"/>
+            <a:endParaRPr lang="zh-CN" altLang="en-US"/>
+          </a:p>
+        </p:txBody>
+      </p:sp>
+    </p:spTree>
+    <p:extLst>
+      <p:ext uri="{BB962C8B-B14F-4D97-AF65-F5344CB8AC3E}">
+        <p14:creationId xmlns:p14="http://schemas.microsoft.com/office/powerpoint/2010/main" val="1362496881"/>
+      </p:ext>
+    </p:extLst>
+  </p:cSld>
+  <p:clrMapOvr>
+    <a:masterClrMapping/>
+  </p:clrMapOvr>
+  <mc:AlternateContent xmlns:mc="http://schemas.openxmlformats.org/markup-compatibility/2006" xmlns:p14="http://schemas.microsoft.com/office/powerpoint/2010/main">
+    <mc:Choice Requires="p14">
+      <p:transition spd="med" p14:dur="700">
+        <p:fade/>
+      </p:transition>
+    </mc:Choice>
+    <mc:Fallback xmlns="">
+      <p:transition spd="med">
+        <p:fade/>
+      </p:transition>
+    </mc:Fallback>
+  </mc:AlternateContent>
+</p:sld>
+</file>
+
 <file path=ppt/slides/slide2.xml><?xml version="1.0" encoding="utf-8"?>
 <p:sld xmlns:a="http://schemas.openxmlformats.org/drawingml/2006/main" xmlns:r="http://schemas.openxmlformats.org/officeDocument/2006/relationships" xmlns:p="http://schemas.openxmlformats.org/presentationml/2006/main">
   <p:cSld>
@@ -5793,7 +6845,6 @@
               <a:rPr lang="en-US" altLang="zh-CN" dirty="0" smtClean="0"/>
               <a:t>Instruction Selection by Tree Rewriting</a:t>
             </a:r>
-            <a:endParaRPr lang="en-US" altLang="zh-CN" dirty="0" smtClean="0"/>
           </a:p>
           <a:p>
             <a:endParaRPr lang="en-US" altLang="zh-CN" dirty="0"/>
@@ -5990,15 +7041,11 @@
             </a:r>
             <a:r>
               <a:rPr lang="en-US" altLang="zh-CN" dirty="0" smtClean="0"/>
-              <a:t> encountered </a:t>
-            </a:r>
-            <a:r>
-              <a:rPr lang="en-US" altLang="zh-CN" dirty="0" err="1"/>
-              <a:t>iIi</a:t>
+              <a:t> encountered in </a:t>
             </a:r>
             <a:r>
               <a:rPr lang="en-US" altLang="zh-CN" dirty="0"/>
-              <a:t> code generation such as register allocation are </a:t>
+              <a:t>code generation such as register allocation are </a:t>
             </a:r>
             <a:r>
               <a:rPr lang="en-US" altLang="zh-CN" dirty="0" smtClean="0"/>
@@ -6945,15 +7992,7 @@
                   <a:srgbClr val="00B0F0"/>
                 </a:solidFill>
               </a:rPr>
-              <a:t>the </a:t>
-            </a:r>
-            <a:r>
-              <a:rPr lang="en-US" altLang="zh-CN" sz="1400" dirty="0">
-                <a:solidFill>
-                  <a:srgbClr val="00B0F0"/>
-                </a:solidFill>
-              </a:rPr>
-              <a:t>desired quality of the generated </a:t>
+              <a:t>the desired quality of the generated </a:t>
             </a:r>
             <a:r>
               <a:rPr lang="en-US" altLang="zh-CN" sz="1400" dirty="0" smtClean="0">
@@ -6977,71 +8016,7 @@
                   <a:schemeClr val="tx2"/>
                 </a:solidFill>
               </a:rPr>
-              <a:t>The quality of the generated code is usually determined by its speed </a:t>
-            </a:r>
-            <a:r>
-              <a:rPr lang="en-US" altLang="zh-CN" sz="1150" dirty="0">
-                <a:solidFill>
-                  <a:schemeClr val="tx2"/>
-                </a:solidFill>
-              </a:rPr>
-              <a:t>and size</a:t>
-            </a:r>
-            <a:r>
-              <a:rPr lang="en-US" altLang="zh-CN" sz="1150" dirty="0">
-                <a:solidFill>
-                  <a:schemeClr val="tx2"/>
-                </a:solidFill>
-              </a:rPr>
-              <a:t>. On most machines, a given IR program can be implemented by </a:t>
-            </a:r>
-            <a:r>
-              <a:rPr lang="en-US" altLang="zh-CN" sz="1150" dirty="0">
-                <a:solidFill>
-                  <a:schemeClr val="tx2"/>
-                </a:solidFill>
-              </a:rPr>
-              <a:t>many different </a:t>
-            </a:r>
-            <a:r>
-              <a:rPr lang="en-US" altLang="zh-CN" sz="1150" dirty="0">
-                <a:solidFill>
-                  <a:schemeClr val="tx2"/>
-                </a:solidFill>
-              </a:rPr>
-              <a:t>code sequences, with significant cost differences between the </a:t>
-            </a:r>
-            <a:r>
-              <a:rPr lang="en-US" altLang="zh-CN" sz="1150" dirty="0">
-                <a:solidFill>
-                  <a:schemeClr val="tx2"/>
-                </a:solidFill>
-              </a:rPr>
-              <a:t>different implementations</a:t>
-            </a:r>
-            <a:r>
-              <a:rPr lang="en-US" altLang="zh-CN" sz="1150" dirty="0">
-                <a:solidFill>
-                  <a:schemeClr val="tx2"/>
-                </a:solidFill>
-              </a:rPr>
-              <a:t>. A naive translation of the intermediate code may </a:t>
-            </a:r>
-            <a:r>
-              <a:rPr lang="en-US" altLang="zh-CN" sz="1150" dirty="0">
-                <a:solidFill>
-                  <a:schemeClr val="tx2"/>
-                </a:solidFill>
-              </a:rPr>
-              <a:t>therefore lead </a:t>
-            </a:r>
-            <a:r>
-              <a:rPr lang="en-US" altLang="zh-CN" sz="1150" dirty="0">
-                <a:solidFill>
-                  <a:schemeClr val="tx2"/>
-                </a:solidFill>
-              </a:rPr>
-              <a:t>to correct but unacceptably inefficient target code.</a:t>
+              <a:t>The quality of the generated code is usually determined by its speed and size. On most machines, a given IR program can be implemented by many different code sequences, with significant cost differences between the different implementations. A naive translation of the intermediate code may therefore lead to correct but unacceptably inefficient target code.</a:t>
             </a:r>
           </a:p>
           <a:p>
@@ -7530,6 +8505,2115 @@
     <p:extLst>
       <p:ext uri="{BB962C8B-B14F-4D97-AF65-F5344CB8AC3E}">
         <p14:creationId xmlns:p14="http://schemas.microsoft.com/office/powerpoint/2010/main" val="1887304773"/>
+      </p:ext>
+    </p:extLst>
+  </p:cSld>
+  <p:clrMapOvr>
+    <a:masterClrMapping/>
+  </p:clrMapOvr>
+  <mc:AlternateContent xmlns:mc="http://schemas.openxmlformats.org/markup-compatibility/2006" xmlns:p14="http://schemas.microsoft.com/office/powerpoint/2010/main">
+    <mc:Choice Requires="p14">
+      <p:transition spd="med" p14:dur="700">
+        <p:fade/>
+      </p:transition>
+    </mc:Choice>
+    <mc:Fallback xmlns="">
+      <p:transition spd="med">
+        <p:fade/>
+      </p:transition>
+    </mc:Fallback>
+  </mc:AlternateContent>
+</p:sld>
+</file>
+
+<file path=ppt/slides/slide8.xml><?xml version="1.0" encoding="utf-8"?>
+<p:sld xmlns:a="http://schemas.openxmlformats.org/drawingml/2006/main" xmlns:r="http://schemas.openxmlformats.org/officeDocument/2006/relationships" xmlns:p="http://schemas.openxmlformats.org/presentationml/2006/main">
+  <p:cSld>
+    <p:spTree>
+      <p:nvGrpSpPr>
+        <p:cNvPr id="1" name=""/>
+        <p:cNvGrpSpPr/>
+        <p:nvPr/>
+      </p:nvGrpSpPr>
+      <p:grpSpPr>
+        <a:xfrm>
+          <a:off x="0" y="0"/>
+          <a:ext cx="0" cy="0"/>
+          <a:chOff x="0" y="0"/>
+          <a:chExt cx="0" cy="0"/>
+        </a:xfrm>
+      </p:grpSpPr>
+      <p:sp>
+        <p:nvSpPr>
+          <p:cNvPr id="2" name="标题 1"/>
+          <p:cNvSpPr>
+            <a:spLocks noGrp="1"/>
+          </p:cNvSpPr>
+          <p:nvPr>
+            <p:ph type="title"/>
+          </p:nvPr>
+        </p:nvSpPr>
+        <p:spPr/>
+        <p:txBody>
+          <a:bodyPr/>
+          <a:lstStyle/>
+          <a:p>
+            <a:r>
+              <a:rPr lang="en-US" altLang="zh-CN" dirty="0" smtClean="0"/>
+              <a:t>8.2 The </a:t>
+            </a:r>
+            <a:r>
+              <a:rPr lang="en-US" altLang="zh-CN" dirty="0"/>
+              <a:t>Target </a:t>
+            </a:r>
+            <a:r>
+              <a:rPr lang="en-US" altLang="zh-CN" dirty="0" smtClean="0"/>
+              <a:t>Language-instructions</a:t>
+            </a:r>
+            <a:endParaRPr lang="zh-CN" altLang="en-US" dirty="0"/>
+          </a:p>
+        </p:txBody>
+      </p:sp>
+      <p:sp>
+        <p:nvSpPr>
+          <p:cNvPr id="3" name="内容占位符 2"/>
+          <p:cNvSpPr>
+            <a:spLocks noGrp="1"/>
+          </p:cNvSpPr>
+          <p:nvPr>
+            <p:ph idx="1"/>
+          </p:nvPr>
+        </p:nvSpPr>
+        <p:spPr/>
+        <p:txBody>
+          <a:bodyPr>
+            <a:normAutofit lnSpcReduction="10000"/>
+          </a:bodyPr>
+          <a:lstStyle/>
+          <a:p>
+            <a:r>
+              <a:rPr lang="en-US" altLang="zh-CN" dirty="0" smtClean="0"/>
+              <a:t>The underlying </a:t>
+            </a:r>
+            <a:r>
+              <a:rPr lang="en-US" altLang="zh-CN" dirty="0"/>
+              <a:t>computer is a byte-addressable machine with n general-purpose </a:t>
+            </a:r>
+            <a:r>
+              <a:rPr lang="en-US" altLang="zh-CN" dirty="0" smtClean="0"/>
+              <a:t>registers</a:t>
+            </a:r>
+            <a:r>
+              <a:rPr lang="en-US" altLang="zh-CN" dirty="0" smtClean="0">
+                <a:solidFill>
+                  <a:srgbClr val="7030A0"/>
+                </a:solidFill>
+                <a:latin typeface="Cambria Math" panose="02040503050406030204" pitchFamily="18" charset="0"/>
+                <a:ea typeface="Cambria Math" panose="02040503050406030204" pitchFamily="18" charset="0"/>
+              </a:rPr>
+              <a:t>, R</a:t>
+            </a:r>
+            <a:r>
+              <a:rPr lang="en-US" altLang="zh-CN" baseline="-25000" dirty="0" smtClean="0">
+                <a:solidFill>
+                  <a:srgbClr val="7030A0"/>
+                </a:solidFill>
+                <a:latin typeface="Cambria Math" panose="02040503050406030204" pitchFamily="18" charset="0"/>
+                <a:ea typeface="Cambria Math" panose="02040503050406030204" pitchFamily="18" charset="0"/>
+              </a:rPr>
+              <a:t>0</a:t>
+            </a:r>
+            <a:r>
+              <a:rPr lang="en-US" altLang="zh-CN" dirty="0" smtClean="0">
+                <a:solidFill>
+                  <a:srgbClr val="7030A0"/>
+                </a:solidFill>
+                <a:latin typeface="Cambria Math" panose="02040503050406030204" pitchFamily="18" charset="0"/>
+                <a:ea typeface="Cambria Math" panose="02040503050406030204" pitchFamily="18" charset="0"/>
+              </a:rPr>
+              <a:t>, R</a:t>
+            </a:r>
+            <a:r>
+              <a:rPr lang="en-US" altLang="zh-CN" baseline="-25000" dirty="0" smtClean="0">
+                <a:solidFill>
+                  <a:srgbClr val="7030A0"/>
+                </a:solidFill>
+                <a:latin typeface="Cambria Math" panose="02040503050406030204" pitchFamily="18" charset="0"/>
+                <a:ea typeface="Cambria Math" panose="02040503050406030204" pitchFamily="18" charset="0"/>
+              </a:rPr>
+              <a:t>1</a:t>
+            </a:r>
+            <a:r>
+              <a:rPr lang="en-US" altLang="zh-CN" dirty="0" smtClean="0">
+                <a:solidFill>
+                  <a:srgbClr val="7030A0"/>
+                </a:solidFill>
+                <a:latin typeface="Cambria Math" panose="02040503050406030204" pitchFamily="18" charset="0"/>
+                <a:ea typeface="Cambria Math" panose="02040503050406030204" pitchFamily="18" charset="0"/>
+              </a:rPr>
+              <a:t>, </a:t>
+            </a:r>
+            <a:r>
+              <a:rPr lang="en-US" altLang="zh-CN" dirty="0">
+                <a:solidFill>
+                  <a:srgbClr val="7030A0"/>
+                </a:solidFill>
+                <a:latin typeface="Cambria Math" panose="02040503050406030204" pitchFamily="18" charset="0"/>
+                <a:ea typeface="Cambria Math" panose="02040503050406030204" pitchFamily="18" charset="0"/>
+              </a:rPr>
+              <a:t>. . . , </a:t>
+            </a:r>
+            <a:r>
+              <a:rPr lang="en-US" altLang="zh-CN" dirty="0" smtClean="0">
+                <a:solidFill>
+                  <a:srgbClr val="7030A0"/>
+                </a:solidFill>
+                <a:latin typeface="Cambria Math" panose="02040503050406030204" pitchFamily="18" charset="0"/>
+                <a:ea typeface="Cambria Math" panose="02040503050406030204" pitchFamily="18" charset="0"/>
+              </a:rPr>
+              <a:t>R</a:t>
+            </a:r>
+            <a:r>
+              <a:rPr lang="en-US" altLang="zh-CN" baseline="-25000" dirty="0" smtClean="0">
+                <a:solidFill>
+                  <a:srgbClr val="7030A0"/>
+                </a:solidFill>
+                <a:latin typeface="Cambria Math" panose="02040503050406030204" pitchFamily="18" charset="0"/>
+                <a:ea typeface="Cambria Math" panose="02040503050406030204" pitchFamily="18" charset="0"/>
+              </a:rPr>
+              <a:t>n-1</a:t>
+            </a:r>
+            <a:r>
+              <a:rPr lang="en-US" altLang="zh-CN" dirty="0"/>
+              <a:t>. We assume </a:t>
+            </a:r>
+            <a:r>
+              <a:rPr lang="en-US" altLang="zh-CN" dirty="0" smtClean="0"/>
+              <a:t>the following </a:t>
+            </a:r>
+            <a:r>
+              <a:rPr lang="en-US" altLang="zh-CN" dirty="0"/>
+              <a:t>kinds of instructions are available</a:t>
+            </a:r>
+            <a:r>
+              <a:rPr lang="en-US" altLang="zh-CN" dirty="0" smtClean="0"/>
+              <a:t>:</a:t>
+            </a:r>
+          </a:p>
+          <a:p>
+            <a:pPr>
+              <a:buFont typeface="Wingdings" panose="05000000000000000000" pitchFamily="2" charset="2"/>
+              <a:buChar char="ü"/>
+            </a:pPr>
+            <a:r>
+              <a:rPr lang="en-US" altLang="zh-CN" dirty="0">
+                <a:solidFill>
+                  <a:srgbClr val="00B0F0"/>
+                </a:solidFill>
+              </a:rPr>
+              <a:t>Load</a:t>
+            </a:r>
+            <a:r>
+              <a:rPr lang="en-US" altLang="zh-CN" dirty="0"/>
+              <a:t> operations:  The instruction </a:t>
+            </a:r>
+            <a:r>
+              <a:rPr lang="en-US" altLang="zh-CN" dirty="0">
+                <a:solidFill>
+                  <a:srgbClr val="7030A0"/>
+                </a:solidFill>
+                <a:latin typeface="Cambria Math" panose="02040503050406030204" pitchFamily="18" charset="0"/>
+                <a:ea typeface="Cambria Math" panose="02040503050406030204" pitchFamily="18" charset="0"/>
+              </a:rPr>
+              <a:t>LD </a:t>
+            </a:r>
+            <a:r>
+              <a:rPr lang="en-US" altLang="zh-CN" dirty="0" err="1">
+                <a:solidFill>
+                  <a:srgbClr val="7030A0"/>
+                </a:solidFill>
+                <a:latin typeface="Cambria Math" panose="02040503050406030204" pitchFamily="18" charset="0"/>
+                <a:ea typeface="Cambria Math" panose="02040503050406030204" pitchFamily="18" charset="0"/>
+              </a:rPr>
+              <a:t>dst</a:t>
+            </a:r>
+            <a:r>
+              <a:rPr lang="en-US" altLang="zh-CN" dirty="0">
+                <a:solidFill>
+                  <a:srgbClr val="7030A0"/>
+                </a:solidFill>
+                <a:latin typeface="Cambria Math" panose="02040503050406030204" pitchFamily="18" charset="0"/>
+                <a:ea typeface="Cambria Math" panose="02040503050406030204" pitchFamily="18" charset="0"/>
+              </a:rPr>
+              <a:t>, </a:t>
+            </a:r>
+            <a:r>
+              <a:rPr lang="en-US" altLang="zh-CN" dirty="0" err="1">
+                <a:solidFill>
+                  <a:srgbClr val="7030A0"/>
+                </a:solidFill>
+                <a:latin typeface="Cambria Math" panose="02040503050406030204" pitchFamily="18" charset="0"/>
+                <a:ea typeface="Cambria Math" panose="02040503050406030204" pitchFamily="18" charset="0"/>
+              </a:rPr>
+              <a:t>addr</a:t>
+            </a:r>
+            <a:r>
+              <a:rPr lang="en-US" altLang="zh-CN" dirty="0">
+                <a:solidFill>
+                  <a:srgbClr val="7030A0"/>
+                </a:solidFill>
+                <a:latin typeface="Cambria Math" panose="02040503050406030204" pitchFamily="18" charset="0"/>
+                <a:ea typeface="Cambria Math" panose="02040503050406030204" pitchFamily="18" charset="0"/>
+              </a:rPr>
+              <a:t> </a:t>
+            </a:r>
+            <a:r>
+              <a:rPr lang="en-US" altLang="zh-CN" dirty="0"/>
+              <a:t>loads the value in </a:t>
+            </a:r>
+            <a:r>
+              <a:rPr lang="en-US" altLang="zh-CN" dirty="0" smtClean="0"/>
+              <a:t>location </a:t>
+            </a:r>
+            <a:r>
+              <a:rPr lang="en-US" altLang="zh-CN" dirty="0" err="1" smtClean="0">
+                <a:solidFill>
+                  <a:srgbClr val="7030A0"/>
+                </a:solidFill>
+                <a:latin typeface="Cambria Math" panose="02040503050406030204" pitchFamily="18" charset="0"/>
+                <a:ea typeface="Cambria Math" panose="02040503050406030204" pitchFamily="18" charset="0"/>
+              </a:rPr>
+              <a:t>addr</a:t>
+            </a:r>
+            <a:r>
+              <a:rPr lang="en-US" altLang="zh-CN" dirty="0" smtClean="0"/>
+              <a:t> </a:t>
+            </a:r>
+            <a:r>
+              <a:rPr lang="en-US" altLang="zh-CN" dirty="0"/>
+              <a:t>into location </a:t>
+            </a:r>
+            <a:r>
+              <a:rPr lang="en-US" altLang="zh-CN" dirty="0" err="1">
+                <a:solidFill>
+                  <a:srgbClr val="7030A0"/>
+                </a:solidFill>
+                <a:latin typeface="Cambria Math" panose="02040503050406030204" pitchFamily="18" charset="0"/>
+                <a:ea typeface="Cambria Math" panose="02040503050406030204" pitchFamily="18" charset="0"/>
+              </a:rPr>
+              <a:t>dst</a:t>
+            </a:r>
+            <a:r>
+              <a:rPr lang="en-US" altLang="zh-CN" dirty="0"/>
+              <a:t>. An instruction of the </a:t>
+            </a:r>
+            <a:r>
+              <a:rPr lang="en-US" altLang="zh-CN" dirty="0" smtClean="0"/>
+              <a:t>form </a:t>
+            </a:r>
+            <a:r>
+              <a:rPr lang="en-US" altLang="zh-CN" dirty="0">
+                <a:solidFill>
+                  <a:srgbClr val="7030A0"/>
+                </a:solidFill>
+                <a:latin typeface="Cambria Math" panose="02040503050406030204" pitchFamily="18" charset="0"/>
+                <a:ea typeface="Cambria Math" panose="02040503050406030204" pitchFamily="18" charset="0"/>
+              </a:rPr>
+              <a:t>LD </a:t>
+            </a:r>
+            <a:r>
+              <a:rPr lang="en-US" altLang="zh-CN" dirty="0" smtClean="0">
+                <a:solidFill>
+                  <a:srgbClr val="7030A0"/>
+                </a:solidFill>
+                <a:latin typeface="Cambria Math" panose="02040503050406030204" pitchFamily="18" charset="0"/>
+                <a:ea typeface="Cambria Math" panose="02040503050406030204" pitchFamily="18" charset="0"/>
+              </a:rPr>
+              <a:t>r</a:t>
+            </a:r>
+            <a:r>
+              <a:rPr lang="en-US" altLang="zh-CN" baseline="-25000" dirty="0" smtClean="0">
+                <a:solidFill>
+                  <a:srgbClr val="7030A0"/>
+                </a:solidFill>
+                <a:latin typeface="Cambria Math" panose="02040503050406030204" pitchFamily="18" charset="0"/>
+                <a:ea typeface="Cambria Math" panose="02040503050406030204" pitchFamily="18" charset="0"/>
+              </a:rPr>
+              <a:t>1</a:t>
+            </a:r>
+            <a:r>
+              <a:rPr lang="en-US" altLang="zh-CN" dirty="0" smtClean="0">
+                <a:solidFill>
+                  <a:srgbClr val="7030A0"/>
+                </a:solidFill>
+                <a:latin typeface="Cambria Math" panose="02040503050406030204" pitchFamily="18" charset="0"/>
+                <a:ea typeface="Cambria Math" panose="02040503050406030204" pitchFamily="18" charset="0"/>
+              </a:rPr>
+              <a:t> </a:t>
+            </a:r>
+            <a:r>
+              <a:rPr lang="en-US" altLang="zh-CN" dirty="0">
+                <a:solidFill>
+                  <a:srgbClr val="7030A0"/>
+                </a:solidFill>
+                <a:latin typeface="Cambria Math" panose="02040503050406030204" pitchFamily="18" charset="0"/>
+                <a:ea typeface="Cambria Math" panose="02040503050406030204" pitchFamily="18" charset="0"/>
+              </a:rPr>
+              <a:t>, </a:t>
+            </a:r>
+            <a:r>
+              <a:rPr lang="en-US" altLang="zh-CN" dirty="0" smtClean="0">
+                <a:solidFill>
+                  <a:srgbClr val="7030A0"/>
+                </a:solidFill>
+                <a:latin typeface="Cambria Math" panose="02040503050406030204" pitchFamily="18" charset="0"/>
+                <a:ea typeface="Cambria Math" panose="02040503050406030204" pitchFamily="18" charset="0"/>
+              </a:rPr>
+              <a:t>r</a:t>
+            </a:r>
+            <a:r>
+              <a:rPr lang="en-US" altLang="zh-CN" baseline="-25000" dirty="0" smtClean="0">
+                <a:solidFill>
+                  <a:srgbClr val="7030A0"/>
+                </a:solidFill>
+                <a:latin typeface="Cambria Math" panose="02040503050406030204" pitchFamily="18" charset="0"/>
+                <a:ea typeface="Cambria Math" panose="02040503050406030204" pitchFamily="18" charset="0"/>
+              </a:rPr>
+              <a:t>2</a:t>
+            </a:r>
+            <a:r>
+              <a:rPr lang="en-US" altLang="zh-CN" dirty="0" smtClean="0">
+                <a:solidFill>
+                  <a:srgbClr val="7030A0"/>
+                </a:solidFill>
+                <a:latin typeface="Cambria Math" panose="02040503050406030204" pitchFamily="18" charset="0"/>
+                <a:ea typeface="Cambria Math" panose="02040503050406030204" pitchFamily="18" charset="0"/>
+              </a:rPr>
+              <a:t> </a:t>
+            </a:r>
+            <a:r>
+              <a:rPr lang="en-US" altLang="zh-CN" dirty="0"/>
+              <a:t>is </a:t>
+            </a:r>
+            <a:r>
+              <a:rPr lang="en-US" altLang="zh-CN" dirty="0" smtClean="0"/>
+              <a:t>a register-to-register </a:t>
+            </a:r>
+            <a:r>
+              <a:rPr lang="en-US" altLang="zh-CN" dirty="0"/>
+              <a:t>copy in which the contents of register </a:t>
+            </a:r>
+            <a:r>
+              <a:rPr lang="en-US" altLang="zh-CN" dirty="0">
+                <a:solidFill>
+                  <a:srgbClr val="7030A0"/>
+                </a:solidFill>
+                <a:latin typeface="Cambria Math" panose="02040503050406030204" pitchFamily="18" charset="0"/>
+                <a:ea typeface="Cambria Math" panose="02040503050406030204" pitchFamily="18" charset="0"/>
+              </a:rPr>
+              <a:t>r</a:t>
+            </a:r>
+            <a:r>
+              <a:rPr lang="en-US" altLang="zh-CN" baseline="-25000" dirty="0">
+                <a:solidFill>
+                  <a:srgbClr val="7030A0"/>
+                </a:solidFill>
+                <a:latin typeface="Cambria Math" panose="02040503050406030204" pitchFamily="18" charset="0"/>
+                <a:ea typeface="Cambria Math" panose="02040503050406030204" pitchFamily="18" charset="0"/>
+              </a:rPr>
+              <a:t>1</a:t>
+            </a:r>
+            <a:r>
+              <a:rPr lang="en-US" altLang="zh-CN" dirty="0" smtClean="0"/>
+              <a:t> </a:t>
+            </a:r>
+            <a:r>
+              <a:rPr lang="en-US" altLang="zh-CN" dirty="0"/>
+              <a:t>are </a:t>
+            </a:r>
+            <a:r>
+              <a:rPr lang="en-US" altLang="zh-CN" dirty="0" smtClean="0"/>
+              <a:t>copied into </a:t>
+            </a:r>
+            <a:r>
+              <a:rPr lang="en-US" altLang="zh-CN" dirty="0"/>
+              <a:t>register </a:t>
+            </a:r>
+            <a:r>
+              <a:rPr lang="en-US" altLang="zh-CN" dirty="0">
+                <a:solidFill>
+                  <a:srgbClr val="7030A0"/>
+                </a:solidFill>
+                <a:latin typeface="Cambria Math" panose="02040503050406030204" pitchFamily="18" charset="0"/>
+                <a:ea typeface="Cambria Math" panose="02040503050406030204" pitchFamily="18" charset="0"/>
+              </a:rPr>
+              <a:t>r</a:t>
+            </a:r>
+            <a:r>
+              <a:rPr lang="en-US" altLang="zh-CN" baseline="-25000" dirty="0">
+                <a:solidFill>
+                  <a:srgbClr val="7030A0"/>
+                </a:solidFill>
+                <a:latin typeface="Cambria Math" panose="02040503050406030204" pitchFamily="18" charset="0"/>
+                <a:ea typeface="Cambria Math" panose="02040503050406030204" pitchFamily="18" charset="0"/>
+              </a:rPr>
+              <a:t>2</a:t>
+            </a:r>
+            <a:r>
+              <a:rPr lang="en-US" altLang="zh-CN" dirty="0" smtClean="0"/>
+              <a:t>.</a:t>
+            </a:r>
+          </a:p>
+          <a:p>
+            <a:pPr>
+              <a:buFont typeface="Wingdings" panose="05000000000000000000" pitchFamily="2" charset="2"/>
+              <a:buChar char="ü"/>
+            </a:pPr>
+            <a:r>
+              <a:rPr lang="en-US" altLang="zh-CN" dirty="0">
+                <a:solidFill>
+                  <a:srgbClr val="00B0F0"/>
+                </a:solidFill>
+              </a:rPr>
+              <a:t>Store</a:t>
+            </a:r>
+            <a:r>
+              <a:rPr lang="en-US" altLang="zh-CN" dirty="0"/>
+              <a:t> operations: The instruction </a:t>
+            </a:r>
+            <a:r>
+              <a:rPr lang="en-US" altLang="zh-CN" dirty="0" smtClean="0">
+                <a:solidFill>
+                  <a:srgbClr val="7030A0"/>
+                </a:solidFill>
+                <a:latin typeface="Cambria Math" panose="02040503050406030204" pitchFamily="18" charset="0"/>
+                <a:ea typeface="Cambria Math" panose="02040503050406030204" pitchFamily="18" charset="0"/>
+              </a:rPr>
+              <a:t>ST </a:t>
+            </a:r>
+            <a:r>
+              <a:rPr lang="en-US" altLang="zh-CN" dirty="0">
+                <a:solidFill>
+                  <a:srgbClr val="7030A0"/>
+                </a:solidFill>
+                <a:latin typeface="Cambria Math" panose="02040503050406030204" pitchFamily="18" charset="0"/>
+                <a:ea typeface="Cambria Math" panose="02040503050406030204" pitchFamily="18" charset="0"/>
+              </a:rPr>
+              <a:t>x, r </a:t>
+            </a:r>
+            <a:r>
+              <a:rPr lang="en-US" altLang="zh-CN" dirty="0"/>
+              <a:t>stores the value in register </a:t>
+            </a:r>
+            <a:r>
+              <a:rPr lang="en-US" altLang="zh-CN" dirty="0">
+                <a:solidFill>
+                  <a:srgbClr val="7030A0"/>
+                </a:solidFill>
+                <a:latin typeface="Cambria Math" panose="02040503050406030204" pitchFamily="18" charset="0"/>
+                <a:ea typeface="Cambria Math" panose="02040503050406030204" pitchFamily="18" charset="0"/>
+              </a:rPr>
+              <a:t>r</a:t>
+            </a:r>
+            <a:r>
+              <a:rPr lang="en-US" altLang="zh-CN" dirty="0"/>
+              <a:t> </a:t>
+            </a:r>
+            <a:r>
+              <a:rPr lang="en-US" altLang="zh-CN" dirty="0" smtClean="0"/>
+              <a:t>into the </a:t>
+            </a:r>
+            <a:r>
+              <a:rPr lang="en-US" altLang="zh-CN" dirty="0"/>
+              <a:t>location </a:t>
+            </a:r>
+            <a:r>
+              <a:rPr lang="en-US" altLang="zh-CN" dirty="0">
+                <a:solidFill>
+                  <a:srgbClr val="7030A0"/>
+                </a:solidFill>
+                <a:latin typeface="Cambria Math" panose="02040503050406030204" pitchFamily="18" charset="0"/>
+                <a:ea typeface="Cambria Math" panose="02040503050406030204" pitchFamily="18" charset="0"/>
+              </a:rPr>
+              <a:t>x</a:t>
+            </a:r>
+            <a:r>
+              <a:rPr lang="en-US" altLang="zh-CN" dirty="0" smtClean="0"/>
+              <a:t>.</a:t>
+            </a:r>
+          </a:p>
+          <a:p>
+            <a:pPr>
+              <a:buFont typeface="Wingdings" panose="05000000000000000000" pitchFamily="2" charset="2"/>
+              <a:buChar char="ü"/>
+            </a:pPr>
+            <a:r>
+              <a:rPr lang="en-US" altLang="zh-CN" dirty="0">
+                <a:solidFill>
+                  <a:srgbClr val="00B0F0"/>
+                </a:solidFill>
+              </a:rPr>
+              <a:t>Computation</a:t>
+            </a:r>
+            <a:r>
+              <a:rPr lang="en-US" altLang="zh-CN" dirty="0"/>
+              <a:t> operations of the form </a:t>
+            </a:r>
+            <a:r>
+              <a:rPr lang="en-US" altLang="zh-CN" dirty="0" smtClean="0">
+                <a:solidFill>
+                  <a:srgbClr val="7030A0"/>
+                </a:solidFill>
+                <a:latin typeface="Cambria Math" panose="02040503050406030204" pitchFamily="18" charset="0"/>
+                <a:ea typeface="Cambria Math" panose="02040503050406030204" pitchFamily="18" charset="0"/>
+              </a:rPr>
+              <a:t>OP </a:t>
+            </a:r>
+            <a:r>
+              <a:rPr lang="en-US" altLang="zh-CN" dirty="0" err="1">
+                <a:solidFill>
+                  <a:srgbClr val="7030A0"/>
+                </a:solidFill>
+                <a:latin typeface="Cambria Math" panose="02040503050406030204" pitchFamily="18" charset="0"/>
+                <a:ea typeface="Cambria Math" panose="02040503050406030204" pitchFamily="18" charset="0"/>
+              </a:rPr>
+              <a:t>dst</a:t>
+            </a:r>
+            <a:r>
+              <a:rPr lang="en-US" altLang="zh-CN" dirty="0">
+                <a:solidFill>
+                  <a:srgbClr val="7030A0"/>
+                </a:solidFill>
+                <a:latin typeface="Cambria Math" panose="02040503050406030204" pitchFamily="18" charset="0"/>
+                <a:ea typeface="Cambria Math" panose="02040503050406030204" pitchFamily="18" charset="0"/>
+              </a:rPr>
+              <a:t>, </a:t>
+            </a:r>
+            <a:r>
+              <a:rPr lang="en-US" altLang="zh-CN" dirty="0" smtClean="0">
+                <a:solidFill>
+                  <a:srgbClr val="7030A0"/>
+                </a:solidFill>
+                <a:latin typeface="Cambria Math" panose="02040503050406030204" pitchFamily="18" charset="0"/>
+                <a:ea typeface="Cambria Math" panose="02040503050406030204" pitchFamily="18" charset="0"/>
+              </a:rPr>
+              <a:t>src</a:t>
+            </a:r>
+            <a:r>
+              <a:rPr lang="en-US" altLang="zh-CN" baseline="-25000" dirty="0" smtClean="0">
+                <a:solidFill>
+                  <a:srgbClr val="7030A0"/>
+                </a:solidFill>
+                <a:latin typeface="Cambria Math" panose="02040503050406030204" pitchFamily="18" charset="0"/>
+                <a:ea typeface="Cambria Math" panose="02040503050406030204" pitchFamily="18" charset="0"/>
+              </a:rPr>
+              <a:t>1</a:t>
+            </a:r>
+            <a:r>
+              <a:rPr lang="en-US" altLang="zh-CN" dirty="0" smtClean="0">
+                <a:solidFill>
+                  <a:srgbClr val="7030A0"/>
+                </a:solidFill>
+                <a:latin typeface="Cambria Math" panose="02040503050406030204" pitchFamily="18" charset="0"/>
+                <a:ea typeface="Cambria Math" panose="02040503050406030204" pitchFamily="18" charset="0"/>
+              </a:rPr>
+              <a:t> </a:t>
+            </a:r>
+            <a:r>
+              <a:rPr lang="en-US" altLang="zh-CN" dirty="0">
+                <a:solidFill>
+                  <a:srgbClr val="7030A0"/>
+                </a:solidFill>
+                <a:latin typeface="Cambria Math" panose="02040503050406030204" pitchFamily="18" charset="0"/>
+                <a:ea typeface="Cambria Math" panose="02040503050406030204" pitchFamily="18" charset="0"/>
+              </a:rPr>
+              <a:t>, </a:t>
+            </a:r>
+            <a:r>
+              <a:rPr lang="en-US" altLang="zh-CN" dirty="0" smtClean="0">
+                <a:solidFill>
+                  <a:srgbClr val="7030A0"/>
+                </a:solidFill>
+                <a:latin typeface="Cambria Math" panose="02040503050406030204" pitchFamily="18" charset="0"/>
+                <a:ea typeface="Cambria Math" panose="02040503050406030204" pitchFamily="18" charset="0"/>
+              </a:rPr>
+              <a:t>src</a:t>
+            </a:r>
+            <a:r>
+              <a:rPr lang="en-US" altLang="zh-CN" baseline="-25000" dirty="0" smtClean="0">
+                <a:solidFill>
+                  <a:srgbClr val="7030A0"/>
+                </a:solidFill>
+                <a:latin typeface="Cambria Math" panose="02040503050406030204" pitchFamily="18" charset="0"/>
+                <a:ea typeface="Cambria Math" panose="02040503050406030204" pitchFamily="18" charset="0"/>
+              </a:rPr>
+              <a:t>2</a:t>
+            </a:r>
+            <a:r>
+              <a:rPr lang="en-US" altLang="zh-CN" dirty="0" smtClean="0">
+                <a:solidFill>
+                  <a:srgbClr val="7030A0"/>
+                </a:solidFill>
+                <a:latin typeface="Cambria Math" panose="02040503050406030204" pitchFamily="18" charset="0"/>
+                <a:ea typeface="Cambria Math" panose="02040503050406030204" pitchFamily="18" charset="0"/>
+              </a:rPr>
+              <a:t> </a:t>
+            </a:r>
+            <a:r>
+              <a:rPr lang="en-US" altLang="zh-CN" dirty="0"/>
+              <a:t>, where </a:t>
+            </a:r>
+            <a:r>
+              <a:rPr lang="en-US" altLang="zh-CN" dirty="0">
+                <a:latin typeface="Cambria Math" panose="02040503050406030204" pitchFamily="18" charset="0"/>
+                <a:ea typeface="Cambria Math" panose="02040503050406030204" pitchFamily="18" charset="0"/>
+              </a:rPr>
+              <a:t>OP</a:t>
+            </a:r>
+            <a:r>
+              <a:rPr lang="en-US" altLang="zh-CN" dirty="0" smtClean="0"/>
+              <a:t> </a:t>
+            </a:r>
+            <a:r>
+              <a:rPr lang="en-US" altLang="zh-CN" dirty="0"/>
+              <a:t>is a </a:t>
+            </a:r>
+            <a:r>
+              <a:rPr lang="en-US" altLang="zh-CN" dirty="0" smtClean="0"/>
+              <a:t>operator like </a:t>
+            </a:r>
+            <a:r>
+              <a:rPr lang="en-US" altLang="zh-CN" dirty="0">
+                <a:solidFill>
+                  <a:srgbClr val="7030A0"/>
+                </a:solidFill>
+                <a:latin typeface="Cambria Math" panose="02040503050406030204" pitchFamily="18" charset="0"/>
+                <a:ea typeface="Cambria Math" panose="02040503050406030204" pitchFamily="18" charset="0"/>
+              </a:rPr>
+              <a:t>ADD</a:t>
+            </a:r>
+            <a:r>
+              <a:rPr lang="en-US" altLang="zh-CN" dirty="0"/>
+              <a:t> or </a:t>
+            </a:r>
+            <a:r>
+              <a:rPr lang="en-US" altLang="zh-CN" dirty="0">
+                <a:solidFill>
+                  <a:srgbClr val="7030A0"/>
+                </a:solidFill>
+                <a:latin typeface="Cambria Math" panose="02040503050406030204" pitchFamily="18" charset="0"/>
+                <a:ea typeface="Cambria Math" panose="02040503050406030204" pitchFamily="18" charset="0"/>
+              </a:rPr>
+              <a:t>SUB</a:t>
+            </a:r>
+            <a:r>
+              <a:rPr lang="en-US" altLang="zh-CN" dirty="0"/>
+              <a:t>, and </a:t>
+            </a:r>
+            <a:r>
+              <a:rPr lang="en-US" altLang="zh-CN" dirty="0" err="1">
+                <a:solidFill>
+                  <a:srgbClr val="7030A0"/>
+                </a:solidFill>
+                <a:latin typeface="Cambria Math" panose="02040503050406030204" pitchFamily="18" charset="0"/>
+                <a:ea typeface="Cambria Math" panose="02040503050406030204" pitchFamily="18" charset="0"/>
+              </a:rPr>
+              <a:t>dst</a:t>
+            </a:r>
+            <a:r>
+              <a:rPr lang="en-US" altLang="zh-CN" dirty="0" smtClean="0">
+                <a:solidFill>
+                  <a:srgbClr val="7030A0"/>
+                </a:solidFill>
+              </a:rPr>
+              <a:t>, </a:t>
+            </a:r>
+            <a:r>
+              <a:rPr lang="en-US" altLang="zh-CN" dirty="0">
+                <a:solidFill>
+                  <a:srgbClr val="7030A0"/>
+                </a:solidFill>
+                <a:latin typeface="Cambria Math" panose="02040503050406030204" pitchFamily="18" charset="0"/>
+                <a:ea typeface="Cambria Math" panose="02040503050406030204" pitchFamily="18" charset="0"/>
+              </a:rPr>
+              <a:t>src</a:t>
+            </a:r>
+            <a:r>
+              <a:rPr lang="en-US" altLang="zh-CN" baseline="-25000" dirty="0">
+                <a:solidFill>
+                  <a:srgbClr val="7030A0"/>
+                </a:solidFill>
+                <a:latin typeface="Cambria Math" panose="02040503050406030204" pitchFamily="18" charset="0"/>
+                <a:ea typeface="Cambria Math" panose="02040503050406030204" pitchFamily="18" charset="0"/>
+              </a:rPr>
+              <a:t>1</a:t>
+            </a:r>
+            <a:r>
+              <a:rPr lang="en-US" altLang="zh-CN" dirty="0">
+                <a:solidFill>
+                  <a:srgbClr val="7030A0"/>
+                </a:solidFill>
+                <a:latin typeface="Cambria Math" panose="02040503050406030204" pitchFamily="18" charset="0"/>
+                <a:ea typeface="Cambria Math" panose="02040503050406030204" pitchFamily="18" charset="0"/>
+              </a:rPr>
+              <a:t> </a:t>
+            </a:r>
+            <a:r>
+              <a:rPr lang="en-US" altLang="zh-CN" dirty="0" smtClean="0"/>
+              <a:t>, </a:t>
+            </a:r>
+            <a:r>
+              <a:rPr lang="en-US" altLang="zh-CN" dirty="0"/>
+              <a:t>and </a:t>
+            </a:r>
+            <a:r>
+              <a:rPr lang="en-US" altLang="zh-CN" dirty="0">
+                <a:solidFill>
+                  <a:srgbClr val="7030A0"/>
+                </a:solidFill>
+                <a:latin typeface="Cambria Math" panose="02040503050406030204" pitchFamily="18" charset="0"/>
+                <a:ea typeface="Cambria Math" panose="02040503050406030204" pitchFamily="18" charset="0"/>
+              </a:rPr>
+              <a:t>src</a:t>
+            </a:r>
+            <a:r>
+              <a:rPr lang="en-US" altLang="zh-CN" baseline="-25000" dirty="0">
+                <a:solidFill>
+                  <a:srgbClr val="7030A0"/>
+                </a:solidFill>
+                <a:latin typeface="Cambria Math" panose="02040503050406030204" pitchFamily="18" charset="0"/>
+                <a:ea typeface="Cambria Math" panose="02040503050406030204" pitchFamily="18" charset="0"/>
+              </a:rPr>
+              <a:t>2</a:t>
+            </a:r>
+            <a:r>
+              <a:rPr lang="en-US" altLang="zh-CN" dirty="0">
+                <a:latin typeface="Cambria Math" panose="02040503050406030204" pitchFamily="18" charset="0"/>
+                <a:ea typeface="Cambria Math" panose="02040503050406030204" pitchFamily="18" charset="0"/>
+              </a:rPr>
+              <a:t> </a:t>
+            </a:r>
+            <a:r>
+              <a:rPr lang="en-US" altLang="zh-CN" dirty="0" smtClean="0"/>
+              <a:t>are locations. The </a:t>
+            </a:r>
+            <a:r>
+              <a:rPr lang="en-US" altLang="zh-CN" dirty="0"/>
+              <a:t>effect of this machine instruction is to apply the </a:t>
+            </a:r>
+            <a:r>
+              <a:rPr lang="en-US" altLang="zh-CN" dirty="0" smtClean="0"/>
+              <a:t>operation represented </a:t>
+            </a:r>
+            <a:r>
+              <a:rPr lang="en-US" altLang="zh-CN" dirty="0"/>
+              <a:t>by </a:t>
+            </a:r>
+            <a:r>
+              <a:rPr lang="en-US" altLang="zh-CN" dirty="0">
+                <a:solidFill>
+                  <a:srgbClr val="7030A0"/>
+                </a:solidFill>
+                <a:latin typeface="Cambria Math" panose="02040503050406030204" pitchFamily="18" charset="0"/>
+                <a:ea typeface="Cambria Math" panose="02040503050406030204" pitchFamily="18" charset="0"/>
+              </a:rPr>
+              <a:t>OP</a:t>
+            </a:r>
+            <a:r>
+              <a:rPr lang="en-US" altLang="zh-CN" dirty="0">
+                <a:latin typeface="Cambria Math" panose="02040503050406030204" pitchFamily="18" charset="0"/>
+                <a:ea typeface="Cambria Math" panose="02040503050406030204" pitchFamily="18" charset="0"/>
+              </a:rPr>
+              <a:t> </a:t>
+            </a:r>
+            <a:r>
+              <a:rPr lang="en-US" altLang="zh-CN" dirty="0" smtClean="0"/>
+              <a:t>to </a:t>
+            </a:r>
+            <a:r>
+              <a:rPr lang="en-US" altLang="zh-CN" dirty="0"/>
+              <a:t>the values in locations </a:t>
+            </a:r>
+            <a:r>
+              <a:rPr lang="en-US" altLang="zh-CN" dirty="0">
+                <a:solidFill>
+                  <a:srgbClr val="7030A0"/>
+                </a:solidFill>
+                <a:latin typeface="Cambria Math" panose="02040503050406030204" pitchFamily="18" charset="0"/>
+                <a:ea typeface="Cambria Math" panose="02040503050406030204" pitchFamily="18" charset="0"/>
+              </a:rPr>
+              <a:t>src</a:t>
+            </a:r>
+            <a:r>
+              <a:rPr lang="en-US" altLang="zh-CN" baseline="-25000" dirty="0">
+                <a:solidFill>
+                  <a:srgbClr val="7030A0"/>
+                </a:solidFill>
+                <a:latin typeface="Cambria Math" panose="02040503050406030204" pitchFamily="18" charset="0"/>
+                <a:ea typeface="Cambria Math" panose="02040503050406030204" pitchFamily="18" charset="0"/>
+              </a:rPr>
+              <a:t>1</a:t>
+            </a:r>
+            <a:r>
+              <a:rPr lang="en-US" altLang="zh-CN" dirty="0">
+                <a:latin typeface="Cambria Math" panose="02040503050406030204" pitchFamily="18" charset="0"/>
+                <a:ea typeface="Cambria Math" panose="02040503050406030204" pitchFamily="18" charset="0"/>
+              </a:rPr>
+              <a:t> </a:t>
+            </a:r>
+            <a:r>
+              <a:rPr lang="en-US" altLang="zh-CN" dirty="0" smtClean="0"/>
+              <a:t>and </a:t>
+            </a:r>
+            <a:r>
+              <a:rPr lang="en-US" altLang="zh-CN" dirty="0">
+                <a:solidFill>
+                  <a:srgbClr val="7030A0"/>
+                </a:solidFill>
+                <a:latin typeface="Cambria Math" panose="02040503050406030204" pitchFamily="18" charset="0"/>
+                <a:ea typeface="Cambria Math" panose="02040503050406030204" pitchFamily="18" charset="0"/>
+              </a:rPr>
+              <a:t>src</a:t>
+            </a:r>
+            <a:r>
+              <a:rPr lang="en-US" altLang="zh-CN" baseline="-25000" dirty="0">
+                <a:solidFill>
+                  <a:srgbClr val="7030A0"/>
+                </a:solidFill>
+                <a:latin typeface="Cambria Math" panose="02040503050406030204" pitchFamily="18" charset="0"/>
+                <a:ea typeface="Cambria Math" panose="02040503050406030204" pitchFamily="18" charset="0"/>
+              </a:rPr>
+              <a:t>2</a:t>
+            </a:r>
+            <a:r>
+              <a:rPr lang="en-US" altLang="zh-CN" dirty="0">
+                <a:solidFill>
+                  <a:srgbClr val="7030A0"/>
+                </a:solidFill>
+                <a:latin typeface="Cambria Math" panose="02040503050406030204" pitchFamily="18" charset="0"/>
+                <a:ea typeface="Cambria Math" panose="02040503050406030204" pitchFamily="18" charset="0"/>
+              </a:rPr>
+              <a:t> </a:t>
+            </a:r>
+            <a:r>
+              <a:rPr lang="en-US" altLang="zh-CN" dirty="0" smtClean="0"/>
+              <a:t>, </a:t>
+            </a:r>
+            <a:r>
+              <a:rPr lang="en-US" altLang="zh-CN" dirty="0"/>
+              <a:t>and place </a:t>
+            </a:r>
+            <a:r>
+              <a:rPr lang="en-US" altLang="zh-CN" dirty="0" smtClean="0"/>
+              <a:t>the result </a:t>
+            </a:r>
+            <a:r>
+              <a:rPr lang="en-US" altLang="zh-CN" dirty="0"/>
+              <a:t>of this operation in location </a:t>
+            </a:r>
+            <a:r>
+              <a:rPr lang="en-US" altLang="zh-CN" dirty="0" err="1">
+                <a:solidFill>
+                  <a:srgbClr val="7030A0"/>
+                </a:solidFill>
+                <a:latin typeface="Cambria Math" panose="02040503050406030204" pitchFamily="18" charset="0"/>
+                <a:ea typeface="Cambria Math" panose="02040503050406030204" pitchFamily="18" charset="0"/>
+              </a:rPr>
+              <a:t>dst</a:t>
+            </a:r>
+            <a:r>
+              <a:rPr lang="en-US" altLang="zh-CN" dirty="0" smtClean="0"/>
+              <a:t>.</a:t>
+            </a:r>
+          </a:p>
+          <a:p>
+            <a:pPr>
+              <a:buFont typeface="Wingdings" panose="05000000000000000000" pitchFamily="2" charset="2"/>
+              <a:buChar char="ü"/>
+            </a:pPr>
+            <a:r>
+              <a:rPr lang="en-US" altLang="zh-CN" dirty="0">
+                <a:solidFill>
+                  <a:srgbClr val="00B0F0"/>
+                </a:solidFill>
+              </a:rPr>
+              <a:t>Unconditional jumps</a:t>
+            </a:r>
+            <a:r>
+              <a:rPr lang="en-US" altLang="zh-CN" dirty="0"/>
+              <a:t>: The instruction </a:t>
+            </a:r>
+            <a:r>
+              <a:rPr lang="en-US" altLang="zh-CN" dirty="0">
+                <a:solidFill>
+                  <a:srgbClr val="7030A0"/>
+                </a:solidFill>
+                <a:latin typeface="Cambria Math" panose="02040503050406030204" pitchFamily="18" charset="0"/>
+                <a:ea typeface="Cambria Math" panose="02040503050406030204" pitchFamily="18" charset="0"/>
+              </a:rPr>
+              <a:t>BR</a:t>
+            </a:r>
+            <a:r>
+              <a:rPr lang="en-US" altLang="zh-CN" dirty="0">
+                <a:latin typeface="Cambria Math" panose="02040503050406030204" pitchFamily="18" charset="0"/>
+                <a:ea typeface="Cambria Math" panose="02040503050406030204" pitchFamily="18" charset="0"/>
+              </a:rPr>
+              <a:t> </a:t>
+            </a:r>
+            <a:r>
+              <a:rPr lang="en-US" altLang="zh-CN" dirty="0">
+                <a:solidFill>
+                  <a:srgbClr val="7030A0"/>
+                </a:solidFill>
+                <a:latin typeface="Cambria Math" panose="02040503050406030204" pitchFamily="18" charset="0"/>
+                <a:ea typeface="Cambria Math" panose="02040503050406030204" pitchFamily="18" charset="0"/>
+              </a:rPr>
+              <a:t>L</a:t>
+            </a:r>
+            <a:r>
+              <a:rPr lang="en-US" altLang="zh-CN" dirty="0">
+                <a:latin typeface="Cambria Math" panose="02040503050406030204" pitchFamily="18" charset="0"/>
+                <a:ea typeface="Cambria Math" panose="02040503050406030204" pitchFamily="18" charset="0"/>
+              </a:rPr>
+              <a:t> </a:t>
+            </a:r>
+            <a:r>
+              <a:rPr lang="en-US" altLang="zh-CN" dirty="0"/>
+              <a:t>causes control to branch </a:t>
+            </a:r>
+            <a:r>
+              <a:rPr lang="en-US" altLang="zh-CN" dirty="0" smtClean="0"/>
+              <a:t>to the </a:t>
+            </a:r>
+            <a:r>
+              <a:rPr lang="en-US" altLang="zh-CN" dirty="0"/>
+              <a:t>machine instruction with label </a:t>
+            </a:r>
+            <a:r>
+              <a:rPr lang="en-US" altLang="zh-CN" dirty="0">
+                <a:solidFill>
+                  <a:srgbClr val="7030A0"/>
+                </a:solidFill>
+                <a:latin typeface="Cambria Math" panose="02040503050406030204" pitchFamily="18" charset="0"/>
+                <a:ea typeface="Cambria Math" panose="02040503050406030204" pitchFamily="18" charset="0"/>
+              </a:rPr>
+              <a:t>L</a:t>
+            </a:r>
+            <a:r>
+              <a:rPr lang="en-US" altLang="zh-CN" dirty="0"/>
+              <a:t>. (</a:t>
+            </a:r>
+            <a:r>
+              <a:rPr lang="en-US" altLang="zh-CN" dirty="0">
+                <a:solidFill>
+                  <a:srgbClr val="7030A0"/>
+                </a:solidFill>
+                <a:latin typeface="Cambria Math" panose="02040503050406030204" pitchFamily="18" charset="0"/>
+                <a:ea typeface="Cambria Math" panose="02040503050406030204" pitchFamily="18" charset="0"/>
+              </a:rPr>
+              <a:t>BR</a:t>
+            </a:r>
+            <a:r>
+              <a:rPr lang="en-US" altLang="zh-CN" dirty="0">
+                <a:solidFill>
+                  <a:srgbClr val="7030A0"/>
+                </a:solidFill>
+              </a:rPr>
+              <a:t> </a:t>
+            </a:r>
+            <a:r>
+              <a:rPr lang="en-US" altLang="zh-CN" dirty="0"/>
+              <a:t>stands for branch.)</a:t>
+            </a:r>
+            <a:endParaRPr lang="en-US" altLang="zh-CN" dirty="0" smtClean="0"/>
+          </a:p>
+          <a:p>
+            <a:pPr>
+              <a:buFont typeface="Wingdings" panose="05000000000000000000" pitchFamily="2" charset="2"/>
+              <a:buChar char="ü"/>
+            </a:pPr>
+            <a:r>
+              <a:rPr lang="en-US" altLang="zh-CN" dirty="0">
+                <a:solidFill>
+                  <a:srgbClr val="00B0F0"/>
+                </a:solidFill>
+              </a:rPr>
+              <a:t>Conditional jumps </a:t>
+            </a:r>
+            <a:r>
+              <a:rPr lang="en-US" altLang="zh-CN" dirty="0"/>
+              <a:t>of the form </a:t>
+            </a:r>
+            <a:r>
+              <a:rPr lang="en-US" altLang="zh-CN" dirty="0" err="1">
+                <a:solidFill>
+                  <a:srgbClr val="7030A0"/>
+                </a:solidFill>
+                <a:latin typeface="Cambria Math" panose="02040503050406030204" pitchFamily="18" charset="0"/>
+                <a:ea typeface="Cambria Math" panose="02040503050406030204" pitchFamily="18" charset="0"/>
+              </a:rPr>
+              <a:t>Bcond</a:t>
+            </a:r>
+            <a:r>
+              <a:rPr lang="en-US" altLang="zh-CN" dirty="0">
+                <a:solidFill>
+                  <a:srgbClr val="7030A0"/>
+                </a:solidFill>
+                <a:latin typeface="Cambria Math" panose="02040503050406030204" pitchFamily="18" charset="0"/>
+                <a:ea typeface="Cambria Math" panose="02040503050406030204" pitchFamily="18" charset="0"/>
+              </a:rPr>
+              <a:t> r</a:t>
+            </a:r>
+            <a:r>
+              <a:rPr lang="en-US" altLang="zh-CN" dirty="0">
+                <a:latin typeface="Cambria Math" panose="02040503050406030204" pitchFamily="18" charset="0"/>
+                <a:ea typeface="Cambria Math" panose="02040503050406030204" pitchFamily="18" charset="0"/>
+              </a:rPr>
+              <a:t>, </a:t>
+            </a:r>
+            <a:r>
+              <a:rPr lang="en-US" altLang="zh-CN" dirty="0">
+                <a:solidFill>
+                  <a:srgbClr val="7030A0"/>
+                </a:solidFill>
+                <a:latin typeface="Cambria Math" panose="02040503050406030204" pitchFamily="18" charset="0"/>
+                <a:ea typeface="Cambria Math" panose="02040503050406030204" pitchFamily="18" charset="0"/>
+              </a:rPr>
+              <a:t>L</a:t>
+            </a:r>
+            <a:r>
+              <a:rPr lang="en-US" altLang="zh-CN" dirty="0"/>
+              <a:t>, where </a:t>
+            </a:r>
+            <a:r>
+              <a:rPr lang="en-US" altLang="zh-CN" dirty="0">
+                <a:solidFill>
+                  <a:srgbClr val="7030A0"/>
+                </a:solidFill>
+                <a:latin typeface="Cambria Math" panose="02040503050406030204" pitchFamily="18" charset="0"/>
+                <a:ea typeface="Cambria Math" panose="02040503050406030204" pitchFamily="18" charset="0"/>
+              </a:rPr>
+              <a:t>r</a:t>
+            </a:r>
+            <a:r>
+              <a:rPr lang="en-US" altLang="zh-CN" dirty="0">
+                <a:solidFill>
+                  <a:srgbClr val="7030A0"/>
+                </a:solidFill>
+              </a:rPr>
+              <a:t> </a:t>
+            </a:r>
+            <a:r>
+              <a:rPr lang="en-US" altLang="zh-CN" dirty="0"/>
+              <a:t>is a register, </a:t>
+            </a:r>
+            <a:r>
+              <a:rPr lang="en-US" altLang="zh-CN" dirty="0">
+                <a:solidFill>
+                  <a:srgbClr val="7030A0"/>
+                </a:solidFill>
+                <a:latin typeface="Cambria Math" panose="02040503050406030204" pitchFamily="18" charset="0"/>
+                <a:ea typeface="Cambria Math" panose="02040503050406030204" pitchFamily="18" charset="0"/>
+              </a:rPr>
+              <a:t>L</a:t>
+            </a:r>
+            <a:r>
+              <a:rPr lang="en-US" altLang="zh-CN" dirty="0">
+                <a:solidFill>
+                  <a:srgbClr val="7030A0"/>
+                </a:solidFill>
+              </a:rPr>
+              <a:t> </a:t>
+            </a:r>
+            <a:r>
+              <a:rPr lang="en-US" altLang="zh-CN" dirty="0"/>
+              <a:t>is a </a:t>
+            </a:r>
+            <a:r>
+              <a:rPr lang="en-US" altLang="zh-CN" dirty="0" smtClean="0"/>
+              <a:t>label, and </a:t>
+            </a:r>
+            <a:r>
+              <a:rPr lang="en-US" altLang="zh-CN" dirty="0" err="1">
+                <a:solidFill>
+                  <a:srgbClr val="7030A0"/>
+                </a:solidFill>
+                <a:latin typeface="Cambria Math" panose="02040503050406030204" pitchFamily="18" charset="0"/>
+                <a:ea typeface="Cambria Math" panose="02040503050406030204" pitchFamily="18" charset="0"/>
+              </a:rPr>
+              <a:t>cond</a:t>
+            </a:r>
+            <a:r>
+              <a:rPr lang="en-US" altLang="zh-CN" dirty="0">
+                <a:solidFill>
+                  <a:srgbClr val="7030A0"/>
+                </a:solidFill>
+              </a:rPr>
+              <a:t> </a:t>
+            </a:r>
+            <a:r>
+              <a:rPr lang="en-US" altLang="zh-CN" dirty="0"/>
+              <a:t>stands for any of the common tests on values in the register </a:t>
+            </a:r>
+            <a:r>
+              <a:rPr lang="en-US" altLang="zh-CN" dirty="0">
+                <a:latin typeface="Cambria Math" panose="02040503050406030204" pitchFamily="18" charset="0"/>
+                <a:ea typeface="Cambria Math" panose="02040503050406030204" pitchFamily="18" charset="0"/>
+              </a:rPr>
+              <a:t>r</a:t>
+            </a:r>
+            <a:r>
+              <a:rPr lang="en-US" altLang="zh-CN" dirty="0" smtClean="0"/>
+              <a:t>. For </a:t>
+            </a:r>
+            <a:r>
+              <a:rPr lang="en-US" altLang="zh-CN" dirty="0"/>
+              <a:t>example, </a:t>
+            </a:r>
+            <a:r>
+              <a:rPr lang="en-US" altLang="zh-CN" dirty="0" smtClean="0">
+                <a:solidFill>
+                  <a:srgbClr val="7030A0"/>
+                </a:solidFill>
+                <a:latin typeface="Cambria Math" panose="02040503050406030204" pitchFamily="18" charset="0"/>
+                <a:ea typeface="Cambria Math" panose="02040503050406030204" pitchFamily="18" charset="0"/>
+              </a:rPr>
+              <a:t>BLTZ</a:t>
+            </a:r>
+            <a:r>
+              <a:rPr lang="en-US" altLang="zh-CN" dirty="0" smtClean="0">
+                <a:latin typeface="Cambria Math" panose="02040503050406030204" pitchFamily="18" charset="0"/>
+                <a:ea typeface="Cambria Math" panose="02040503050406030204" pitchFamily="18" charset="0"/>
+              </a:rPr>
+              <a:t> </a:t>
+            </a:r>
+            <a:r>
+              <a:rPr lang="en-US" altLang="zh-CN" dirty="0">
+                <a:solidFill>
+                  <a:srgbClr val="7030A0"/>
+                </a:solidFill>
+                <a:latin typeface="Cambria Math" panose="02040503050406030204" pitchFamily="18" charset="0"/>
+                <a:ea typeface="Cambria Math" panose="02040503050406030204" pitchFamily="18" charset="0"/>
+              </a:rPr>
+              <a:t>r</a:t>
+            </a:r>
+            <a:r>
+              <a:rPr lang="en-US" altLang="zh-CN" dirty="0">
+                <a:latin typeface="Cambria Math" panose="02040503050406030204" pitchFamily="18" charset="0"/>
+                <a:ea typeface="Cambria Math" panose="02040503050406030204" pitchFamily="18" charset="0"/>
+              </a:rPr>
+              <a:t>, </a:t>
+            </a:r>
+            <a:r>
+              <a:rPr lang="en-US" altLang="zh-CN" dirty="0">
+                <a:solidFill>
+                  <a:srgbClr val="7030A0"/>
+                </a:solidFill>
+                <a:latin typeface="Cambria Math" panose="02040503050406030204" pitchFamily="18" charset="0"/>
+                <a:ea typeface="Cambria Math" panose="02040503050406030204" pitchFamily="18" charset="0"/>
+              </a:rPr>
+              <a:t>L</a:t>
+            </a:r>
+            <a:r>
+              <a:rPr lang="en-US" altLang="zh-CN" dirty="0">
+                <a:latin typeface="Cambria Math" panose="02040503050406030204" pitchFamily="18" charset="0"/>
+                <a:ea typeface="Cambria Math" panose="02040503050406030204" pitchFamily="18" charset="0"/>
+              </a:rPr>
+              <a:t> </a:t>
+            </a:r>
+            <a:r>
+              <a:rPr lang="en-US" altLang="zh-CN" dirty="0"/>
+              <a:t>causes a jump to label </a:t>
+            </a:r>
+            <a:r>
+              <a:rPr lang="en-US" altLang="zh-CN" dirty="0">
+                <a:solidFill>
+                  <a:srgbClr val="7030A0"/>
+                </a:solidFill>
+                <a:latin typeface="Cambria Math" panose="02040503050406030204" pitchFamily="18" charset="0"/>
+                <a:ea typeface="Cambria Math" panose="02040503050406030204" pitchFamily="18" charset="0"/>
+              </a:rPr>
+              <a:t>L</a:t>
+            </a:r>
+            <a:r>
+              <a:rPr lang="en-US" altLang="zh-CN" dirty="0">
+                <a:latin typeface="Cambria Math" panose="02040503050406030204" pitchFamily="18" charset="0"/>
+                <a:ea typeface="Cambria Math" panose="02040503050406030204" pitchFamily="18" charset="0"/>
+              </a:rPr>
+              <a:t> </a:t>
+            </a:r>
+            <a:r>
+              <a:rPr lang="en-US" altLang="zh-CN" dirty="0"/>
+              <a:t>if the value in register </a:t>
+            </a:r>
+            <a:r>
+              <a:rPr lang="en-US" altLang="zh-CN" dirty="0">
+                <a:solidFill>
+                  <a:srgbClr val="7030A0"/>
+                </a:solidFill>
+                <a:latin typeface="Cambria Math" panose="02040503050406030204" pitchFamily="18" charset="0"/>
+                <a:ea typeface="Cambria Math" panose="02040503050406030204" pitchFamily="18" charset="0"/>
+              </a:rPr>
+              <a:t>r</a:t>
+            </a:r>
+            <a:r>
+              <a:rPr lang="en-US" altLang="zh-CN" dirty="0">
+                <a:solidFill>
+                  <a:srgbClr val="7030A0"/>
+                </a:solidFill>
+              </a:rPr>
+              <a:t> </a:t>
+            </a:r>
+            <a:r>
+              <a:rPr lang="en-US" altLang="zh-CN" dirty="0" smtClean="0"/>
+              <a:t>is less </a:t>
+            </a:r>
+            <a:r>
+              <a:rPr lang="en-US" altLang="zh-CN" dirty="0"/>
+              <a:t>than zero, and allows control to pass to the next machine </a:t>
+            </a:r>
+            <a:r>
+              <a:rPr lang="en-US" altLang="zh-CN" dirty="0" smtClean="0"/>
+              <a:t>instruction if </a:t>
+            </a:r>
+            <a:r>
+              <a:rPr lang="en-US" altLang="zh-CN" dirty="0"/>
+              <a:t>not.</a:t>
+            </a:r>
+            <a:endParaRPr lang="zh-CN" altLang="en-US" dirty="0"/>
+          </a:p>
+        </p:txBody>
+      </p:sp>
+    </p:spTree>
+    <p:extLst>
+      <p:ext uri="{BB962C8B-B14F-4D97-AF65-F5344CB8AC3E}">
+        <p14:creationId xmlns:p14="http://schemas.microsoft.com/office/powerpoint/2010/main" val="277908193"/>
+      </p:ext>
+    </p:extLst>
+  </p:cSld>
+  <p:clrMapOvr>
+    <a:masterClrMapping/>
+  </p:clrMapOvr>
+  <mc:AlternateContent xmlns:mc="http://schemas.openxmlformats.org/markup-compatibility/2006" xmlns:p14="http://schemas.microsoft.com/office/powerpoint/2010/main">
+    <mc:Choice Requires="p14">
+      <p:transition spd="med" p14:dur="700">
+        <p:fade/>
+      </p:transition>
+    </mc:Choice>
+    <mc:Fallback xmlns="">
+      <p:transition spd="med">
+        <p:fade/>
+      </p:transition>
+    </mc:Fallback>
+  </mc:AlternateContent>
+</p:sld>
+</file>
+
+<file path=ppt/slides/slide9.xml><?xml version="1.0" encoding="utf-8"?>
+<p:sld xmlns:a="http://schemas.openxmlformats.org/drawingml/2006/main" xmlns:r="http://schemas.openxmlformats.org/officeDocument/2006/relationships" xmlns:p="http://schemas.openxmlformats.org/presentationml/2006/main">
+  <p:cSld>
+    <p:spTree>
+      <p:nvGrpSpPr>
+        <p:cNvPr id="1" name=""/>
+        <p:cNvGrpSpPr/>
+        <p:nvPr/>
+      </p:nvGrpSpPr>
+      <p:grpSpPr>
+        <a:xfrm>
+          <a:off x="0" y="0"/>
+          <a:ext cx="0" cy="0"/>
+          <a:chOff x="0" y="0"/>
+          <a:chExt cx="0" cy="0"/>
+        </a:xfrm>
+      </p:grpSpPr>
+      <p:sp>
+        <p:nvSpPr>
+          <p:cNvPr id="2" name="标题 1"/>
+          <p:cNvSpPr>
+            <a:spLocks noGrp="1"/>
+          </p:cNvSpPr>
+          <p:nvPr>
+            <p:ph type="title"/>
+          </p:nvPr>
+        </p:nvSpPr>
+        <p:spPr/>
+        <p:txBody>
+          <a:bodyPr/>
+          <a:lstStyle/>
+          <a:p>
+            <a:r>
+              <a:rPr lang="en-US" altLang="zh-CN" dirty="0" smtClean="0"/>
+              <a:t>8.2 The </a:t>
+            </a:r>
+            <a:r>
+              <a:rPr lang="en-US" altLang="zh-CN" dirty="0"/>
+              <a:t>Target </a:t>
+            </a:r>
+            <a:r>
+              <a:rPr lang="en-US" altLang="zh-CN" dirty="0" smtClean="0"/>
+              <a:t>Language-addressing modes</a:t>
+            </a:r>
+            <a:endParaRPr lang="zh-CN" altLang="en-US" dirty="0"/>
+          </a:p>
+        </p:txBody>
+      </p:sp>
+      <p:sp>
+        <p:nvSpPr>
+          <p:cNvPr id="3" name="内容占位符 2"/>
+          <p:cNvSpPr>
+            <a:spLocks noGrp="1"/>
+          </p:cNvSpPr>
+          <p:nvPr>
+            <p:ph idx="1"/>
+          </p:nvPr>
+        </p:nvSpPr>
+        <p:spPr>
+          <a:xfrm>
+            <a:off x="820129" y="1600200"/>
+            <a:ext cx="7486650" cy="5257800"/>
+          </a:xfrm>
+        </p:spPr>
+        <p:txBody>
+          <a:bodyPr>
+            <a:normAutofit/>
+          </a:bodyPr>
+          <a:lstStyle/>
+          <a:p>
+            <a:r>
+              <a:rPr lang="en-US" altLang="zh-CN" dirty="0" smtClean="0"/>
+              <a:t>Assume </a:t>
+            </a:r>
+            <a:r>
+              <a:rPr lang="en-US" altLang="zh-CN" dirty="0"/>
+              <a:t>our target machine has a variety of addressing modes</a:t>
+            </a:r>
+            <a:r>
+              <a:rPr lang="en-US" altLang="zh-CN" dirty="0" smtClean="0"/>
+              <a:t>:</a:t>
+            </a:r>
+            <a:endParaRPr lang="en-US" altLang="zh-CN" dirty="0"/>
+          </a:p>
+          <a:p>
+            <a:pPr>
+              <a:buFont typeface="Wingdings" panose="05000000000000000000" pitchFamily="2" charset="2"/>
+              <a:buChar char="ü"/>
+            </a:pPr>
+            <a:r>
+              <a:rPr lang="en-US" altLang="zh-CN" dirty="0"/>
+              <a:t>In instructions, a location can be a variable name x referring to the </a:t>
+            </a:r>
+            <a:r>
+              <a:rPr lang="en-US" altLang="zh-CN" dirty="0" smtClean="0"/>
+              <a:t>memory location </a:t>
+            </a:r>
+            <a:r>
+              <a:rPr lang="en-US" altLang="zh-CN" dirty="0"/>
+              <a:t>that is reserved for x (that is, the I-value of x</a:t>
+            </a:r>
+            <a:r>
+              <a:rPr lang="en-US" altLang="zh-CN" dirty="0" smtClean="0"/>
+              <a:t>)</a:t>
+            </a:r>
+          </a:p>
+          <a:p>
+            <a:pPr>
+              <a:buFont typeface="Wingdings" panose="05000000000000000000" pitchFamily="2" charset="2"/>
+              <a:buChar char="ü"/>
+            </a:pPr>
+            <a:r>
+              <a:rPr lang="en-US" altLang="zh-CN" dirty="0"/>
+              <a:t>A location can also be an indexed address of the form </a:t>
+            </a:r>
+            <a:r>
+              <a:rPr lang="en-US" altLang="zh-CN" dirty="0" smtClean="0">
+                <a:solidFill>
+                  <a:srgbClr val="7030A0"/>
+                </a:solidFill>
+                <a:latin typeface="Cambria Math" panose="02040503050406030204" pitchFamily="18" charset="0"/>
+                <a:ea typeface="Cambria Math" panose="02040503050406030204" pitchFamily="18" charset="0"/>
+              </a:rPr>
+              <a:t>a(r</a:t>
+            </a:r>
+            <a:r>
+              <a:rPr lang="en-US" altLang="zh-CN" dirty="0">
+                <a:solidFill>
+                  <a:srgbClr val="7030A0"/>
+                </a:solidFill>
+                <a:latin typeface="Cambria Math" panose="02040503050406030204" pitchFamily="18" charset="0"/>
+                <a:ea typeface="Cambria Math" panose="02040503050406030204" pitchFamily="18" charset="0"/>
+              </a:rPr>
+              <a:t>), </a:t>
+            </a:r>
+            <a:r>
+              <a:rPr lang="en-US" altLang="zh-CN" dirty="0"/>
+              <a:t>where a </a:t>
+            </a:r>
+            <a:r>
+              <a:rPr lang="en-US" altLang="zh-CN" dirty="0" smtClean="0"/>
+              <a:t>is a </a:t>
+            </a:r>
+            <a:r>
+              <a:rPr lang="en-US" altLang="zh-CN" dirty="0"/>
+              <a:t>variable and </a:t>
+            </a:r>
+            <a:r>
+              <a:rPr lang="en-US" altLang="zh-CN" dirty="0">
+                <a:solidFill>
+                  <a:srgbClr val="7030A0"/>
+                </a:solidFill>
+                <a:latin typeface="Cambria Math" panose="02040503050406030204" pitchFamily="18" charset="0"/>
+                <a:ea typeface="Cambria Math" panose="02040503050406030204" pitchFamily="18" charset="0"/>
+              </a:rPr>
+              <a:t>r</a:t>
+            </a:r>
+            <a:r>
+              <a:rPr lang="en-US" altLang="zh-CN" dirty="0"/>
+              <a:t> is a register</a:t>
+            </a:r>
+            <a:r>
+              <a:rPr lang="en-US" altLang="zh-CN" dirty="0" smtClean="0"/>
+              <a:t>.</a:t>
+            </a:r>
+          </a:p>
+          <a:p>
+            <a:pPr>
+              <a:buFont typeface="Wingdings" panose="05000000000000000000" pitchFamily="2" charset="2"/>
+              <a:buChar char="ü"/>
+            </a:pPr>
+            <a:r>
+              <a:rPr lang="en-US" altLang="zh-CN" dirty="0">
+                <a:solidFill>
+                  <a:srgbClr val="7030A0"/>
+                </a:solidFill>
+                <a:latin typeface="Cambria Math" panose="02040503050406030204" pitchFamily="18" charset="0"/>
+                <a:ea typeface="Cambria Math" panose="02040503050406030204" pitchFamily="18" charset="0"/>
+              </a:rPr>
+              <a:t>LD </a:t>
+            </a:r>
+            <a:r>
+              <a:rPr lang="en-US" altLang="zh-CN" dirty="0" smtClean="0">
+                <a:solidFill>
+                  <a:srgbClr val="7030A0"/>
+                </a:solidFill>
+                <a:latin typeface="Cambria Math" panose="02040503050406030204" pitchFamily="18" charset="0"/>
+                <a:ea typeface="Cambria Math" panose="02040503050406030204" pitchFamily="18" charset="0"/>
+              </a:rPr>
+              <a:t>R</a:t>
+            </a:r>
+            <a:r>
+              <a:rPr lang="en-US" altLang="zh-CN" baseline="-25000" dirty="0" smtClean="0">
+                <a:solidFill>
+                  <a:srgbClr val="7030A0"/>
+                </a:solidFill>
+                <a:latin typeface="Cambria Math" panose="02040503050406030204" pitchFamily="18" charset="0"/>
+                <a:ea typeface="Cambria Math" panose="02040503050406030204" pitchFamily="18" charset="0"/>
+              </a:rPr>
+              <a:t>1</a:t>
+            </a:r>
+            <a:r>
+              <a:rPr lang="en-US" altLang="zh-CN" dirty="0" smtClean="0">
+                <a:solidFill>
+                  <a:srgbClr val="7030A0"/>
+                </a:solidFill>
+                <a:latin typeface="Cambria Math" panose="02040503050406030204" pitchFamily="18" charset="0"/>
+                <a:ea typeface="Cambria Math" panose="02040503050406030204" pitchFamily="18" charset="0"/>
+              </a:rPr>
+              <a:t>, a(R</a:t>
+            </a:r>
+            <a:r>
+              <a:rPr lang="en-US" altLang="zh-CN" baseline="-25000" dirty="0" smtClean="0">
+                <a:solidFill>
+                  <a:srgbClr val="7030A0"/>
+                </a:solidFill>
+                <a:latin typeface="Cambria Math" panose="02040503050406030204" pitchFamily="18" charset="0"/>
+                <a:ea typeface="Cambria Math" panose="02040503050406030204" pitchFamily="18" charset="0"/>
+              </a:rPr>
+              <a:t>2</a:t>
+            </a:r>
+            <a:r>
+              <a:rPr lang="en-US" altLang="zh-CN" dirty="0" smtClean="0">
+                <a:solidFill>
+                  <a:srgbClr val="7030A0"/>
+                </a:solidFill>
+                <a:latin typeface="Cambria Math" panose="02040503050406030204" pitchFamily="18" charset="0"/>
+                <a:ea typeface="Cambria Math" panose="02040503050406030204" pitchFamily="18" charset="0"/>
+              </a:rPr>
+              <a:t>) </a:t>
+            </a:r>
+            <a:r>
+              <a:rPr lang="en-US" altLang="zh-CN" dirty="0"/>
+              <a:t>has the effect of </a:t>
+            </a:r>
+            <a:r>
+              <a:rPr lang="en-US" altLang="zh-CN" dirty="0" smtClean="0"/>
+              <a:t>setting </a:t>
+            </a:r>
+            <a:r>
+              <a:rPr lang="en-US" altLang="zh-CN" dirty="0">
+                <a:solidFill>
+                  <a:srgbClr val="7030A0"/>
+                </a:solidFill>
+                <a:latin typeface="Cambria Math" panose="02040503050406030204" pitchFamily="18" charset="0"/>
+                <a:ea typeface="Cambria Math" panose="02040503050406030204" pitchFamily="18" charset="0"/>
+              </a:rPr>
+              <a:t>R</a:t>
+            </a:r>
+            <a:r>
+              <a:rPr lang="en-US" altLang="zh-CN" baseline="-25000" dirty="0">
+                <a:solidFill>
+                  <a:srgbClr val="7030A0"/>
+                </a:solidFill>
+                <a:latin typeface="Cambria Math" panose="02040503050406030204" pitchFamily="18" charset="0"/>
+                <a:ea typeface="Cambria Math" panose="02040503050406030204" pitchFamily="18" charset="0"/>
+              </a:rPr>
+              <a:t>1</a:t>
+            </a:r>
+            <a:r>
+              <a:rPr lang="en-US" altLang="zh-CN" dirty="0" smtClean="0"/>
+              <a:t> </a:t>
+            </a:r>
+            <a:r>
+              <a:rPr lang="en-US" altLang="zh-CN" dirty="0"/>
+              <a:t>= contents </a:t>
+            </a:r>
+            <a:r>
+              <a:rPr lang="en-US" altLang="zh-CN" dirty="0" smtClean="0"/>
+              <a:t>(</a:t>
+            </a:r>
+            <a:r>
+              <a:rPr lang="en-US" altLang="zh-CN" dirty="0" err="1" smtClean="0"/>
+              <a:t>a+contents</a:t>
+            </a:r>
+            <a:r>
+              <a:rPr lang="en-US" altLang="zh-CN" dirty="0" smtClean="0"/>
+              <a:t> (</a:t>
+            </a:r>
+            <a:r>
+              <a:rPr lang="en-US" altLang="zh-CN" dirty="0">
+                <a:solidFill>
+                  <a:srgbClr val="7030A0"/>
+                </a:solidFill>
+                <a:latin typeface="Cambria Math" panose="02040503050406030204" pitchFamily="18" charset="0"/>
+                <a:ea typeface="Cambria Math" panose="02040503050406030204" pitchFamily="18" charset="0"/>
+              </a:rPr>
+              <a:t>R</a:t>
+            </a:r>
+            <a:r>
+              <a:rPr lang="en-US" altLang="zh-CN" baseline="-25000" dirty="0">
+                <a:solidFill>
+                  <a:srgbClr val="7030A0"/>
+                </a:solidFill>
+                <a:latin typeface="Cambria Math" panose="02040503050406030204" pitchFamily="18" charset="0"/>
+                <a:ea typeface="Cambria Math" panose="02040503050406030204" pitchFamily="18" charset="0"/>
+              </a:rPr>
+              <a:t>2</a:t>
+            </a:r>
+            <a:r>
+              <a:rPr lang="en-US" altLang="zh-CN" dirty="0" smtClean="0"/>
+              <a:t>)), where contents(x</a:t>
+            </a:r>
+            <a:r>
+              <a:rPr lang="en-US" altLang="zh-CN" dirty="0"/>
+              <a:t>) denotes the </a:t>
+            </a:r>
+            <a:r>
+              <a:rPr lang="en-US" altLang="zh-CN" dirty="0" smtClean="0"/>
+              <a:t>contents of </a:t>
+            </a:r>
+            <a:r>
+              <a:rPr lang="en-US" altLang="zh-CN" dirty="0"/>
+              <a:t>the register or memory location represented by x</a:t>
+            </a:r>
+            <a:r>
+              <a:rPr lang="en-US" altLang="zh-CN" dirty="0" smtClean="0"/>
+              <a:t>.</a:t>
+            </a:r>
+          </a:p>
+          <a:p>
+            <a:pPr>
+              <a:buFont typeface="Wingdings" panose="05000000000000000000" pitchFamily="2" charset="2"/>
+              <a:buChar char="ü"/>
+            </a:pPr>
+            <a:r>
+              <a:rPr lang="en-US" altLang="zh-CN" dirty="0"/>
+              <a:t>A memory location can be an integer indexed by a register. For </a:t>
+            </a:r>
+            <a:r>
+              <a:rPr lang="en-US" altLang="zh-CN" dirty="0" smtClean="0"/>
+              <a:t>example</a:t>
+            </a:r>
+            <a:r>
+              <a:rPr lang="en-US" altLang="zh-CN" dirty="0" smtClean="0">
+                <a:solidFill>
+                  <a:srgbClr val="7030A0"/>
+                </a:solidFill>
+                <a:latin typeface="Cambria Math" panose="02040503050406030204" pitchFamily="18" charset="0"/>
+                <a:ea typeface="Cambria Math" panose="02040503050406030204" pitchFamily="18" charset="0"/>
+              </a:rPr>
+              <a:t>, LD R</a:t>
+            </a:r>
+            <a:r>
+              <a:rPr lang="en-US" altLang="zh-CN" baseline="-25000" dirty="0" smtClean="0">
+                <a:solidFill>
+                  <a:srgbClr val="7030A0"/>
+                </a:solidFill>
+                <a:latin typeface="Cambria Math" panose="02040503050406030204" pitchFamily="18" charset="0"/>
+                <a:ea typeface="Cambria Math" panose="02040503050406030204" pitchFamily="18" charset="0"/>
+              </a:rPr>
+              <a:t>1</a:t>
+            </a:r>
+            <a:r>
+              <a:rPr lang="en-US" altLang="zh-CN" dirty="0" smtClean="0">
+                <a:solidFill>
+                  <a:srgbClr val="7030A0"/>
+                </a:solidFill>
+                <a:latin typeface="Cambria Math" panose="02040503050406030204" pitchFamily="18" charset="0"/>
+                <a:ea typeface="Cambria Math" panose="02040503050406030204" pitchFamily="18" charset="0"/>
+              </a:rPr>
+              <a:t>, 100 </a:t>
+            </a:r>
+            <a:r>
+              <a:rPr lang="en-US" altLang="zh-CN" dirty="0">
+                <a:solidFill>
+                  <a:srgbClr val="7030A0"/>
+                </a:solidFill>
+                <a:latin typeface="Cambria Math" panose="02040503050406030204" pitchFamily="18" charset="0"/>
+                <a:ea typeface="Cambria Math" panose="02040503050406030204" pitchFamily="18" charset="0"/>
+              </a:rPr>
+              <a:t>(</a:t>
+            </a:r>
+            <a:r>
+              <a:rPr lang="en-US" altLang="zh-CN" dirty="0" smtClean="0">
+                <a:solidFill>
+                  <a:srgbClr val="7030A0"/>
+                </a:solidFill>
+                <a:latin typeface="Cambria Math" panose="02040503050406030204" pitchFamily="18" charset="0"/>
+                <a:ea typeface="Cambria Math" panose="02040503050406030204" pitchFamily="18" charset="0"/>
+              </a:rPr>
+              <a:t>R</a:t>
+            </a:r>
+            <a:r>
+              <a:rPr lang="en-US" altLang="zh-CN" baseline="-25000" dirty="0" smtClean="0">
+                <a:solidFill>
+                  <a:srgbClr val="7030A0"/>
+                </a:solidFill>
+                <a:latin typeface="Cambria Math" panose="02040503050406030204" pitchFamily="18" charset="0"/>
+                <a:ea typeface="Cambria Math" panose="02040503050406030204" pitchFamily="18" charset="0"/>
+              </a:rPr>
+              <a:t>2</a:t>
+            </a:r>
+            <a:r>
+              <a:rPr lang="en-US" altLang="zh-CN" dirty="0" smtClean="0">
+                <a:solidFill>
+                  <a:srgbClr val="7030A0"/>
+                </a:solidFill>
+                <a:latin typeface="Cambria Math" panose="02040503050406030204" pitchFamily="18" charset="0"/>
+                <a:ea typeface="Cambria Math" panose="02040503050406030204" pitchFamily="18" charset="0"/>
+              </a:rPr>
+              <a:t>) </a:t>
+            </a:r>
+            <a:r>
+              <a:rPr lang="en-US" altLang="zh-CN" dirty="0"/>
+              <a:t>has the effect of setting </a:t>
+            </a:r>
+            <a:r>
+              <a:rPr lang="en-US" altLang="zh-CN" dirty="0" smtClean="0"/>
+              <a:t>R</a:t>
+            </a:r>
+            <a:r>
+              <a:rPr lang="en-US" altLang="zh-CN" baseline="-25000" dirty="0" smtClean="0"/>
+              <a:t>1</a:t>
+            </a:r>
+            <a:r>
+              <a:rPr lang="en-US" altLang="zh-CN" dirty="0" smtClean="0"/>
+              <a:t>= </a:t>
+            </a:r>
+            <a:r>
+              <a:rPr lang="en-US" altLang="zh-CN" dirty="0"/>
+              <a:t>contents (</a:t>
+            </a:r>
+            <a:r>
+              <a:rPr lang="en-US" altLang="zh-CN" dirty="0" smtClean="0"/>
+              <a:t>100+contents </a:t>
+            </a:r>
+            <a:r>
+              <a:rPr lang="en-US" altLang="zh-CN" dirty="0"/>
+              <a:t>(R</a:t>
+            </a:r>
+            <a:r>
+              <a:rPr lang="en-US" altLang="zh-CN" baseline="-25000" dirty="0"/>
+              <a:t>2</a:t>
+            </a:r>
+            <a:r>
+              <a:rPr lang="en-US" altLang="zh-CN" dirty="0" smtClean="0"/>
+              <a:t>)).</a:t>
+            </a:r>
+          </a:p>
+          <a:p>
+            <a:pPr>
+              <a:buFont typeface="Wingdings" panose="05000000000000000000" pitchFamily="2" charset="2"/>
+              <a:buChar char="ü"/>
+            </a:pPr>
+            <a:r>
+              <a:rPr lang="en-US" altLang="zh-CN" dirty="0"/>
+              <a:t>We also allow two indirect addressing modes: </a:t>
+            </a:r>
+            <a:r>
+              <a:rPr lang="en-US" altLang="zh-CN" dirty="0">
+                <a:solidFill>
+                  <a:srgbClr val="7030A0"/>
+                </a:solidFill>
+                <a:latin typeface="Cambria Math" panose="02040503050406030204" pitchFamily="18" charset="0"/>
+                <a:ea typeface="Cambria Math" panose="02040503050406030204" pitchFamily="18" charset="0"/>
+              </a:rPr>
+              <a:t>*r </a:t>
+            </a:r>
+            <a:r>
+              <a:rPr lang="en-US" altLang="zh-CN" dirty="0"/>
+              <a:t>means the memory </a:t>
+            </a:r>
+            <a:r>
+              <a:rPr lang="en-US" altLang="zh-CN" dirty="0" smtClean="0"/>
+              <a:t>location found </a:t>
+            </a:r>
+            <a:r>
+              <a:rPr lang="en-US" altLang="zh-CN" dirty="0"/>
+              <a:t>in the location </a:t>
+            </a:r>
+            <a:r>
+              <a:rPr lang="en-US" altLang="zh-CN" dirty="0" smtClean="0"/>
+              <a:t>represented </a:t>
+            </a:r>
+            <a:r>
+              <a:rPr lang="en-US" altLang="zh-CN" dirty="0"/>
+              <a:t>by the contents of register </a:t>
+            </a:r>
+            <a:r>
+              <a:rPr lang="en-US" altLang="zh-CN" dirty="0">
+                <a:solidFill>
+                  <a:srgbClr val="7030A0"/>
+                </a:solidFill>
+                <a:latin typeface="Cambria Math" panose="02040503050406030204" pitchFamily="18" charset="0"/>
+                <a:ea typeface="Cambria Math" panose="02040503050406030204" pitchFamily="18" charset="0"/>
+              </a:rPr>
+              <a:t>r</a:t>
+            </a:r>
+            <a:r>
+              <a:rPr lang="en-US" altLang="zh-CN" dirty="0"/>
+              <a:t> </a:t>
+            </a:r>
+            <a:r>
+              <a:rPr lang="en-US" altLang="zh-CN" dirty="0" smtClean="0"/>
+              <a:t>and </a:t>
+            </a:r>
+            <a:r>
+              <a:rPr lang="en-US" altLang="zh-CN" dirty="0" smtClean="0">
+                <a:solidFill>
+                  <a:srgbClr val="7030A0"/>
+                </a:solidFill>
+                <a:latin typeface="Cambria Math" panose="02040503050406030204" pitchFamily="18" charset="0"/>
+                <a:ea typeface="Cambria Math" panose="02040503050406030204" pitchFamily="18" charset="0"/>
+              </a:rPr>
+              <a:t>*100(r</a:t>
+            </a:r>
+            <a:r>
+              <a:rPr lang="en-US" altLang="zh-CN" dirty="0">
+                <a:solidFill>
+                  <a:srgbClr val="7030A0"/>
+                </a:solidFill>
+                <a:latin typeface="Cambria Math" panose="02040503050406030204" pitchFamily="18" charset="0"/>
+                <a:ea typeface="Cambria Math" panose="02040503050406030204" pitchFamily="18" charset="0"/>
+              </a:rPr>
+              <a:t>) </a:t>
+            </a:r>
+            <a:r>
+              <a:rPr lang="en-US" altLang="zh-CN" dirty="0"/>
+              <a:t>means the memory location found in the location obtained </a:t>
+            </a:r>
+            <a:r>
+              <a:rPr lang="en-US" altLang="zh-CN" dirty="0" smtClean="0"/>
+              <a:t>by adding </a:t>
+            </a:r>
+            <a:r>
+              <a:rPr lang="en-US" altLang="zh-CN" dirty="0"/>
+              <a:t>100 to the contents of </a:t>
+            </a:r>
+            <a:r>
+              <a:rPr lang="en-US" altLang="zh-CN" dirty="0">
+                <a:solidFill>
+                  <a:srgbClr val="7030A0"/>
+                </a:solidFill>
+                <a:latin typeface="Cambria Math" panose="02040503050406030204" pitchFamily="18" charset="0"/>
+                <a:ea typeface="Cambria Math" panose="02040503050406030204" pitchFamily="18" charset="0"/>
+              </a:rPr>
+              <a:t>r</a:t>
+            </a:r>
+            <a:r>
+              <a:rPr lang="en-US" altLang="zh-CN" dirty="0"/>
+              <a:t>. For example, </a:t>
+            </a:r>
+            <a:r>
+              <a:rPr lang="en-US" altLang="zh-CN" dirty="0">
+                <a:latin typeface="Cambria Math" panose="02040503050406030204" pitchFamily="18" charset="0"/>
+                <a:ea typeface="Cambria Math" panose="02040503050406030204" pitchFamily="18" charset="0"/>
+              </a:rPr>
+              <a:t>LD </a:t>
+            </a:r>
+            <a:r>
+              <a:rPr lang="en-US" altLang="zh-CN" dirty="0" smtClean="0">
+                <a:latin typeface="Cambria Math" panose="02040503050406030204" pitchFamily="18" charset="0"/>
+                <a:ea typeface="Cambria Math" panose="02040503050406030204" pitchFamily="18" charset="0"/>
+              </a:rPr>
+              <a:t>R</a:t>
+            </a:r>
+            <a:r>
+              <a:rPr lang="en-US" altLang="zh-CN" baseline="-25000" dirty="0" smtClean="0">
+                <a:latin typeface="Cambria Math" panose="02040503050406030204" pitchFamily="18" charset="0"/>
+                <a:ea typeface="Cambria Math" panose="02040503050406030204" pitchFamily="18" charset="0"/>
+              </a:rPr>
+              <a:t>1</a:t>
+            </a:r>
+            <a:r>
+              <a:rPr lang="en-US" altLang="zh-CN" dirty="0" smtClean="0">
+                <a:latin typeface="Cambria Math" panose="02040503050406030204" pitchFamily="18" charset="0"/>
+                <a:ea typeface="Cambria Math" panose="02040503050406030204" pitchFamily="18" charset="0"/>
+              </a:rPr>
+              <a:t>, *100(R</a:t>
+            </a:r>
+            <a:r>
+              <a:rPr lang="en-US" altLang="zh-CN" baseline="-25000" dirty="0" smtClean="0">
+                <a:latin typeface="Cambria Math" panose="02040503050406030204" pitchFamily="18" charset="0"/>
+                <a:ea typeface="Cambria Math" panose="02040503050406030204" pitchFamily="18" charset="0"/>
+              </a:rPr>
+              <a:t>2</a:t>
+            </a:r>
+            <a:r>
+              <a:rPr lang="en-US" altLang="zh-CN" dirty="0">
+                <a:latin typeface="Cambria Math" panose="02040503050406030204" pitchFamily="18" charset="0"/>
+                <a:ea typeface="Cambria Math" panose="02040503050406030204" pitchFamily="18" charset="0"/>
+              </a:rPr>
+              <a:t>) </a:t>
+            </a:r>
+            <a:r>
+              <a:rPr lang="en-US" altLang="zh-CN" dirty="0"/>
+              <a:t>has </a:t>
+            </a:r>
+            <a:r>
+              <a:rPr lang="en-US" altLang="zh-CN" dirty="0" smtClean="0"/>
+              <a:t>the effect </a:t>
+            </a:r>
+            <a:r>
+              <a:rPr lang="en-US" altLang="zh-CN" dirty="0"/>
+              <a:t>of setting </a:t>
+            </a:r>
+            <a:r>
+              <a:rPr lang="en-US" altLang="zh-CN" dirty="0" err="1" smtClean="0"/>
+              <a:t>R</a:t>
+            </a:r>
+            <a:r>
+              <a:rPr lang="en-US" altLang="zh-CN" baseline="-25000" dirty="0" err="1" smtClean="0"/>
+              <a:t>l</a:t>
+            </a:r>
+            <a:r>
+              <a:rPr lang="en-US" altLang="zh-CN" dirty="0" smtClean="0"/>
+              <a:t>=contents(contents </a:t>
+            </a:r>
+            <a:r>
+              <a:rPr lang="en-US" altLang="zh-CN" dirty="0"/>
+              <a:t>(</a:t>
+            </a:r>
+            <a:r>
+              <a:rPr lang="en-US" altLang="zh-CN" dirty="0" smtClean="0"/>
+              <a:t>100+contents </a:t>
+            </a:r>
+            <a:r>
+              <a:rPr lang="en-US" altLang="zh-CN" dirty="0"/>
+              <a:t>(R</a:t>
+            </a:r>
+            <a:r>
+              <a:rPr lang="en-US" altLang="zh-CN" baseline="-25000" dirty="0"/>
+              <a:t>2</a:t>
+            </a:r>
+            <a:r>
+              <a:rPr lang="en-US" altLang="zh-CN" dirty="0"/>
+              <a:t>) ) </a:t>
+            </a:r>
+            <a:r>
+              <a:rPr lang="en-US" altLang="zh-CN" dirty="0" smtClean="0"/>
+              <a:t>)</a:t>
+            </a:r>
+          </a:p>
+          <a:p>
+            <a:pPr>
+              <a:buFont typeface="Wingdings" panose="05000000000000000000" pitchFamily="2" charset="2"/>
+              <a:buChar char="ü"/>
+            </a:pPr>
+            <a:r>
+              <a:rPr lang="en-US" altLang="zh-CN" dirty="0"/>
+              <a:t>Finally, we allow an immediate constant addressing mode. The </a:t>
+            </a:r>
+            <a:r>
+              <a:rPr lang="en-US" altLang="zh-CN" dirty="0" smtClean="0"/>
+              <a:t>constant is </a:t>
+            </a:r>
+            <a:r>
+              <a:rPr lang="en-US" altLang="zh-CN" dirty="0"/>
+              <a:t>prefixed by #. The instruction </a:t>
+            </a:r>
+            <a:r>
+              <a:rPr lang="en-US" altLang="zh-CN" dirty="0">
+                <a:solidFill>
+                  <a:srgbClr val="7030A0"/>
+                </a:solidFill>
+                <a:latin typeface="Cambria Math" panose="02040503050406030204" pitchFamily="18" charset="0"/>
+                <a:ea typeface="Cambria Math" panose="02040503050406030204" pitchFamily="18" charset="0"/>
+              </a:rPr>
+              <a:t>LD </a:t>
+            </a:r>
+            <a:r>
+              <a:rPr lang="en-US" altLang="zh-CN" dirty="0" smtClean="0">
+                <a:solidFill>
+                  <a:srgbClr val="7030A0"/>
+                </a:solidFill>
+                <a:latin typeface="Cambria Math" panose="02040503050406030204" pitchFamily="18" charset="0"/>
+                <a:ea typeface="Cambria Math" panose="02040503050406030204" pitchFamily="18" charset="0"/>
+              </a:rPr>
+              <a:t>R</a:t>
+            </a:r>
+            <a:r>
+              <a:rPr lang="en-US" altLang="zh-CN" baseline="-25000" dirty="0" smtClean="0">
+                <a:solidFill>
+                  <a:srgbClr val="7030A0"/>
+                </a:solidFill>
+                <a:latin typeface="Cambria Math" panose="02040503050406030204" pitchFamily="18" charset="0"/>
+                <a:ea typeface="Cambria Math" panose="02040503050406030204" pitchFamily="18" charset="0"/>
+              </a:rPr>
+              <a:t>1</a:t>
+            </a:r>
+            <a:r>
+              <a:rPr lang="en-US" altLang="zh-CN" dirty="0" smtClean="0">
+                <a:solidFill>
+                  <a:srgbClr val="7030A0"/>
+                </a:solidFill>
+                <a:latin typeface="Cambria Math" panose="02040503050406030204" pitchFamily="18" charset="0"/>
+                <a:ea typeface="Cambria Math" panose="02040503050406030204" pitchFamily="18" charset="0"/>
+              </a:rPr>
+              <a:t>, #100 </a:t>
+            </a:r>
+            <a:r>
+              <a:rPr lang="en-US" altLang="zh-CN" dirty="0"/>
+              <a:t>loads the integer 100 </a:t>
+            </a:r>
+            <a:r>
+              <a:rPr lang="en-US" altLang="zh-CN" dirty="0" smtClean="0"/>
+              <a:t>into register R</a:t>
+            </a:r>
+            <a:r>
+              <a:rPr lang="en-US" altLang="zh-CN" baseline="-25000" dirty="0" smtClean="0"/>
+              <a:t>1</a:t>
+            </a:r>
+            <a:r>
+              <a:rPr lang="en-US" altLang="zh-CN" dirty="0" smtClean="0"/>
+              <a:t>, </a:t>
+            </a:r>
+            <a:r>
+              <a:rPr lang="en-US" altLang="zh-CN" dirty="0"/>
+              <a:t>and </a:t>
+            </a:r>
+            <a:r>
+              <a:rPr lang="en-US" altLang="zh-CN" dirty="0">
+                <a:solidFill>
+                  <a:srgbClr val="7030A0"/>
+                </a:solidFill>
+                <a:latin typeface="Cambria Math" panose="02040503050406030204" pitchFamily="18" charset="0"/>
+                <a:ea typeface="Cambria Math" panose="02040503050406030204" pitchFamily="18" charset="0"/>
+              </a:rPr>
+              <a:t>ADD R</a:t>
+            </a:r>
+            <a:r>
+              <a:rPr lang="en-US" altLang="zh-CN" baseline="-25000" dirty="0">
+                <a:solidFill>
+                  <a:srgbClr val="7030A0"/>
+                </a:solidFill>
+                <a:latin typeface="Cambria Math" panose="02040503050406030204" pitchFamily="18" charset="0"/>
+                <a:ea typeface="Cambria Math" panose="02040503050406030204" pitchFamily="18" charset="0"/>
+              </a:rPr>
+              <a:t>1</a:t>
+            </a:r>
+            <a:r>
+              <a:rPr lang="en-US" altLang="zh-CN" dirty="0" smtClean="0">
+                <a:solidFill>
+                  <a:srgbClr val="7030A0"/>
+                </a:solidFill>
+                <a:latin typeface="Cambria Math" panose="02040503050406030204" pitchFamily="18" charset="0"/>
+                <a:ea typeface="Cambria Math" panose="02040503050406030204" pitchFamily="18" charset="0"/>
+              </a:rPr>
+              <a:t>, </a:t>
+            </a:r>
+            <a:r>
+              <a:rPr lang="en-US" altLang="zh-CN" dirty="0">
+                <a:solidFill>
+                  <a:srgbClr val="7030A0"/>
+                </a:solidFill>
+                <a:latin typeface="Cambria Math" panose="02040503050406030204" pitchFamily="18" charset="0"/>
+                <a:ea typeface="Cambria Math" panose="02040503050406030204" pitchFamily="18" charset="0"/>
+              </a:rPr>
+              <a:t>R</a:t>
+            </a:r>
+            <a:r>
+              <a:rPr lang="en-US" altLang="zh-CN" baseline="-25000" dirty="0">
+                <a:solidFill>
+                  <a:srgbClr val="7030A0"/>
+                </a:solidFill>
+                <a:latin typeface="Cambria Math" panose="02040503050406030204" pitchFamily="18" charset="0"/>
+                <a:ea typeface="Cambria Math" panose="02040503050406030204" pitchFamily="18" charset="0"/>
+              </a:rPr>
+              <a:t>1</a:t>
+            </a:r>
+            <a:r>
+              <a:rPr lang="en-US" altLang="zh-CN" dirty="0" smtClean="0">
+                <a:solidFill>
+                  <a:srgbClr val="7030A0"/>
+                </a:solidFill>
+                <a:latin typeface="Cambria Math" panose="02040503050406030204" pitchFamily="18" charset="0"/>
+                <a:ea typeface="Cambria Math" panose="02040503050406030204" pitchFamily="18" charset="0"/>
+              </a:rPr>
+              <a:t>, </a:t>
+            </a:r>
+            <a:r>
+              <a:rPr lang="en-US" altLang="zh-CN" dirty="0">
+                <a:solidFill>
+                  <a:srgbClr val="7030A0"/>
+                </a:solidFill>
+                <a:latin typeface="Cambria Math" panose="02040503050406030204" pitchFamily="18" charset="0"/>
+                <a:ea typeface="Cambria Math" panose="02040503050406030204" pitchFamily="18" charset="0"/>
+              </a:rPr>
+              <a:t># 100 </a:t>
+            </a:r>
+            <a:r>
+              <a:rPr lang="en-US" altLang="zh-CN" dirty="0"/>
+              <a:t>adds the integer 100 into register </a:t>
+            </a:r>
+            <a:r>
+              <a:rPr lang="en-US" altLang="zh-CN" dirty="0" smtClean="0"/>
+              <a:t>R</a:t>
+            </a:r>
+            <a:r>
+              <a:rPr lang="en-US" altLang="zh-CN" baseline="-25000" dirty="0" smtClean="0"/>
+              <a:t>1</a:t>
+            </a:r>
+            <a:r>
+              <a:rPr lang="en-US" altLang="zh-CN" dirty="0" smtClean="0"/>
+              <a:t>.</a:t>
+            </a:r>
+            <a:endParaRPr lang="en-US" altLang="zh-CN" dirty="0"/>
+          </a:p>
+        </p:txBody>
+      </p:sp>
+    </p:spTree>
+    <p:extLst>
+      <p:ext uri="{BB962C8B-B14F-4D97-AF65-F5344CB8AC3E}">
+        <p14:creationId xmlns:p14="http://schemas.microsoft.com/office/powerpoint/2010/main" val="2218854103"/>
       </p:ext>
     </p:extLst>
   </p:cSld>

--- a/course/compiler/lecture/(Spring2020)Lecture9.pptx
+++ b/course/compiler/lecture/(Spring2020)Lecture9.pptx
@@ -5,10 +5,10 @@
     <p:sldMasterId id="2147483648" r:id="rId4"/>
   </p:sldMasterIdLst>
   <p:notesMasterIdLst>
-    <p:notesMasterId r:id="rId20"/>
+    <p:notesMasterId r:id="rId21"/>
   </p:notesMasterIdLst>
   <p:handoutMasterIdLst>
-    <p:handoutMasterId r:id="rId21"/>
+    <p:handoutMasterId r:id="rId22"/>
   </p:handoutMasterIdLst>
   <p:sldIdLst>
     <p:sldId id="256" r:id="rId5"/>
@@ -26,6 +26,7 @@
     <p:sldId id="289" r:id="rId17"/>
     <p:sldId id="290" r:id="rId18"/>
     <p:sldId id="291" r:id="rId19"/>
+    <p:sldId id="292" r:id="rId20"/>
   </p:sldIdLst>
   <p:sldSz cx="9144000" cy="6858000" type="screen4x3"/>
   <p:notesSz cx="6858000" cy="9144000"/>
@@ -6635,6 +6636,180 @@
     <p:extLst>
       <p:ext uri="{BB962C8B-B14F-4D97-AF65-F5344CB8AC3E}">
         <p14:creationId xmlns:p14="http://schemas.microsoft.com/office/powerpoint/2010/main" val="1362496881"/>
+      </p:ext>
+    </p:extLst>
+  </p:cSld>
+  <p:clrMapOvr>
+    <a:masterClrMapping/>
+  </p:clrMapOvr>
+  <mc:AlternateContent xmlns:mc="http://schemas.openxmlformats.org/markup-compatibility/2006" xmlns:p14="http://schemas.microsoft.com/office/powerpoint/2010/main">
+    <mc:Choice Requires="p14">
+      <p:transition spd="med" p14:dur="700">
+        <p:fade/>
+      </p:transition>
+    </mc:Choice>
+    <mc:Fallback xmlns="">
+      <p:transition spd="med">
+        <p:fade/>
+      </p:transition>
+    </mc:Fallback>
+  </mc:AlternateContent>
+</p:sld>
+</file>
+
+<file path=ppt/slides/slide16.xml><?xml version="1.0" encoding="utf-8"?>
+<p:sld xmlns:a="http://schemas.openxmlformats.org/drawingml/2006/main" xmlns:r="http://schemas.openxmlformats.org/officeDocument/2006/relationships" xmlns:p="http://schemas.openxmlformats.org/presentationml/2006/main">
+  <p:cSld>
+    <p:spTree>
+      <p:nvGrpSpPr>
+        <p:cNvPr id="1" name=""/>
+        <p:cNvGrpSpPr/>
+        <p:nvPr/>
+      </p:nvGrpSpPr>
+      <p:grpSpPr>
+        <a:xfrm>
+          <a:off x="0" y="0"/>
+          <a:ext cx="0" cy="0"/>
+          <a:chOff x="0" y="0"/>
+          <a:chExt cx="0" cy="0"/>
+        </a:xfrm>
+      </p:grpSpPr>
+      <p:sp>
+        <p:nvSpPr>
+          <p:cNvPr id="2" name="标题 1"/>
+          <p:cNvSpPr>
+            <a:spLocks noGrp="1"/>
+          </p:cNvSpPr>
+          <p:nvPr>
+            <p:ph type="title"/>
+          </p:nvPr>
+        </p:nvSpPr>
+        <p:spPr/>
+        <p:txBody>
+          <a:bodyPr/>
+          <a:lstStyle/>
+          <a:p>
+            <a:r>
+              <a:rPr lang="en-US" altLang="zh-CN" dirty="0"/>
+              <a:t>8.3 Addresses in the Target </a:t>
+            </a:r>
+            <a:r>
+              <a:rPr lang="en-US" altLang="zh-CN" dirty="0"/>
+              <a:t>Code-Stack Allocation</a:t>
+            </a:r>
+            <a:endParaRPr lang="zh-CN" altLang="en-US" dirty="0"/>
+          </a:p>
+        </p:txBody>
+      </p:sp>
+      <p:sp>
+        <p:nvSpPr>
+          <p:cNvPr id="3" name="内容占位符 2"/>
+          <p:cNvSpPr>
+            <a:spLocks noGrp="1"/>
+          </p:cNvSpPr>
+          <p:nvPr>
+            <p:ph idx="1"/>
+          </p:nvPr>
+        </p:nvSpPr>
+        <p:spPr>
+          <a:xfrm>
+            <a:off x="828675" y="1600200"/>
+            <a:ext cx="7486650" cy="4057116"/>
+          </a:xfrm>
+        </p:spPr>
+        <p:txBody>
+          <a:bodyPr/>
+          <a:lstStyle/>
+          <a:p>
+            <a:r>
+              <a:rPr lang="en-US" altLang="zh-CN" dirty="0"/>
+              <a:t>Static allocation can become stack allocation by using relative addresses </a:t>
+            </a:r>
+            <a:r>
+              <a:rPr lang="en-US" altLang="zh-CN" dirty="0" smtClean="0"/>
+              <a:t>for storage </a:t>
+            </a:r>
+            <a:r>
+              <a:rPr lang="en-US" altLang="zh-CN" dirty="0"/>
+              <a:t>in activation records. In stack allocation, however , the position of </a:t>
+            </a:r>
+            <a:r>
+              <a:rPr lang="en-US" altLang="zh-CN" dirty="0" smtClean="0"/>
+              <a:t>an activation </a:t>
+            </a:r>
+            <a:r>
+              <a:rPr lang="en-US" altLang="zh-CN" dirty="0"/>
+              <a:t>record for a procedure is not known until run time. This position </a:t>
+            </a:r>
+            <a:r>
+              <a:rPr lang="en-US" altLang="zh-CN" dirty="0" smtClean="0"/>
+              <a:t>is usually </a:t>
+            </a:r>
+            <a:r>
+              <a:rPr lang="en-US" altLang="zh-CN" dirty="0"/>
+              <a:t>stored in a register, so words in the activation record can be accessed </a:t>
+            </a:r>
+            <a:r>
+              <a:rPr lang="en-US" altLang="zh-CN" dirty="0" smtClean="0"/>
+              <a:t>as offsets </a:t>
+            </a:r>
+            <a:r>
+              <a:rPr lang="en-US" altLang="zh-CN" dirty="0"/>
+              <a:t>from the value in this register</a:t>
+            </a:r>
+            <a:r>
+              <a:rPr lang="en-US" altLang="zh-CN" dirty="0" smtClean="0"/>
+              <a:t>.</a:t>
+            </a:r>
+          </a:p>
+          <a:p>
+            <a:r>
+              <a:rPr lang="en-US" altLang="zh-CN" dirty="0" smtClean="0"/>
+              <a:t>We </a:t>
+            </a:r>
+            <a:r>
+              <a:rPr lang="en-US" altLang="zh-CN" dirty="0"/>
+              <a:t>shall use positive offsets by maintaining in a register SP a pointer </a:t>
+            </a:r>
+            <a:r>
+              <a:rPr lang="en-US" altLang="zh-CN" dirty="0" smtClean="0"/>
+              <a:t>to the </a:t>
+            </a:r>
+            <a:r>
+              <a:rPr lang="en-US" altLang="zh-CN" dirty="0"/>
+              <a:t>beginning of the activation record on top of the stack. When a </a:t>
+            </a:r>
+            <a:r>
+              <a:rPr lang="en-US" altLang="zh-CN" dirty="0" smtClean="0"/>
+              <a:t>procedure call </a:t>
+            </a:r>
+            <a:r>
+              <a:rPr lang="en-US" altLang="zh-CN" dirty="0"/>
+              <a:t>occurs, the calling procedure increments SP and transfers control to </a:t>
+            </a:r>
+            <a:r>
+              <a:rPr lang="en-US" altLang="zh-CN" dirty="0" smtClean="0"/>
+              <a:t>the called </a:t>
+            </a:r>
+            <a:r>
+              <a:rPr lang="en-US" altLang="zh-CN" dirty="0"/>
+              <a:t>procedure. After control returns to the caller, we decrement SP, </a:t>
+            </a:r>
+            <a:r>
+              <a:rPr lang="en-US" altLang="zh-CN" dirty="0" smtClean="0"/>
+              <a:t>thereby deallocating </a:t>
+            </a:r>
+            <a:r>
+              <a:rPr lang="en-US" altLang="zh-CN" dirty="0"/>
+              <a:t>the activation record of the called procedure.</a:t>
+            </a:r>
+          </a:p>
+        </p:txBody>
+      </p:sp>
+    </p:spTree>
+    <p:extLst>
+      <p:ext uri="{BB962C8B-B14F-4D97-AF65-F5344CB8AC3E}">
+        <p14:creationId xmlns:p14="http://schemas.microsoft.com/office/powerpoint/2010/main" val="2820385998"/>
       </p:ext>
     </p:extLst>
   </p:cSld>
@@ -11383,12 +11558,129 @@
 </file>
 
 <file path=customXml/item1.xml><?xml version="1.0" encoding="utf-8"?>
-<?mso-contentType ?>
-<FormTemplates xmlns="http://schemas.microsoft.com/sharepoint/v3/contenttype/forms">
-  <Display>DocumentLibraryForm</Display>
-  <Edit>AssetEditForm</Edit>
-  <New>DocumentLibraryForm</New>
-</FormTemplates>
+<p:properties xmlns:p="http://schemas.microsoft.com/office/2006/metadata/properties" xmlns:xsi="http://www.w3.org/2001/XMLSchema-instance" xmlns:pc="http://schemas.microsoft.com/office/infopath/2007/PartnerControls">
+  <documentManagement>
+    <APDescription xmlns="4873beb7-5857-4685-be1f-d57550cc96cc" xsi:nil="true"/>
+    <AssetExpire xmlns="4873beb7-5857-4685-be1f-d57550cc96cc">2029-01-01T08:00:00+00:00</AssetExpire>
+    <CampaignTagsTaxHTField0 xmlns="4873beb7-5857-4685-be1f-d57550cc96cc">
+      <Terms xmlns="http://schemas.microsoft.com/office/infopath/2007/PartnerControls"/>
+    </CampaignTagsTaxHTField0>
+    <IntlLangReviewDate xmlns="4873beb7-5857-4685-be1f-d57550cc96cc" xsi:nil="true"/>
+    <TPFriendlyName xmlns="4873beb7-5857-4685-be1f-d57550cc96cc" xsi:nil="true"/>
+    <IntlLangReview xmlns="4873beb7-5857-4685-be1f-d57550cc96cc">false</IntlLangReview>
+    <LocLastLocAttemptVersionLookup xmlns="4873beb7-5857-4685-be1f-d57550cc96cc">855024</LocLastLocAttemptVersionLookup>
+    <PolicheckWords xmlns="4873beb7-5857-4685-be1f-d57550cc96cc" xsi:nil="true"/>
+    <SubmitterId xmlns="4873beb7-5857-4685-be1f-d57550cc96cc" xsi:nil="true"/>
+    <AcquiredFrom xmlns="4873beb7-5857-4685-be1f-d57550cc96cc">Internal MS</AcquiredFrom>
+    <EditorialStatus xmlns="4873beb7-5857-4685-be1f-d57550cc96cc">Complete</EditorialStatus>
+    <Markets xmlns="4873beb7-5857-4685-be1f-d57550cc96cc"/>
+    <OriginAsset xmlns="4873beb7-5857-4685-be1f-d57550cc96cc" xsi:nil="true"/>
+    <AssetStart xmlns="4873beb7-5857-4685-be1f-d57550cc96cc">2012-08-31T08:50:00+00:00</AssetStart>
+    <FriendlyTitle xmlns="4873beb7-5857-4685-be1f-d57550cc96cc" xsi:nil="true"/>
+    <MarketSpecific xmlns="4873beb7-5857-4685-be1f-d57550cc96cc">false</MarketSpecific>
+    <TPNamespace xmlns="4873beb7-5857-4685-be1f-d57550cc96cc" xsi:nil="true"/>
+    <PublishStatusLookup xmlns="4873beb7-5857-4685-be1f-d57550cc96cc">
+      <Value>1616423</Value>
+    </PublishStatusLookup>
+    <APAuthor xmlns="4873beb7-5857-4685-be1f-d57550cc96cc">
+      <UserInfo>
+        <DisplayName>REDMOND\kristaa</DisplayName>
+        <AccountId>136</AccountId>
+        <AccountType/>
+      </UserInfo>
+    </APAuthor>
+    <TPCommandLine xmlns="4873beb7-5857-4685-be1f-d57550cc96cc" xsi:nil="true"/>
+    <IntlLangReviewer xmlns="4873beb7-5857-4685-be1f-d57550cc96cc" xsi:nil="true"/>
+    <OpenTemplate xmlns="4873beb7-5857-4685-be1f-d57550cc96cc">true</OpenTemplate>
+    <CSXSubmissionDate xmlns="4873beb7-5857-4685-be1f-d57550cc96cc" xsi:nil="true"/>
+    <TaxCatchAll xmlns="4873beb7-5857-4685-be1f-d57550cc96cc"/>
+    <Manager xmlns="4873beb7-5857-4685-be1f-d57550cc96cc" xsi:nil="true"/>
+    <NumericId xmlns="4873beb7-5857-4685-be1f-d57550cc96cc" xsi:nil="true"/>
+    <ParentAssetId xmlns="4873beb7-5857-4685-be1f-d57550cc96cc" xsi:nil="true"/>
+    <OriginalSourceMarket xmlns="4873beb7-5857-4685-be1f-d57550cc96cc" xsi:nil="true"/>
+    <ApprovalStatus xmlns="4873beb7-5857-4685-be1f-d57550cc96cc">InProgress</ApprovalStatus>
+    <TPComponent xmlns="4873beb7-5857-4685-be1f-d57550cc96cc" xsi:nil="true"/>
+    <EditorialTags xmlns="4873beb7-5857-4685-be1f-d57550cc96cc" xsi:nil="true"/>
+    <TPExecutable xmlns="4873beb7-5857-4685-be1f-d57550cc96cc" xsi:nil="true"/>
+    <TPLaunchHelpLink xmlns="4873beb7-5857-4685-be1f-d57550cc96cc" xsi:nil="true"/>
+    <LocComments xmlns="4873beb7-5857-4685-be1f-d57550cc96cc" xsi:nil="true"/>
+    <LocRecommendedHandoff xmlns="4873beb7-5857-4685-be1f-d57550cc96cc" xsi:nil="true"/>
+    <SourceTitle xmlns="4873beb7-5857-4685-be1f-d57550cc96cc" xsi:nil="true"/>
+    <CSXUpdate xmlns="4873beb7-5857-4685-be1f-d57550cc96cc">false</CSXUpdate>
+    <IntlLocPriority xmlns="4873beb7-5857-4685-be1f-d57550cc96cc" xsi:nil="true"/>
+    <UAProjectedTotalWords xmlns="4873beb7-5857-4685-be1f-d57550cc96cc" xsi:nil="true"/>
+    <AssetType xmlns="4873beb7-5857-4685-be1f-d57550cc96cc">TP</AssetType>
+    <MachineTranslated xmlns="4873beb7-5857-4685-be1f-d57550cc96cc">false</MachineTranslated>
+    <OutputCachingOn xmlns="4873beb7-5857-4685-be1f-d57550cc96cc">false</OutputCachingOn>
+    <TemplateStatus xmlns="4873beb7-5857-4685-be1f-d57550cc96cc">Complete</TemplateStatus>
+    <IsSearchable xmlns="4873beb7-5857-4685-be1f-d57550cc96cc">true</IsSearchable>
+    <ContentItem xmlns="4873beb7-5857-4685-be1f-d57550cc96cc" xsi:nil="true"/>
+    <HandoffToMSDN xmlns="4873beb7-5857-4685-be1f-d57550cc96cc" xsi:nil="true"/>
+    <ShowIn xmlns="4873beb7-5857-4685-be1f-d57550cc96cc">Show everywhere</ShowIn>
+    <ThumbnailAssetId xmlns="4873beb7-5857-4685-be1f-d57550cc96cc" xsi:nil="true"/>
+    <UALocComments xmlns="4873beb7-5857-4685-be1f-d57550cc96cc" xsi:nil="true"/>
+    <UALocRecommendation xmlns="4873beb7-5857-4685-be1f-d57550cc96cc">Localize</UALocRecommendation>
+    <LastModifiedDateTime xmlns="4873beb7-5857-4685-be1f-d57550cc96cc" xsi:nil="true"/>
+    <LegacyData xmlns="4873beb7-5857-4685-be1f-d57550cc96cc" xsi:nil="true"/>
+    <LocManualTestRequired xmlns="4873beb7-5857-4685-be1f-d57550cc96cc">false</LocManualTestRequired>
+    <LocMarketGroupTiers2 xmlns="4873beb7-5857-4685-be1f-d57550cc96cc" xsi:nil="true"/>
+    <ClipArtFilename xmlns="4873beb7-5857-4685-be1f-d57550cc96cc" xsi:nil="true"/>
+    <TPApplication xmlns="4873beb7-5857-4685-be1f-d57550cc96cc" xsi:nil="true"/>
+    <CSXHash xmlns="4873beb7-5857-4685-be1f-d57550cc96cc" xsi:nil="true"/>
+    <DirectSourceMarket xmlns="4873beb7-5857-4685-be1f-d57550cc96cc" xsi:nil="true"/>
+    <PrimaryImageGen xmlns="4873beb7-5857-4685-be1f-d57550cc96cc">true</PrimaryImageGen>
+    <PlannedPubDate xmlns="4873beb7-5857-4685-be1f-d57550cc96cc" xsi:nil="true"/>
+    <CSXSubmissionMarket xmlns="4873beb7-5857-4685-be1f-d57550cc96cc" xsi:nil="true"/>
+    <Downloads xmlns="4873beb7-5857-4685-be1f-d57550cc96cc">0</Downloads>
+    <ArtSampleDocs xmlns="4873beb7-5857-4685-be1f-d57550cc96cc" xsi:nil="true"/>
+    <TrustLevel xmlns="4873beb7-5857-4685-be1f-d57550cc96cc">1 Microsoft Managed Content</TrustLevel>
+    <BlockPublish xmlns="4873beb7-5857-4685-be1f-d57550cc96cc">false</BlockPublish>
+    <TPLaunchHelpLinkType xmlns="4873beb7-5857-4685-be1f-d57550cc96cc">Template</TPLaunchHelpLinkType>
+    <LocalizationTagsTaxHTField0 xmlns="4873beb7-5857-4685-be1f-d57550cc96cc">
+      <Terms xmlns="http://schemas.microsoft.com/office/infopath/2007/PartnerControls"/>
+    </LocalizationTagsTaxHTField0>
+    <BusinessGroup xmlns="4873beb7-5857-4685-be1f-d57550cc96cc" xsi:nil="true"/>
+    <Providers xmlns="4873beb7-5857-4685-be1f-d57550cc96cc" xsi:nil="true"/>
+    <TemplateTemplateType xmlns="4873beb7-5857-4685-be1f-d57550cc96cc">PowerPoint Presentation Template</TemplateTemplateType>
+    <TimesCloned xmlns="4873beb7-5857-4685-be1f-d57550cc96cc" xsi:nil="true"/>
+    <TPAppVersion xmlns="4873beb7-5857-4685-be1f-d57550cc96cc" xsi:nil="true"/>
+    <VoteCount xmlns="4873beb7-5857-4685-be1f-d57550cc96cc" xsi:nil="true"/>
+    <AverageRating xmlns="4873beb7-5857-4685-be1f-d57550cc96cc" xsi:nil="true"/>
+    <FeatureTagsTaxHTField0 xmlns="4873beb7-5857-4685-be1f-d57550cc96cc">
+      <Terms xmlns="http://schemas.microsoft.com/office/infopath/2007/PartnerControls"/>
+    </FeatureTagsTaxHTField0>
+    <Provider xmlns="4873beb7-5857-4685-be1f-d57550cc96cc" xsi:nil="true"/>
+    <UACurrentWords xmlns="4873beb7-5857-4685-be1f-d57550cc96cc" xsi:nil="true"/>
+    <AssetId xmlns="4873beb7-5857-4685-be1f-d57550cc96cc">TP103431361</AssetId>
+    <TPClientViewer xmlns="4873beb7-5857-4685-be1f-d57550cc96cc" xsi:nil="true"/>
+    <DSATActionTaken xmlns="4873beb7-5857-4685-be1f-d57550cc96cc" xsi:nil="true"/>
+    <APEditor xmlns="4873beb7-5857-4685-be1f-d57550cc96cc">
+      <UserInfo>
+        <DisplayName/>
+        <AccountId xsi:nil="true"/>
+        <AccountType/>
+      </UserInfo>
+    </APEditor>
+    <TPInstallLocation xmlns="4873beb7-5857-4685-be1f-d57550cc96cc" xsi:nil="true"/>
+    <OOCacheId xmlns="4873beb7-5857-4685-be1f-d57550cc96cc" xsi:nil="true"/>
+    <IsDeleted xmlns="4873beb7-5857-4685-be1f-d57550cc96cc">false</IsDeleted>
+    <PublishTargets xmlns="4873beb7-5857-4685-be1f-d57550cc96cc">OfficeOnlineVNext</PublishTargets>
+    <ApprovalLog xmlns="4873beb7-5857-4685-be1f-d57550cc96cc" xsi:nil="true"/>
+    <BugNumber xmlns="4873beb7-5857-4685-be1f-d57550cc96cc" xsi:nil="true"/>
+    <CrawlForDependencies xmlns="4873beb7-5857-4685-be1f-d57550cc96cc">false</CrawlForDependencies>
+    <InternalTagsTaxHTField0 xmlns="4873beb7-5857-4685-be1f-d57550cc96cc">
+      <Terms xmlns="http://schemas.microsoft.com/office/infopath/2007/PartnerControls"/>
+    </InternalTagsTaxHTField0>
+    <LastHandOff xmlns="4873beb7-5857-4685-be1f-d57550cc96cc" xsi:nil="true"/>
+    <Milestone xmlns="4873beb7-5857-4685-be1f-d57550cc96cc" xsi:nil="true"/>
+    <OriginalRelease xmlns="4873beb7-5857-4685-be1f-d57550cc96cc">15</OriginalRelease>
+    <RecommendationsModifier xmlns="4873beb7-5857-4685-be1f-d57550cc96cc" xsi:nil="true"/>
+    <ScenarioTagsTaxHTField0 xmlns="4873beb7-5857-4685-be1f-d57550cc96cc">
+      <Terms xmlns="http://schemas.microsoft.com/office/infopath/2007/PartnerControls"/>
+    </ScenarioTagsTaxHTField0>
+    <UANotes xmlns="4873beb7-5857-4685-be1f-d57550cc96cc" xsi:nil="true"/>
+  </documentManagement>
+</p:properties>
 </file>
 
 <file path=customXml/item2.xml><?xml version="1.0" encoding="utf-8"?>
@@ -12432,135 +12724,26 @@
 </file>
 
 <file path=customXml/item3.xml><?xml version="1.0" encoding="utf-8"?>
-<p:properties xmlns:p="http://schemas.microsoft.com/office/2006/metadata/properties" xmlns:xsi="http://www.w3.org/2001/XMLSchema-instance" xmlns:pc="http://schemas.microsoft.com/office/infopath/2007/PartnerControls">
-  <documentManagement>
-    <APDescription xmlns="4873beb7-5857-4685-be1f-d57550cc96cc" xsi:nil="true"/>
-    <AssetExpire xmlns="4873beb7-5857-4685-be1f-d57550cc96cc">2029-01-01T08:00:00+00:00</AssetExpire>
-    <CampaignTagsTaxHTField0 xmlns="4873beb7-5857-4685-be1f-d57550cc96cc">
-      <Terms xmlns="http://schemas.microsoft.com/office/infopath/2007/PartnerControls"/>
-    </CampaignTagsTaxHTField0>
-    <IntlLangReviewDate xmlns="4873beb7-5857-4685-be1f-d57550cc96cc" xsi:nil="true"/>
-    <TPFriendlyName xmlns="4873beb7-5857-4685-be1f-d57550cc96cc" xsi:nil="true"/>
-    <IntlLangReview xmlns="4873beb7-5857-4685-be1f-d57550cc96cc">false</IntlLangReview>
-    <LocLastLocAttemptVersionLookup xmlns="4873beb7-5857-4685-be1f-d57550cc96cc">855024</LocLastLocAttemptVersionLookup>
-    <PolicheckWords xmlns="4873beb7-5857-4685-be1f-d57550cc96cc" xsi:nil="true"/>
-    <SubmitterId xmlns="4873beb7-5857-4685-be1f-d57550cc96cc" xsi:nil="true"/>
-    <AcquiredFrom xmlns="4873beb7-5857-4685-be1f-d57550cc96cc">Internal MS</AcquiredFrom>
-    <EditorialStatus xmlns="4873beb7-5857-4685-be1f-d57550cc96cc">Complete</EditorialStatus>
-    <Markets xmlns="4873beb7-5857-4685-be1f-d57550cc96cc"/>
-    <OriginAsset xmlns="4873beb7-5857-4685-be1f-d57550cc96cc" xsi:nil="true"/>
-    <AssetStart xmlns="4873beb7-5857-4685-be1f-d57550cc96cc">2012-08-31T08:50:00+00:00</AssetStart>
-    <FriendlyTitle xmlns="4873beb7-5857-4685-be1f-d57550cc96cc" xsi:nil="true"/>
-    <MarketSpecific xmlns="4873beb7-5857-4685-be1f-d57550cc96cc">false</MarketSpecific>
-    <TPNamespace xmlns="4873beb7-5857-4685-be1f-d57550cc96cc" xsi:nil="true"/>
-    <PublishStatusLookup xmlns="4873beb7-5857-4685-be1f-d57550cc96cc">
-      <Value>1616423</Value>
-    </PublishStatusLookup>
-    <APAuthor xmlns="4873beb7-5857-4685-be1f-d57550cc96cc">
-      <UserInfo>
-        <DisplayName>REDMOND\kristaa</DisplayName>
-        <AccountId>136</AccountId>
-        <AccountType/>
-      </UserInfo>
-    </APAuthor>
-    <TPCommandLine xmlns="4873beb7-5857-4685-be1f-d57550cc96cc" xsi:nil="true"/>
-    <IntlLangReviewer xmlns="4873beb7-5857-4685-be1f-d57550cc96cc" xsi:nil="true"/>
-    <OpenTemplate xmlns="4873beb7-5857-4685-be1f-d57550cc96cc">true</OpenTemplate>
-    <CSXSubmissionDate xmlns="4873beb7-5857-4685-be1f-d57550cc96cc" xsi:nil="true"/>
-    <TaxCatchAll xmlns="4873beb7-5857-4685-be1f-d57550cc96cc"/>
-    <Manager xmlns="4873beb7-5857-4685-be1f-d57550cc96cc" xsi:nil="true"/>
-    <NumericId xmlns="4873beb7-5857-4685-be1f-d57550cc96cc" xsi:nil="true"/>
-    <ParentAssetId xmlns="4873beb7-5857-4685-be1f-d57550cc96cc" xsi:nil="true"/>
-    <OriginalSourceMarket xmlns="4873beb7-5857-4685-be1f-d57550cc96cc" xsi:nil="true"/>
-    <ApprovalStatus xmlns="4873beb7-5857-4685-be1f-d57550cc96cc">InProgress</ApprovalStatus>
-    <TPComponent xmlns="4873beb7-5857-4685-be1f-d57550cc96cc" xsi:nil="true"/>
-    <EditorialTags xmlns="4873beb7-5857-4685-be1f-d57550cc96cc" xsi:nil="true"/>
-    <TPExecutable xmlns="4873beb7-5857-4685-be1f-d57550cc96cc" xsi:nil="true"/>
-    <TPLaunchHelpLink xmlns="4873beb7-5857-4685-be1f-d57550cc96cc" xsi:nil="true"/>
-    <LocComments xmlns="4873beb7-5857-4685-be1f-d57550cc96cc" xsi:nil="true"/>
-    <LocRecommendedHandoff xmlns="4873beb7-5857-4685-be1f-d57550cc96cc" xsi:nil="true"/>
-    <SourceTitle xmlns="4873beb7-5857-4685-be1f-d57550cc96cc" xsi:nil="true"/>
-    <CSXUpdate xmlns="4873beb7-5857-4685-be1f-d57550cc96cc">false</CSXUpdate>
-    <IntlLocPriority xmlns="4873beb7-5857-4685-be1f-d57550cc96cc" xsi:nil="true"/>
-    <UAProjectedTotalWords xmlns="4873beb7-5857-4685-be1f-d57550cc96cc" xsi:nil="true"/>
-    <AssetType xmlns="4873beb7-5857-4685-be1f-d57550cc96cc">TP</AssetType>
-    <MachineTranslated xmlns="4873beb7-5857-4685-be1f-d57550cc96cc">false</MachineTranslated>
-    <OutputCachingOn xmlns="4873beb7-5857-4685-be1f-d57550cc96cc">false</OutputCachingOn>
-    <TemplateStatus xmlns="4873beb7-5857-4685-be1f-d57550cc96cc">Complete</TemplateStatus>
-    <IsSearchable xmlns="4873beb7-5857-4685-be1f-d57550cc96cc">true</IsSearchable>
-    <ContentItem xmlns="4873beb7-5857-4685-be1f-d57550cc96cc" xsi:nil="true"/>
-    <HandoffToMSDN xmlns="4873beb7-5857-4685-be1f-d57550cc96cc" xsi:nil="true"/>
-    <ShowIn xmlns="4873beb7-5857-4685-be1f-d57550cc96cc">Show everywhere</ShowIn>
-    <ThumbnailAssetId xmlns="4873beb7-5857-4685-be1f-d57550cc96cc" xsi:nil="true"/>
-    <UALocComments xmlns="4873beb7-5857-4685-be1f-d57550cc96cc" xsi:nil="true"/>
-    <UALocRecommendation xmlns="4873beb7-5857-4685-be1f-d57550cc96cc">Localize</UALocRecommendation>
-    <LastModifiedDateTime xmlns="4873beb7-5857-4685-be1f-d57550cc96cc" xsi:nil="true"/>
-    <LegacyData xmlns="4873beb7-5857-4685-be1f-d57550cc96cc" xsi:nil="true"/>
-    <LocManualTestRequired xmlns="4873beb7-5857-4685-be1f-d57550cc96cc">false</LocManualTestRequired>
-    <LocMarketGroupTiers2 xmlns="4873beb7-5857-4685-be1f-d57550cc96cc" xsi:nil="true"/>
-    <ClipArtFilename xmlns="4873beb7-5857-4685-be1f-d57550cc96cc" xsi:nil="true"/>
-    <TPApplication xmlns="4873beb7-5857-4685-be1f-d57550cc96cc" xsi:nil="true"/>
-    <CSXHash xmlns="4873beb7-5857-4685-be1f-d57550cc96cc" xsi:nil="true"/>
-    <DirectSourceMarket xmlns="4873beb7-5857-4685-be1f-d57550cc96cc" xsi:nil="true"/>
-    <PrimaryImageGen xmlns="4873beb7-5857-4685-be1f-d57550cc96cc">true</PrimaryImageGen>
-    <PlannedPubDate xmlns="4873beb7-5857-4685-be1f-d57550cc96cc" xsi:nil="true"/>
-    <CSXSubmissionMarket xmlns="4873beb7-5857-4685-be1f-d57550cc96cc" xsi:nil="true"/>
-    <Downloads xmlns="4873beb7-5857-4685-be1f-d57550cc96cc">0</Downloads>
-    <ArtSampleDocs xmlns="4873beb7-5857-4685-be1f-d57550cc96cc" xsi:nil="true"/>
-    <TrustLevel xmlns="4873beb7-5857-4685-be1f-d57550cc96cc">1 Microsoft Managed Content</TrustLevel>
-    <BlockPublish xmlns="4873beb7-5857-4685-be1f-d57550cc96cc">false</BlockPublish>
-    <TPLaunchHelpLinkType xmlns="4873beb7-5857-4685-be1f-d57550cc96cc">Template</TPLaunchHelpLinkType>
-    <LocalizationTagsTaxHTField0 xmlns="4873beb7-5857-4685-be1f-d57550cc96cc">
-      <Terms xmlns="http://schemas.microsoft.com/office/infopath/2007/PartnerControls"/>
-    </LocalizationTagsTaxHTField0>
-    <BusinessGroup xmlns="4873beb7-5857-4685-be1f-d57550cc96cc" xsi:nil="true"/>
-    <Providers xmlns="4873beb7-5857-4685-be1f-d57550cc96cc" xsi:nil="true"/>
-    <TemplateTemplateType xmlns="4873beb7-5857-4685-be1f-d57550cc96cc">PowerPoint Presentation Template</TemplateTemplateType>
-    <TimesCloned xmlns="4873beb7-5857-4685-be1f-d57550cc96cc" xsi:nil="true"/>
-    <TPAppVersion xmlns="4873beb7-5857-4685-be1f-d57550cc96cc" xsi:nil="true"/>
-    <VoteCount xmlns="4873beb7-5857-4685-be1f-d57550cc96cc" xsi:nil="true"/>
-    <AverageRating xmlns="4873beb7-5857-4685-be1f-d57550cc96cc" xsi:nil="true"/>
-    <FeatureTagsTaxHTField0 xmlns="4873beb7-5857-4685-be1f-d57550cc96cc">
-      <Terms xmlns="http://schemas.microsoft.com/office/infopath/2007/PartnerControls"/>
-    </FeatureTagsTaxHTField0>
-    <Provider xmlns="4873beb7-5857-4685-be1f-d57550cc96cc" xsi:nil="true"/>
-    <UACurrentWords xmlns="4873beb7-5857-4685-be1f-d57550cc96cc" xsi:nil="true"/>
-    <AssetId xmlns="4873beb7-5857-4685-be1f-d57550cc96cc">TP103431361</AssetId>
-    <TPClientViewer xmlns="4873beb7-5857-4685-be1f-d57550cc96cc" xsi:nil="true"/>
-    <DSATActionTaken xmlns="4873beb7-5857-4685-be1f-d57550cc96cc" xsi:nil="true"/>
-    <APEditor xmlns="4873beb7-5857-4685-be1f-d57550cc96cc">
-      <UserInfo>
-        <DisplayName/>
-        <AccountId xsi:nil="true"/>
-        <AccountType/>
-      </UserInfo>
-    </APEditor>
-    <TPInstallLocation xmlns="4873beb7-5857-4685-be1f-d57550cc96cc" xsi:nil="true"/>
-    <OOCacheId xmlns="4873beb7-5857-4685-be1f-d57550cc96cc" xsi:nil="true"/>
-    <IsDeleted xmlns="4873beb7-5857-4685-be1f-d57550cc96cc">false</IsDeleted>
-    <PublishTargets xmlns="4873beb7-5857-4685-be1f-d57550cc96cc">OfficeOnlineVNext</PublishTargets>
-    <ApprovalLog xmlns="4873beb7-5857-4685-be1f-d57550cc96cc" xsi:nil="true"/>
-    <BugNumber xmlns="4873beb7-5857-4685-be1f-d57550cc96cc" xsi:nil="true"/>
-    <CrawlForDependencies xmlns="4873beb7-5857-4685-be1f-d57550cc96cc">false</CrawlForDependencies>
-    <InternalTagsTaxHTField0 xmlns="4873beb7-5857-4685-be1f-d57550cc96cc">
-      <Terms xmlns="http://schemas.microsoft.com/office/infopath/2007/PartnerControls"/>
-    </InternalTagsTaxHTField0>
-    <LastHandOff xmlns="4873beb7-5857-4685-be1f-d57550cc96cc" xsi:nil="true"/>
-    <Milestone xmlns="4873beb7-5857-4685-be1f-d57550cc96cc" xsi:nil="true"/>
-    <OriginalRelease xmlns="4873beb7-5857-4685-be1f-d57550cc96cc">15</OriginalRelease>
-    <RecommendationsModifier xmlns="4873beb7-5857-4685-be1f-d57550cc96cc" xsi:nil="true"/>
-    <ScenarioTagsTaxHTField0 xmlns="4873beb7-5857-4685-be1f-d57550cc96cc">
-      <Terms xmlns="http://schemas.microsoft.com/office/infopath/2007/PartnerControls"/>
-    </ScenarioTagsTaxHTField0>
-    <UANotes xmlns="4873beb7-5857-4685-be1f-d57550cc96cc" xsi:nil="true"/>
-  </documentManagement>
-</p:properties>
+<?mso-contentType ?>
+<FormTemplates xmlns="http://schemas.microsoft.com/sharepoint/v3/contenttype/forms">
+  <Display>DocumentLibraryForm</Display>
+  <Edit>AssetEditForm</Edit>
+  <New>DocumentLibraryForm</New>
+</FormTemplates>
 </file>
 
 <file path=customXml/itemProps1.xml><?xml version="1.0" encoding="utf-8"?>
-<ds:datastoreItem xmlns:ds="http://schemas.openxmlformats.org/officeDocument/2006/customXml" ds:itemID="{561E720F-F05D-4536-9C34-0CFCED65D3B7}">
+<ds:datastoreItem xmlns:ds="http://schemas.openxmlformats.org/officeDocument/2006/customXml" ds:itemID="{8CDDBB83-77C1-4099-A0AA-289882E745E2}">
   <ds:schemaRefs>
-    <ds:schemaRef ds:uri="http://schemas.microsoft.com/sharepoint/v3/contenttype/forms"/>
+    <ds:schemaRef ds:uri="http://purl.org/dc/terms/"/>
+    <ds:schemaRef ds:uri="http://www.w3.org/XML/1998/namespace"/>
+    <ds:schemaRef ds:uri="http://schemas.microsoft.com/office/2006/documentManagement/types"/>
+    <ds:schemaRef ds:uri="4873beb7-5857-4685-be1f-d57550cc96cc"/>
+    <ds:schemaRef ds:uri="http://schemas.openxmlformats.org/package/2006/metadata/core-properties"/>
+    <ds:schemaRef ds:uri="http://schemas.microsoft.com/office/infopath/2007/PartnerControls"/>
+    <ds:schemaRef ds:uri="http://purl.org/dc/dcmitype/"/>
+    <ds:schemaRef ds:uri="http://schemas.microsoft.com/office/2006/metadata/properties"/>
+    <ds:schemaRef ds:uri="http://purl.org/dc/elements/1.1/"/>
   </ds:schemaRefs>
 </ds:datastoreItem>
 </file>
@@ -12584,17 +12767,9 @@
 </file>
 
 <file path=customXml/itemProps3.xml><?xml version="1.0" encoding="utf-8"?>
-<ds:datastoreItem xmlns:ds="http://schemas.openxmlformats.org/officeDocument/2006/customXml" ds:itemID="{8CDDBB83-77C1-4099-A0AA-289882E745E2}">
+<ds:datastoreItem xmlns:ds="http://schemas.openxmlformats.org/officeDocument/2006/customXml" ds:itemID="{561E720F-F05D-4536-9C34-0CFCED65D3B7}">
   <ds:schemaRefs>
-    <ds:schemaRef ds:uri="http://purl.org/dc/terms/"/>
-    <ds:schemaRef ds:uri="http://www.w3.org/XML/1998/namespace"/>
-    <ds:schemaRef ds:uri="http://schemas.microsoft.com/office/2006/documentManagement/types"/>
-    <ds:schemaRef ds:uri="4873beb7-5857-4685-be1f-d57550cc96cc"/>
-    <ds:schemaRef ds:uri="http://schemas.openxmlformats.org/package/2006/metadata/core-properties"/>
-    <ds:schemaRef ds:uri="http://schemas.microsoft.com/office/infopath/2007/PartnerControls"/>
-    <ds:schemaRef ds:uri="http://purl.org/dc/dcmitype/"/>
-    <ds:schemaRef ds:uri="http://schemas.microsoft.com/office/2006/metadata/properties"/>
-    <ds:schemaRef ds:uri="http://purl.org/dc/elements/1.1/"/>
+    <ds:schemaRef ds:uri="http://schemas.microsoft.com/sharepoint/v3/contenttype/forms"/>
   </ds:schemaRefs>
 </ds:datastoreItem>
 </file>
--- a/course/compiler/lecture/(Spring2020)Lecture9.pptx
+++ b/course/compiler/lecture/(Spring2020)Lecture9.pptx
@@ -5,10 +5,10 @@
     <p:sldMasterId id="2147483648" r:id="rId4"/>
   </p:sldMasterIdLst>
   <p:notesMasterIdLst>
-    <p:notesMasterId r:id="rId21"/>
+    <p:notesMasterId r:id="rId32"/>
   </p:notesMasterIdLst>
   <p:handoutMasterIdLst>
-    <p:handoutMasterId r:id="rId22"/>
+    <p:handoutMasterId r:id="rId33"/>
   </p:handoutMasterIdLst>
   <p:sldIdLst>
     <p:sldId id="256" r:id="rId5"/>
@@ -27,6 +27,17 @@
     <p:sldId id="290" r:id="rId18"/>
     <p:sldId id="291" r:id="rId19"/>
     <p:sldId id="292" r:id="rId20"/>
+    <p:sldId id="293" r:id="rId21"/>
+    <p:sldId id="294" r:id="rId22"/>
+    <p:sldId id="296" r:id="rId23"/>
+    <p:sldId id="298" r:id="rId24"/>
+    <p:sldId id="299" r:id="rId25"/>
+    <p:sldId id="300" r:id="rId26"/>
+    <p:sldId id="301" r:id="rId27"/>
+    <p:sldId id="302" r:id="rId28"/>
+    <p:sldId id="303" r:id="rId29"/>
+    <p:sldId id="304" r:id="rId30"/>
+    <p:sldId id="297" r:id="rId31"/>
   </p:sldIdLst>
   <p:sldSz cx="9144000" cy="6858000" type="screen4x3"/>
   <p:notesSz cx="6858000" cy="9144000"/>
@@ -5647,7 +5658,11 @@
           <a:p>
             <a:r>
               <a:rPr lang="en-US" altLang="zh-CN" dirty="0" smtClean="0"/>
-              <a:t>8.2 The </a:t>
+              <a:t>9.2 </a:t>
+            </a:r>
+            <a:r>
+              <a:rPr lang="en-US" altLang="zh-CN" dirty="0" smtClean="0"/>
+              <a:t>The </a:t>
             </a:r>
             <a:r>
               <a:rPr lang="en-US" altLang="zh-CN" dirty="0"/>
@@ -5744,7 +5759,11 @@
           <a:p>
             <a:r>
               <a:rPr lang="en-US" altLang="zh-CN" dirty="0" smtClean="0"/>
-              <a:t>8.2 The </a:t>
+              <a:t>9.2 </a:t>
+            </a:r>
+            <a:r>
+              <a:rPr lang="en-US" altLang="zh-CN" dirty="0" smtClean="0"/>
+              <a:t>The </a:t>
             </a:r>
             <a:r>
               <a:rPr lang="en-US" altLang="zh-CN" dirty="0"/>
@@ -5888,8 +5907,12 @@
           <a:lstStyle/>
           <a:p>
             <a:r>
+              <a:rPr lang="en-US" altLang="zh-CN" dirty="0" smtClean="0"/>
+              <a:t>9.2 </a:t>
+            </a:r>
+            <a:r>
               <a:rPr lang="en-US" altLang="zh-CN" dirty="0"/>
-              <a:t>8.2 The Target Language – Instruction Cost</a:t>
+              <a:t>The Target Language – Instruction Cost</a:t>
             </a:r>
             <a:endParaRPr lang="zh-CN" altLang="en-US" dirty="0"/>
           </a:p>
@@ -6028,8 +6051,12 @@
           <a:lstStyle/>
           <a:p>
             <a:r>
+              <a:rPr lang="en-US" altLang="zh-CN" dirty="0" smtClean="0"/>
+              <a:t>9.3 </a:t>
+            </a:r>
+            <a:r>
               <a:rPr lang="en-US" altLang="zh-CN" dirty="0"/>
-              <a:t>8.3 Addresses in the Target Code</a:t>
+              <a:t>Addresses in the Target Code</a:t>
             </a:r>
             <a:endParaRPr lang="zh-CN" altLang="en-US" dirty="0"/>
           </a:p>
@@ -6165,8 +6192,12 @@
           <a:lstStyle/>
           <a:p>
             <a:r>
+              <a:rPr lang="en-US" altLang="zh-CN" dirty="0" smtClean="0"/>
+              <a:t>9.3 </a:t>
+            </a:r>
+            <a:r>
               <a:rPr lang="en-US" altLang="zh-CN" dirty="0"/>
-              <a:t>8.3 Addresses in the Target Code-Static Allocation</a:t>
+              <a:t>Addresses in the Target Code-Static Allocation</a:t>
             </a:r>
             <a:endParaRPr lang="zh-CN" altLang="en-US" dirty="0"/>
           </a:p>
@@ -6399,8 +6430,12 @@
           <a:lstStyle/>
           <a:p>
             <a:r>
+              <a:rPr lang="en-US" altLang="zh-CN" dirty="0" smtClean="0"/>
+              <a:t>9.3 </a:t>
+            </a:r>
+            <a:r>
               <a:rPr lang="en-US" altLang="zh-CN" dirty="0"/>
-              <a:t>8.3 Addresses in the Target Code-Static Allocation</a:t>
+              <a:t>Addresses in the Target Code-Static Allocation</a:t>
             </a:r>
             <a:endParaRPr lang="zh-CN" altLang="en-US" dirty="0"/>
           </a:p>
@@ -6690,12 +6725,12 @@
           <a:lstStyle/>
           <a:p>
             <a:r>
+              <a:rPr lang="en-US" altLang="zh-CN" dirty="0" smtClean="0"/>
+              <a:t>9.3 </a:t>
+            </a:r>
+            <a:r>
               <a:rPr lang="en-US" altLang="zh-CN" dirty="0"/>
-              <a:t>8.3 Addresses in the Target </a:t>
-            </a:r>
-            <a:r>
-              <a:rPr lang="en-US" altLang="zh-CN" dirty="0"/>
-              <a:t>Code-Stack Allocation</a:t>
+              <a:t>Addresses in the Target Code-Stack Allocation</a:t>
             </a:r>
             <a:endParaRPr lang="zh-CN" altLang="en-US" dirty="0"/>
           </a:p>
@@ -6714,7 +6749,7 @@
         <p:spPr>
           <a:xfrm>
             <a:off x="828675" y="1600200"/>
-            <a:ext cx="7486650" cy="4057116"/>
+            <a:ext cx="7486650" cy="3467456"/>
           </a:xfrm>
         </p:spPr>
         <p:txBody>
@@ -6722,85 +6757,85 @@
           <a:lstStyle/>
           <a:p>
             <a:r>
-              <a:rPr lang="en-US" altLang="zh-CN" dirty="0"/>
+              <a:rPr lang="en-US" altLang="zh-CN" sz="1800" dirty="0"/>
               <a:t>Static allocation can become stack allocation by using relative addresses </a:t>
             </a:r>
             <a:r>
-              <a:rPr lang="en-US" altLang="zh-CN" dirty="0" smtClean="0"/>
+              <a:rPr lang="en-US" altLang="zh-CN" sz="1800" dirty="0" smtClean="0"/>
               <a:t>for storage </a:t>
             </a:r>
             <a:r>
-              <a:rPr lang="en-US" altLang="zh-CN" dirty="0"/>
+              <a:rPr lang="en-US" altLang="zh-CN" sz="1800" dirty="0"/>
               <a:t>in activation records. In stack allocation, however , the position of </a:t>
             </a:r>
             <a:r>
-              <a:rPr lang="en-US" altLang="zh-CN" dirty="0" smtClean="0"/>
+              <a:rPr lang="en-US" altLang="zh-CN" sz="1800" dirty="0" smtClean="0"/>
               <a:t>an activation </a:t>
             </a:r>
             <a:r>
-              <a:rPr lang="en-US" altLang="zh-CN" dirty="0"/>
+              <a:rPr lang="en-US" altLang="zh-CN" sz="1800" dirty="0"/>
               <a:t>record for a procedure is not known until run time. This position </a:t>
             </a:r>
             <a:r>
-              <a:rPr lang="en-US" altLang="zh-CN" dirty="0" smtClean="0"/>
+              <a:rPr lang="en-US" altLang="zh-CN" sz="1800" dirty="0" smtClean="0"/>
               <a:t>is usually </a:t>
             </a:r>
             <a:r>
-              <a:rPr lang="en-US" altLang="zh-CN" dirty="0"/>
+              <a:rPr lang="en-US" altLang="zh-CN" sz="1800" dirty="0"/>
               <a:t>stored in a register, so words in the activation record can be accessed </a:t>
             </a:r>
             <a:r>
-              <a:rPr lang="en-US" altLang="zh-CN" dirty="0" smtClean="0"/>
+              <a:rPr lang="en-US" altLang="zh-CN" sz="1800" dirty="0" smtClean="0"/>
               <a:t>as offsets </a:t>
             </a:r>
             <a:r>
-              <a:rPr lang="en-US" altLang="zh-CN" dirty="0"/>
+              <a:rPr lang="en-US" altLang="zh-CN" sz="1800" dirty="0"/>
               <a:t>from the value in this register</a:t>
             </a:r>
             <a:r>
-              <a:rPr lang="en-US" altLang="zh-CN" dirty="0" smtClean="0"/>
+              <a:rPr lang="en-US" altLang="zh-CN" sz="1800" dirty="0" smtClean="0"/>
               <a:t>.</a:t>
             </a:r>
           </a:p>
           <a:p>
             <a:r>
-              <a:rPr lang="en-US" altLang="zh-CN" dirty="0" smtClean="0"/>
+              <a:rPr lang="en-US" altLang="zh-CN" sz="1800" dirty="0" smtClean="0"/>
               <a:t>We </a:t>
             </a:r>
             <a:r>
-              <a:rPr lang="en-US" altLang="zh-CN" dirty="0"/>
+              <a:rPr lang="en-US" altLang="zh-CN" sz="1800" dirty="0"/>
               <a:t>shall use positive offsets by maintaining in a register SP a pointer </a:t>
             </a:r>
             <a:r>
-              <a:rPr lang="en-US" altLang="zh-CN" dirty="0" smtClean="0"/>
+              <a:rPr lang="en-US" altLang="zh-CN" sz="1800" dirty="0" smtClean="0"/>
               <a:t>to the </a:t>
             </a:r>
             <a:r>
-              <a:rPr lang="en-US" altLang="zh-CN" dirty="0"/>
+              <a:rPr lang="en-US" altLang="zh-CN" sz="1800" dirty="0"/>
               <a:t>beginning of the activation record on top of the stack. When a </a:t>
             </a:r>
             <a:r>
-              <a:rPr lang="en-US" altLang="zh-CN" dirty="0" smtClean="0"/>
+              <a:rPr lang="en-US" altLang="zh-CN" sz="1800" dirty="0" smtClean="0"/>
               <a:t>procedure call </a:t>
             </a:r>
             <a:r>
-              <a:rPr lang="en-US" altLang="zh-CN" dirty="0"/>
+              <a:rPr lang="en-US" altLang="zh-CN" sz="1800" dirty="0"/>
               <a:t>occurs, the calling procedure increments SP and transfers control to </a:t>
             </a:r>
             <a:r>
-              <a:rPr lang="en-US" altLang="zh-CN" dirty="0" smtClean="0"/>
+              <a:rPr lang="en-US" altLang="zh-CN" sz="1800" dirty="0" smtClean="0"/>
               <a:t>the called </a:t>
             </a:r>
             <a:r>
-              <a:rPr lang="en-US" altLang="zh-CN" dirty="0"/>
+              <a:rPr lang="en-US" altLang="zh-CN" sz="1800" dirty="0"/>
               <a:t>procedure. After control returns to the caller, we decrement SP, </a:t>
             </a:r>
             <a:r>
-              <a:rPr lang="en-US" altLang="zh-CN" dirty="0" smtClean="0"/>
+              <a:rPr lang="en-US" altLang="zh-CN" sz="1800" dirty="0" smtClean="0"/>
               <a:t>thereby deallocating </a:t>
             </a:r>
             <a:r>
-              <a:rPr lang="en-US" altLang="zh-CN" dirty="0"/>
+              <a:rPr lang="en-US" altLang="zh-CN" sz="1800" dirty="0"/>
               <a:t>the activation record of the called procedure.</a:t>
             </a:r>
           </a:p>
@@ -6810,6 +6845,1164 @@
     <p:extLst>
       <p:ext uri="{BB962C8B-B14F-4D97-AF65-F5344CB8AC3E}">
         <p14:creationId xmlns:p14="http://schemas.microsoft.com/office/powerpoint/2010/main" val="2820385998"/>
+      </p:ext>
+    </p:extLst>
+  </p:cSld>
+  <p:clrMapOvr>
+    <a:masterClrMapping/>
+  </p:clrMapOvr>
+  <mc:AlternateContent xmlns:mc="http://schemas.openxmlformats.org/markup-compatibility/2006" xmlns:p14="http://schemas.microsoft.com/office/powerpoint/2010/main">
+    <mc:Choice Requires="p14">
+      <p:transition spd="med" p14:dur="700">
+        <p:fade/>
+      </p:transition>
+    </mc:Choice>
+    <mc:Fallback xmlns="">
+      <p:transition spd="med">
+        <p:fade/>
+      </p:transition>
+    </mc:Fallback>
+  </mc:AlternateContent>
+</p:sld>
+</file>
+
+<file path=ppt/slides/slide17.xml><?xml version="1.0" encoding="utf-8"?>
+<p:sld xmlns:a="http://schemas.openxmlformats.org/drawingml/2006/main" xmlns:r="http://schemas.openxmlformats.org/officeDocument/2006/relationships" xmlns:p="http://schemas.openxmlformats.org/presentationml/2006/main">
+  <p:cSld>
+    <p:spTree>
+      <p:nvGrpSpPr>
+        <p:cNvPr id="1" name=""/>
+        <p:cNvGrpSpPr/>
+        <p:nvPr/>
+      </p:nvGrpSpPr>
+      <p:grpSpPr>
+        <a:xfrm>
+          <a:off x="0" y="0"/>
+          <a:ext cx="0" cy="0"/>
+          <a:chOff x="0" y="0"/>
+          <a:chExt cx="0" cy="0"/>
+        </a:xfrm>
+      </p:grpSpPr>
+      <p:sp>
+        <p:nvSpPr>
+          <p:cNvPr id="2" name="标题 1"/>
+          <p:cNvSpPr>
+            <a:spLocks noGrp="1"/>
+          </p:cNvSpPr>
+          <p:nvPr>
+            <p:ph type="title"/>
+          </p:nvPr>
+        </p:nvSpPr>
+        <p:spPr/>
+        <p:txBody>
+          <a:bodyPr/>
+          <a:lstStyle/>
+          <a:p>
+            <a:r>
+              <a:rPr lang="en-US" altLang="zh-CN" dirty="0" smtClean="0"/>
+              <a:t>9.3 </a:t>
+            </a:r>
+            <a:r>
+              <a:rPr lang="en-US" altLang="zh-CN" dirty="0"/>
+              <a:t>Addresses in the Target Code-Stack Allocation</a:t>
+            </a:r>
+            <a:endParaRPr lang="zh-CN" altLang="en-US" dirty="0"/>
+          </a:p>
+        </p:txBody>
+      </p:sp>
+      <p:pic>
+        <p:nvPicPr>
+          <p:cNvPr id="5" name="图片 4"/>
+          <p:cNvPicPr>
+            <a:picLocks noChangeAspect="1"/>
+          </p:cNvPicPr>
+          <p:nvPr/>
+        </p:nvPicPr>
+        <p:blipFill>
+          <a:blip r:embed="rId2"/>
+          <a:stretch>
+            <a:fillRect/>
+          </a:stretch>
+        </p:blipFill>
+        <p:spPr>
+          <a:xfrm>
+            <a:off x="1346268" y="1461994"/>
+            <a:ext cx="6225306" cy="5259310"/>
+          </a:xfrm>
+          <a:prstGeom prst="rect">
+            <a:avLst/>
+          </a:prstGeom>
+        </p:spPr>
+      </p:pic>
+    </p:spTree>
+    <p:extLst>
+      <p:ext uri="{BB962C8B-B14F-4D97-AF65-F5344CB8AC3E}">
+        <p14:creationId xmlns:p14="http://schemas.microsoft.com/office/powerpoint/2010/main" val="687440796"/>
+      </p:ext>
+    </p:extLst>
+  </p:cSld>
+  <p:clrMapOvr>
+    <a:masterClrMapping/>
+  </p:clrMapOvr>
+  <mc:AlternateContent xmlns:mc="http://schemas.openxmlformats.org/markup-compatibility/2006" xmlns:p14="http://schemas.microsoft.com/office/powerpoint/2010/main">
+    <mc:Choice Requires="p14">
+      <p:transition spd="med" p14:dur="700">
+        <p:fade/>
+      </p:transition>
+    </mc:Choice>
+    <mc:Fallback xmlns="">
+      <p:transition spd="med">
+        <p:fade/>
+      </p:transition>
+    </mc:Fallback>
+  </mc:AlternateContent>
+</p:sld>
+</file>
+
+<file path=ppt/slides/slide18.xml><?xml version="1.0" encoding="utf-8"?>
+<p:sld xmlns:a="http://schemas.openxmlformats.org/drawingml/2006/main" xmlns:r="http://schemas.openxmlformats.org/officeDocument/2006/relationships" xmlns:p="http://schemas.openxmlformats.org/presentationml/2006/main">
+  <p:cSld>
+    <p:spTree>
+      <p:nvGrpSpPr>
+        <p:cNvPr id="1" name=""/>
+        <p:cNvGrpSpPr/>
+        <p:nvPr/>
+      </p:nvGrpSpPr>
+      <p:grpSpPr>
+        <a:xfrm>
+          <a:off x="0" y="0"/>
+          <a:ext cx="0" cy="0"/>
+          <a:chOff x="0" y="0"/>
+          <a:chExt cx="0" cy="0"/>
+        </a:xfrm>
+      </p:grpSpPr>
+      <p:sp>
+        <p:nvSpPr>
+          <p:cNvPr id="2" name="标题 1"/>
+          <p:cNvSpPr>
+            <a:spLocks noGrp="1"/>
+          </p:cNvSpPr>
+          <p:nvPr>
+            <p:ph type="title"/>
+          </p:nvPr>
+        </p:nvSpPr>
+        <p:spPr/>
+        <p:txBody>
+          <a:bodyPr/>
+          <a:lstStyle/>
+          <a:p>
+            <a:r>
+              <a:rPr lang="en-US" altLang="zh-CN" dirty="0" smtClean="0"/>
+              <a:t>9.3 </a:t>
+            </a:r>
+            <a:r>
+              <a:rPr lang="en-US" altLang="zh-CN" dirty="0"/>
+              <a:t>Addresses in the Target Code-Stack Allocation</a:t>
+            </a:r>
+            <a:endParaRPr lang="zh-CN" altLang="en-US" dirty="0"/>
+          </a:p>
+        </p:txBody>
+      </p:sp>
+      <p:pic>
+        <p:nvPicPr>
+          <p:cNvPr id="3" name="图片 2"/>
+          <p:cNvPicPr>
+            <a:picLocks noChangeAspect="1"/>
+          </p:cNvPicPr>
+          <p:nvPr/>
+        </p:nvPicPr>
+        <p:blipFill>
+          <a:blip r:embed="rId2"/>
+          <a:stretch>
+            <a:fillRect/>
+          </a:stretch>
+        </p:blipFill>
+        <p:spPr>
+          <a:xfrm>
+            <a:off x="993850" y="1561922"/>
+            <a:ext cx="7030652" cy="1318804"/>
+          </a:xfrm>
+          <a:prstGeom prst="rect">
+            <a:avLst/>
+          </a:prstGeom>
+        </p:spPr>
+      </p:pic>
+      <p:cxnSp>
+        <p:nvCxnSpPr>
+          <p:cNvPr id="6" name="直接连接符 5"/>
+          <p:cNvCxnSpPr/>
+          <p:nvPr/>
+        </p:nvCxnSpPr>
+        <p:spPr>
+          <a:xfrm>
+            <a:off x="5819686" y="1845892"/>
+            <a:ext cx="478564" cy="0"/>
+          </a:xfrm>
+          <a:prstGeom prst="line">
+            <a:avLst/>
+          </a:prstGeom>
+          <a:ln>
+            <a:solidFill>
+              <a:srgbClr val="FF0000"/>
+            </a:solidFill>
+          </a:ln>
+        </p:spPr>
+        <p:style>
+          <a:lnRef idx="2">
+            <a:schemeClr val="accent5"/>
+          </a:lnRef>
+          <a:fillRef idx="0">
+            <a:schemeClr val="accent5"/>
+          </a:fillRef>
+          <a:effectRef idx="1">
+            <a:schemeClr val="accent5"/>
+          </a:effectRef>
+          <a:fontRef idx="minor">
+            <a:schemeClr val="tx1"/>
+          </a:fontRef>
+        </p:style>
+      </p:cxnSp>
+      <p:sp>
+        <p:nvSpPr>
+          <p:cNvPr id="7" name="矩形 6"/>
+          <p:cNvSpPr/>
+          <p:nvPr/>
+        </p:nvSpPr>
+        <p:spPr>
+          <a:xfrm>
+            <a:off x="812849" y="2970868"/>
+            <a:ext cx="3416320" cy="369332"/>
+          </a:xfrm>
+          <a:prstGeom prst="rect">
+            <a:avLst/>
+          </a:prstGeom>
+        </p:spPr>
+        <p:txBody>
+          <a:bodyPr wrap="none">
+            <a:spAutoFit/>
+          </a:bodyPr>
+          <a:lstStyle/>
+          <a:p>
+            <a:r>
+              <a:rPr lang="en-US" altLang="zh-CN" dirty="0">
+                <a:solidFill>
+                  <a:srgbClr val="7030A0"/>
+                </a:solidFill>
+              </a:rPr>
+              <a:t>Run-Time Addresses for Names</a:t>
+            </a:r>
+            <a:endParaRPr lang="zh-CN" altLang="en-US" dirty="0">
+              <a:solidFill>
+                <a:srgbClr val="7030A0"/>
+              </a:solidFill>
+            </a:endParaRPr>
+          </a:p>
+        </p:txBody>
+      </p:sp>
+      <p:sp>
+        <p:nvSpPr>
+          <p:cNvPr id="8" name="矩形 7"/>
+          <p:cNvSpPr/>
+          <p:nvPr/>
+        </p:nvSpPr>
+        <p:spPr>
+          <a:xfrm>
+            <a:off x="828942" y="3455445"/>
+            <a:ext cx="7340837" cy="2246769"/>
+          </a:xfrm>
+          <a:prstGeom prst="rect">
+            <a:avLst/>
+          </a:prstGeom>
+        </p:spPr>
+        <p:txBody>
+          <a:bodyPr wrap="square">
+            <a:spAutoFit/>
+          </a:bodyPr>
+          <a:lstStyle/>
+          <a:p>
+            <a:r>
+              <a:rPr lang="en-US" altLang="zh-CN" sz="1400" dirty="0" smtClean="0">
+                <a:latin typeface="Times New Roman" panose="02020603050405020304" pitchFamily="18" charset="0"/>
+                <a:cs typeface="Times New Roman" panose="02020603050405020304" pitchFamily="18" charset="0"/>
+              </a:rPr>
+              <a:t>Names in symbol table must </a:t>
+            </a:r>
+            <a:r>
+              <a:rPr lang="en-US" altLang="zh-CN" sz="1400" dirty="0">
+                <a:latin typeface="Times New Roman" panose="02020603050405020304" pitchFamily="18" charset="0"/>
+                <a:cs typeface="Times New Roman" panose="02020603050405020304" pitchFamily="18" charset="0"/>
+              </a:rPr>
+              <a:t>eventually be replaced by code to access </a:t>
+            </a:r>
+            <a:r>
+              <a:rPr lang="en-US" altLang="zh-CN" sz="1400" dirty="0" smtClean="0">
+                <a:latin typeface="Times New Roman" panose="02020603050405020304" pitchFamily="18" charset="0"/>
+                <a:cs typeface="Times New Roman" panose="02020603050405020304" pitchFamily="18" charset="0"/>
+              </a:rPr>
+              <a:t>storage locations</a:t>
+            </a:r>
+            <a:r>
+              <a:rPr lang="en-US" altLang="zh-CN" sz="1400" dirty="0">
+                <a:latin typeface="Times New Roman" panose="02020603050405020304" pitchFamily="18" charset="0"/>
+                <a:cs typeface="Times New Roman" panose="02020603050405020304" pitchFamily="18" charset="0"/>
+              </a:rPr>
+              <a:t>. We thus consider some elaborations of the simple three-address </a:t>
+            </a:r>
+            <a:r>
+              <a:rPr lang="en-US" altLang="zh-CN" sz="1400" dirty="0" smtClean="0">
+                <a:latin typeface="Times New Roman" panose="02020603050405020304" pitchFamily="18" charset="0"/>
+                <a:cs typeface="Times New Roman" panose="02020603050405020304" pitchFamily="18" charset="0"/>
+              </a:rPr>
+              <a:t>copy statement </a:t>
+            </a:r>
+            <a:r>
+              <a:rPr lang="en-US" altLang="zh-CN" sz="1400" dirty="0" smtClean="0">
+                <a:latin typeface="Cambria Math" panose="02040503050406030204" pitchFamily="18" charset="0"/>
+                <a:ea typeface="Cambria Math" panose="02040503050406030204" pitchFamily="18" charset="0"/>
+                <a:cs typeface="Times New Roman" panose="02020603050405020304" pitchFamily="18" charset="0"/>
+              </a:rPr>
+              <a:t>x=0</a:t>
+            </a:r>
+            <a:r>
+              <a:rPr lang="en-US" altLang="zh-CN" sz="1400" dirty="0" smtClean="0">
+                <a:latin typeface="Times New Roman" panose="02020603050405020304" pitchFamily="18" charset="0"/>
+                <a:cs typeface="Times New Roman" panose="02020603050405020304" pitchFamily="18" charset="0"/>
+              </a:rPr>
+              <a:t>. </a:t>
+            </a:r>
+            <a:r>
+              <a:rPr lang="en-US" altLang="zh-CN" sz="1400" dirty="0">
+                <a:latin typeface="Times New Roman" panose="02020603050405020304" pitchFamily="18" charset="0"/>
+                <a:cs typeface="Times New Roman" panose="02020603050405020304" pitchFamily="18" charset="0"/>
+              </a:rPr>
+              <a:t>After the declarations in a procedure are processed, </a:t>
+            </a:r>
+            <a:r>
+              <a:rPr lang="en-US" altLang="zh-CN" sz="1400" dirty="0" smtClean="0">
+                <a:latin typeface="Times New Roman" panose="02020603050405020304" pitchFamily="18" charset="0"/>
+                <a:cs typeface="Times New Roman" panose="02020603050405020304" pitchFamily="18" charset="0"/>
+              </a:rPr>
+              <a:t>suppose the </a:t>
+            </a:r>
+            <a:r>
+              <a:rPr lang="en-US" altLang="zh-CN" sz="1400" dirty="0">
+                <a:latin typeface="Times New Roman" panose="02020603050405020304" pitchFamily="18" charset="0"/>
+                <a:cs typeface="Times New Roman" panose="02020603050405020304" pitchFamily="18" charset="0"/>
+              </a:rPr>
+              <a:t>symbol-table entry for </a:t>
+            </a:r>
+            <a:r>
+              <a:rPr lang="en-US" altLang="zh-CN" sz="1400" dirty="0">
+                <a:latin typeface="Cambria Math" panose="02040503050406030204" pitchFamily="18" charset="0"/>
+                <a:ea typeface="Cambria Math" panose="02040503050406030204" pitchFamily="18" charset="0"/>
+                <a:cs typeface="Times New Roman" panose="02020603050405020304" pitchFamily="18" charset="0"/>
+              </a:rPr>
+              <a:t>x </a:t>
+            </a:r>
+            <a:r>
+              <a:rPr lang="en-US" altLang="zh-CN" sz="1400" dirty="0">
+                <a:latin typeface="Times New Roman" panose="02020603050405020304" pitchFamily="18" charset="0"/>
+                <a:cs typeface="Times New Roman" panose="02020603050405020304" pitchFamily="18" charset="0"/>
+              </a:rPr>
+              <a:t>contains a relative address 12 for </a:t>
+            </a:r>
+            <a:r>
+              <a:rPr lang="en-US" altLang="zh-CN" sz="1400" dirty="0">
+                <a:latin typeface="Cambria Math" panose="02040503050406030204" pitchFamily="18" charset="0"/>
+                <a:ea typeface="Cambria Math" panose="02040503050406030204" pitchFamily="18" charset="0"/>
+                <a:cs typeface="Times New Roman" panose="02020603050405020304" pitchFamily="18" charset="0"/>
+              </a:rPr>
+              <a:t>x</a:t>
+            </a:r>
+            <a:r>
+              <a:rPr lang="en-US" altLang="zh-CN" sz="1400" dirty="0">
+                <a:latin typeface="Times New Roman" panose="02020603050405020304" pitchFamily="18" charset="0"/>
+                <a:cs typeface="Times New Roman" panose="02020603050405020304" pitchFamily="18" charset="0"/>
+              </a:rPr>
+              <a:t>. For </a:t>
+            </a:r>
+            <a:r>
+              <a:rPr lang="en-US" altLang="zh-CN" sz="1400" dirty="0" smtClean="0">
+                <a:latin typeface="Times New Roman" panose="02020603050405020304" pitchFamily="18" charset="0"/>
+                <a:cs typeface="Times New Roman" panose="02020603050405020304" pitchFamily="18" charset="0"/>
+              </a:rPr>
+              <a:t>consider the </a:t>
+            </a:r>
+            <a:r>
+              <a:rPr lang="en-US" altLang="zh-CN" sz="1400" dirty="0">
+                <a:latin typeface="Times New Roman" panose="02020603050405020304" pitchFamily="18" charset="0"/>
+                <a:cs typeface="Times New Roman" panose="02020603050405020304" pitchFamily="18" charset="0"/>
+              </a:rPr>
+              <a:t>case in which </a:t>
+            </a:r>
+            <a:r>
+              <a:rPr lang="en-US" altLang="zh-CN" sz="1400" dirty="0">
+                <a:latin typeface="Cambria Math" panose="02040503050406030204" pitchFamily="18" charset="0"/>
+                <a:ea typeface="Cambria Math" panose="02040503050406030204" pitchFamily="18" charset="0"/>
+                <a:cs typeface="Times New Roman" panose="02020603050405020304" pitchFamily="18" charset="0"/>
+              </a:rPr>
+              <a:t>x</a:t>
+            </a:r>
+            <a:r>
+              <a:rPr lang="en-US" altLang="zh-CN" sz="1400" dirty="0">
+                <a:latin typeface="Times New Roman" panose="02020603050405020304" pitchFamily="18" charset="0"/>
+                <a:cs typeface="Times New Roman" panose="02020603050405020304" pitchFamily="18" charset="0"/>
+              </a:rPr>
+              <a:t> is in a statically allocated area beginning at address static.</a:t>
+            </a:r>
+          </a:p>
+          <a:p>
+            <a:r>
+              <a:rPr lang="en-US" altLang="zh-CN" sz="1400" dirty="0">
+                <a:latin typeface="Times New Roman" panose="02020603050405020304" pitchFamily="18" charset="0"/>
+                <a:cs typeface="Times New Roman" panose="02020603050405020304" pitchFamily="18" charset="0"/>
+              </a:rPr>
+              <a:t>Then the actual run-time address of x is </a:t>
+            </a:r>
+            <a:r>
+              <a:rPr lang="en-US" altLang="zh-CN" sz="1400" dirty="0">
+                <a:solidFill>
+                  <a:srgbClr val="7030A0"/>
+                </a:solidFill>
+                <a:latin typeface="Cambria Math" panose="02040503050406030204" pitchFamily="18" charset="0"/>
+                <a:ea typeface="Cambria Math" panose="02040503050406030204" pitchFamily="18" charset="0"/>
+                <a:cs typeface="Times New Roman" panose="02020603050405020304" pitchFamily="18" charset="0"/>
+              </a:rPr>
+              <a:t>static + 12</a:t>
+            </a:r>
+            <a:r>
+              <a:rPr lang="en-US" altLang="zh-CN" sz="1400" dirty="0">
+                <a:latin typeface="Times New Roman" panose="02020603050405020304" pitchFamily="18" charset="0"/>
+                <a:cs typeface="Times New Roman" panose="02020603050405020304" pitchFamily="18" charset="0"/>
+              </a:rPr>
+              <a:t>. Although the compiler </a:t>
+            </a:r>
+            <a:r>
+              <a:rPr lang="en-US" altLang="zh-CN" sz="1400" dirty="0" smtClean="0">
+                <a:latin typeface="Times New Roman" panose="02020603050405020304" pitchFamily="18" charset="0"/>
+                <a:cs typeface="Times New Roman" panose="02020603050405020304" pitchFamily="18" charset="0"/>
+              </a:rPr>
+              <a:t>can eventually </a:t>
+            </a:r>
+            <a:r>
+              <a:rPr lang="en-US" altLang="zh-CN" sz="1400" dirty="0">
+                <a:latin typeface="Times New Roman" panose="02020603050405020304" pitchFamily="18" charset="0"/>
+                <a:cs typeface="Times New Roman" panose="02020603050405020304" pitchFamily="18" charset="0"/>
+              </a:rPr>
+              <a:t>determine the value of </a:t>
+            </a:r>
+            <a:r>
+              <a:rPr lang="en-US" altLang="zh-CN" sz="1400" dirty="0">
+                <a:solidFill>
+                  <a:srgbClr val="7030A0"/>
+                </a:solidFill>
+                <a:latin typeface="Cambria Math" panose="02040503050406030204" pitchFamily="18" charset="0"/>
+                <a:ea typeface="Cambria Math" panose="02040503050406030204" pitchFamily="18" charset="0"/>
+                <a:cs typeface="Times New Roman" panose="02020603050405020304" pitchFamily="18" charset="0"/>
+              </a:rPr>
+              <a:t>static + 12 </a:t>
+            </a:r>
+            <a:r>
+              <a:rPr lang="en-US" altLang="zh-CN" sz="1400" dirty="0">
+                <a:latin typeface="Times New Roman" panose="02020603050405020304" pitchFamily="18" charset="0"/>
+                <a:cs typeface="Times New Roman" panose="02020603050405020304" pitchFamily="18" charset="0"/>
+              </a:rPr>
+              <a:t>at compile time, the position </a:t>
+            </a:r>
+            <a:r>
+              <a:rPr lang="en-US" altLang="zh-CN" sz="1400" dirty="0" smtClean="0">
+                <a:latin typeface="Times New Roman" panose="02020603050405020304" pitchFamily="18" charset="0"/>
+                <a:cs typeface="Times New Roman" panose="02020603050405020304" pitchFamily="18" charset="0"/>
+              </a:rPr>
+              <a:t>of the </a:t>
+            </a:r>
+            <a:r>
+              <a:rPr lang="en-US" altLang="zh-CN" sz="1400" dirty="0">
+                <a:latin typeface="Times New Roman" panose="02020603050405020304" pitchFamily="18" charset="0"/>
+                <a:cs typeface="Times New Roman" panose="02020603050405020304" pitchFamily="18" charset="0"/>
+              </a:rPr>
+              <a:t>static area may not be known when intermediate code to access the </a:t>
+            </a:r>
+            <a:r>
+              <a:rPr lang="en-US" altLang="zh-CN" sz="1400" dirty="0" smtClean="0">
+                <a:latin typeface="Times New Roman" panose="02020603050405020304" pitchFamily="18" charset="0"/>
+                <a:cs typeface="Times New Roman" panose="02020603050405020304" pitchFamily="18" charset="0"/>
+              </a:rPr>
+              <a:t>name is </a:t>
+            </a:r>
+            <a:r>
+              <a:rPr lang="en-US" altLang="zh-CN" sz="1400" dirty="0">
+                <a:latin typeface="Times New Roman" panose="02020603050405020304" pitchFamily="18" charset="0"/>
+                <a:cs typeface="Times New Roman" panose="02020603050405020304" pitchFamily="18" charset="0"/>
+              </a:rPr>
+              <a:t>generated. In that case, it makes sense to generate three-address code </a:t>
+            </a:r>
+            <a:r>
+              <a:rPr lang="en-US" altLang="zh-CN" sz="1400" dirty="0" smtClean="0">
+                <a:latin typeface="Times New Roman" panose="02020603050405020304" pitchFamily="18" charset="0"/>
+                <a:cs typeface="Times New Roman" panose="02020603050405020304" pitchFamily="18" charset="0"/>
+              </a:rPr>
+              <a:t>to </a:t>
+            </a:r>
+            <a:r>
+              <a:rPr lang="en-US" altLang="zh-CN" sz="1400" dirty="0" smtClean="0">
+                <a:solidFill>
+                  <a:srgbClr val="7030A0"/>
+                </a:solidFill>
+                <a:latin typeface="Cambria Math" panose="02040503050406030204" pitchFamily="18" charset="0"/>
+                <a:ea typeface="Cambria Math" panose="02040503050406030204" pitchFamily="18" charset="0"/>
+                <a:cs typeface="Times New Roman" panose="02020603050405020304" pitchFamily="18" charset="0"/>
+              </a:rPr>
+              <a:t>"compute</a:t>
+            </a:r>
+            <a:r>
+              <a:rPr lang="en-US" altLang="zh-CN" sz="1400" dirty="0">
+                <a:solidFill>
+                  <a:srgbClr val="7030A0"/>
+                </a:solidFill>
+                <a:latin typeface="Cambria Math" panose="02040503050406030204" pitchFamily="18" charset="0"/>
+                <a:ea typeface="Cambria Math" panose="02040503050406030204" pitchFamily="18" charset="0"/>
+                <a:cs typeface="Times New Roman" panose="02020603050405020304" pitchFamily="18" charset="0"/>
+              </a:rPr>
+              <a:t>" static + 12</a:t>
+            </a:r>
+            <a:r>
+              <a:rPr lang="en-US" altLang="zh-CN" sz="1400" dirty="0">
+                <a:latin typeface="Times New Roman" panose="02020603050405020304" pitchFamily="18" charset="0"/>
+                <a:cs typeface="Times New Roman" panose="02020603050405020304" pitchFamily="18" charset="0"/>
+              </a:rPr>
+              <a:t>, with the understanding that this computation will be</a:t>
+            </a:r>
+          </a:p>
+          <a:p>
+            <a:r>
+              <a:rPr lang="en-US" altLang="zh-CN" sz="1400" dirty="0">
+                <a:latin typeface="Times New Roman" panose="02020603050405020304" pitchFamily="18" charset="0"/>
+                <a:cs typeface="Times New Roman" panose="02020603050405020304" pitchFamily="18" charset="0"/>
+              </a:rPr>
+              <a:t>carried out during the code generation phase, or possibly by the loader, </a:t>
+            </a:r>
+            <a:r>
+              <a:rPr lang="en-US" altLang="zh-CN" sz="1400" dirty="0" smtClean="0">
+                <a:latin typeface="Times New Roman" panose="02020603050405020304" pitchFamily="18" charset="0"/>
+                <a:cs typeface="Times New Roman" panose="02020603050405020304" pitchFamily="18" charset="0"/>
+              </a:rPr>
+              <a:t>before the </a:t>
+            </a:r>
+            <a:r>
+              <a:rPr lang="en-US" altLang="zh-CN" sz="1400" dirty="0">
+                <a:latin typeface="Times New Roman" panose="02020603050405020304" pitchFamily="18" charset="0"/>
+                <a:cs typeface="Times New Roman" panose="02020603050405020304" pitchFamily="18" charset="0"/>
+              </a:rPr>
+              <a:t>program runs. The assignment </a:t>
+            </a:r>
+            <a:r>
+              <a:rPr lang="en-US" altLang="zh-CN" sz="1400" dirty="0">
+                <a:latin typeface="Cambria Math" panose="02040503050406030204" pitchFamily="18" charset="0"/>
+                <a:ea typeface="Cambria Math" panose="02040503050406030204" pitchFamily="18" charset="0"/>
+                <a:cs typeface="Times New Roman" panose="02020603050405020304" pitchFamily="18" charset="0"/>
+              </a:rPr>
+              <a:t>x = 0 </a:t>
+            </a:r>
+            <a:r>
+              <a:rPr lang="en-US" altLang="zh-CN" sz="1400" dirty="0">
+                <a:latin typeface="Times New Roman" panose="02020603050405020304" pitchFamily="18" charset="0"/>
+                <a:cs typeface="Times New Roman" panose="02020603050405020304" pitchFamily="18" charset="0"/>
+              </a:rPr>
+              <a:t>then translates into</a:t>
+            </a:r>
+            <a:endParaRPr lang="zh-CN" altLang="en-US" sz="1400" dirty="0">
+              <a:latin typeface="Times New Roman" panose="02020603050405020304" pitchFamily="18" charset="0"/>
+              <a:cs typeface="Times New Roman" panose="02020603050405020304" pitchFamily="18" charset="0"/>
+            </a:endParaRPr>
+          </a:p>
+        </p:txBody>
+      </p:sp>
+      <p:pic>
+        <p:nvPicPr>
+          <p:cNvPr id="9" name="图片 8"/>
+          <p:cNvPicPr>
+            <a:picLocks noChangeAspect="1"/>
+          </p:cNvPicPr>
+          <p:nvPr/>
+        </p:nvPicPr>
+        <p:blipFill>
+          <a:blip r:embed="rId3"/>
+          <a:stretch>
+            <a:fillRect/>
+          </a:stretch>
+        </p:blipFill>
+        <p:spPr>
+          <a:xfrm>
+            <a:off x="1713076" y="5682730"/>
+            <a:ext cx="1752600" cy="295275"/>
+          </a:xfrm>
+          <a:prstGeom prst="rect">
+            <a:avLst/>
+          </a:prstGeom>
+        </p:spPr>
+      </p:pic>
+      <p:sp>
+        <p:nvSpPr>
+          <p:cNvPr id="10" name="矩形 9"/>
+          <p:cNvSpPr/>
+          <p:nvPr/>
+        </p:nvSpPr>
+        <p:spPr>
+          <a:xfrm>
+            <a:off x="824669" y="6003036"/>
+            <a:ext cx="6242704" cy="307777"/>
+          </a:xfrm>
+          <a:prstGeom prst="rect">
+            <a:avLst/>
+          </a:prstGeom>
+        </p:spPr>
+        <p:txBody>
+          <a:bodyPr wrap="square">
+            <a:spAutoFit/>
+          </a:bodyPr>
+          <a:lstStyle/>
+          <a:p>
+            <a:r>
+              <a:rPr lang="en-US" altLang="zh-CN" sz="1400" dirty="0">
+                <a:latin typeface="Times New Roman" panose="02020603050405020304" pitchFamily="18" charset="0"/>
+                <a:cs typeface="Times New Roman" panose="02020603050405020304" pitchFamily="18" charset="0"/>
+              </a:rPr>
+              <a:t>If the static area starts at address 100, the target code for this statement is</a:t>
+            </a:r>
+            <a:endParaRPr lang="zh-CN" altLang="en-US" sz="1400" dirty="0">
+              <a:latin typeface="Times New Roman" panose="02020603050405020304" pitchFamily="18" charset="0"/>
+              <a:cs typeface="Times New Roman" panose="02020603050405020304" pitchFamily="18" charset="0"/>
+            </a:endParaRPr>
+          </a:p>
+        </p:txBody>
+      </p:sp>
+      <p:pic>
+        <p:nvPicPr>
+          <p:cNvPr id="11" name="图片 10"/>
+          <p:cNvPicPr>
+            <a:picLocks noChangeAspect="1"/>
+          </p:cNvPicPr>
+          <p:nvPr/>
+        </p:nvPicPr>
+        <p:blipFill>
+          <a:blip r:embed="rId4"/>
+          <a:stretch>
+            <a:fillRect/>
+          </a:stretch>
+        </p:blipFill>
+        <p:spPr>
+          <a:xfrm>
+            <a:off x="1692735" y="6381393"/>
+            <a:ext cx="1235413" cy="369784"/>
+          </a:xfrm>
+          <a:prstGeom prst="rect">
+            <a:avLst/>
+          </a:prstGeom>
+        </p:spPr>
+      </p:pic>
+    </p:spTree>
+    <p:extLst>
+      <p:ext uri="{BB962C8B-B14F-4D97-AF65-F5344CB8AC3E}">
+        <p14:creationId xmlns:p14="http://schemas.microsoft.com/office/powerpoint/2010/main" val="137419648"/>
+      </p:ext>
+    </p:extLst>
+  </p:cSld>
+  <p:clrMapOvr>
+    <a:masterClrMapping/>
+  </p:clrMapOvr>
+  <mc:AlternateContent xmlns:mc="http://schemas.openxmlformats.org/markup-compatibility/2006" xmlns:p14="http://schemas.microsoft.com/office/powerpoint/2010/main">
+    <mc:Choice Requires="p14">
+      <p:transition spd="med" p14:dur="700">
+        <p:fade/>
+      </p:transition>
+    </mc:Choice>
+    <mc:Fallback xmlns="">
+      <p:transition spd="med">
+        <p:fade/>
+      </p:transition>
+    </mc:Fallback>
+  </mc:AlternateContent>
+</p:sld>
+</file>
+
+<file path=ppt/slides/slide19.xml><?xml version="1.0" encoding="utf-8"?>
+<p:sld xmlns:a="http://schemas.openxmlformats.org/drawingml/2006/main" xmlns:r="http://schemas.openxmlformats.org/officeDocument/2006/relationships" xmlns:p="http://schemas.openxmlformats.org/presentationml/2006/main">
+  <p:cSld>
+    <p:spTree>
+      <p:nvGrpSpPr>
+        <p:cNvPr id="1" name=""/>
+        <p:cNvGrpSpPr/>
+        <p:nvPr/>
+      </p:nvGrpSpPr>
+      <p:grpSpPr>
+        <a:xfrm>
+          <a:off x="0" y="0"/>
+          <a:ext cx="0" cy="0"/>
+          <a:chOff x="0" y="0"/>
+          <a:chExt cx="0" cy="0"/>
+        </a:xfrm>
+      </p:grpSpPr>
+      <p:sp>
+        <p:nvSpPr>
+          <p:cNvPr id="2" name="标题 1"/>
+          <p:cNvSpPr>
+            <a:spLocks noGrp="1"/>
+          </p:cNvSpPr>
+          <p:nvPr>
+            <p:ph type="title"/>
+          </p:nvPr>
+        </p:nvSpPr>
+        <p:spPr/>
+        <p:txBody>
+          <a:bodyPr/>
+          <a:lstStyle/>
+          <a:p>
+            <a:r>
+              <a:rPr lang="en-US" altLang="zh-CN" dirty="0" smtClean="0"/>
+              <a:t>9.3 </a:t>
+            </a:r>
+            <a:r>
+              <a:rPr lang="en-US" altLang="zh-CN" dirty="0"/>
+              <a:t>Addresses in the Target Code-Stack Allocation</a:t>
+            </a:r>
+            <a:endParaRPr lang="zh-CN" altLang="en-US" dirty="0"/>
+          </a:p>
+        </p:txBody>
+      </p:sp>
+      <p:sp>
+        <p:nvSpPr>
+          <p:cNvPr id="3" name="内容占位符 2"/>
+          <p:cNvSpPr>
+            <a:spLocks noGrp="1"/>
+          </p:cNvSpPr>
+          <p:nvPr>
+            <p:ph idx="1"/>
+          </p:nvPr>
+        </p:nvSpPr>
+        <p:spPr>
+          <a:xfrm>
+            <a:off x="854312" y="1378010"/>
+            <a:ext cx="7486650" cy="647343"/>
+          </a:xfrm>
+        </p:spPr>
+        <p:txBody>
+          <a:bodyPr/>
+          <a:lstStyle/>
+          <a:p>
+            <a:r>
+              <a:rPr lang="en-US" altLang="zh-CN" dirty="0" smtClean="0"/>
+              <a:t>An </a:t>
+            </a:r>
+            <a:r>
+              <a:rPr lang="en-US" altLang="zh-CN" dirty="0"/>
+              <a:t>abstraction of the </a:t>
+            </a:r>
+            <a:r>
+              <a:rPr lang="en-US" altLang="zh-CN" dirty="0" smtClean="0"/>
+              <a:t>quicksort program </a:t>
+            </a:r>
+            <a:r>
+              <a:rPr lang="en-US" altLang="zh-CN" dirty="0"/>
+              <a:t>in the previous chapter. Procedure </a:t>
+            </a:r>
+            <a:r>
+              <a:rPr lang="en-US" altLang="zh-CN" i="1" dirty="0"/>
+              <a:t>q</a:t>
+            </a:r>
+            <a:r>
+              <a:rPr lang="en-US" altLang="zh-CN" dirty="0"/>
+              <a:t> is recursive, so more than </a:t>
+            </a:r>
+            <a:r>
+              <a:rPr lang="en-US" altLang="zh-CN" dirty="0" smtClean="0"/>
+              <a:t>one activation </a:t>
+            </a:r>
+            <a:r>
+              <a:rPr lang="en-US" altLang="zh-CN" dirty="0"/>
+              <a:t>of </a:t>
+            </a:r>
+            <a:r>
+              <a:rPr lang="en-US" altLang="zh-CN" i="1" dirty="0"/>
+              <a:t>q</a:t>
+            </a:r>
+            <a:r>
+              <a:rPr lang="en-US" altLang="zh-CN" dirty="0"/>
+              <a:t> can be alive at the same time</a:t>
+            </a:r>
+            <a:r>
+              <a:rPr lang="en-US" altLang="zh-CN" dirty="0" smtClean="0"/>
+              <a:t>.</a:t>
+            </a:r>
+          </a:p>
+          <a:p>
+            <a:endParaRPr lang="en-US" altLang="zh-CN" dirty="0"/>
+          </a:p>
+          <a:p>
+            <a:endParaRPr lang="zh-CN" altLang="en-US" dirty="0"/>
+          </a:p>
+        </p:txBody>
+      </p:sp>
+      <p:sp>
+        <p:nvSpPr>
+          <p:cNvPr id="4" name="内容占位符 2"/>
+          <p:cNvSpPr txBox="1">
+            <a:spLocks/>
+          </p:cNvSpPr>
+          <p:nvPr/>
+        </p:nvSpPr>
+        <p:spPr>
+          <a:xfrm>
+            <a:off x="750337" y="1949154"/>
+            <a:ext cx="3291825" cy="2101553"/>
+          </a:xfrm>
+          <a:prstGeom prst="rect">
+            <a:avLst/>
+          </a:prstGeom>
+        </p:spPr>
+        <p:txBody>
+          <a:bodyPr vert="horz" lIns="0" tIns="45720" rIns="0" bIns="45720" rtlCol="0">
+            <a:normAutofit fontScale="92500" lnSpcReduction="10000"/>
+          </a:bodyPr>
+          <a:lstStyle>
+            <a:lvl1pPr marL="171450" indent="-171450" algn="l" defTabSz="685800" rtl="0" eaLnBrk="1" latinLnBrk="0" hangingPunct="1">
+              <a:lnSpc>
+                <a:spcPct val="90000"/>
+              </a:lnSpc>
+              <a:spcBef>
+                <a:spcPts val="1350"/>
+              </a:spcBef>
+              <a:buFont typeface="Wingdings" panose="05000000000000000000" pitchFamily="2" charset="2"/>
+              <a:buChar char="§"/>
+              <a:defRPr sz="1500" kern="1200">
+                <a:solidFill>
+                  <a:schemeClr val="tx1"/>
+                </a:solidFill>
+                <a:latin typeface="微软雅黑" panose="020B0503020204020204" pitchFamily="34" charset="-122"/>
+                <a:ea typeface="微软雅黑" panose="020B0503020204020204" pitchFamily="34" charset="-122"/>
+                <a:cs typeface="+mn-cs"/>
+              </a:defRPr>
+            </a:lvl1pPr>
+            <a:lvl2pPr marL="514350" indent="-171450" algn="l" defTabSz="685800" rtl="0" eaLnBrk="1" latinLnBrk="0" hangingPunct="1">
+              <a:lnSpc>
+                <a:spcPct val="90000"/>
+              </a:lnSpc>
+              <a:spcBef>
+                <a:spcPts val="450"/>
+              </a:spcBef>
+              <a:buFont typeface="Wingdings" panose="05000000000000000000" pitchFamily="2" charset="2"/>
+              <a:buChar char="§"/>
+              <a:defRPr sz="1200" kern="1200">
+                <a:solidFill>
+                  <a:schemeClr val="tx1"/>
+                </a:solidFill>
+                <a:latin typeface="微软雅黑" panose="020B0503020204020204" pitchFamily="34" charset="-122"/>
+                <a:ea typeface="微软雅黑" panose="020B0503020204020204" pitchFamily="34" charset="-122"/>
+                <a:cs typeface="+mn-cs"/>
+              </a:defRPr>
+            </a:lvl2pPr>
+            <a:lvl3pPr marL="857250" indent="-171450" algn="l" defTabSz="685800" rtl="0" eaLnBrk="1" latinLnBrk="0" hangingPunct="1">
+              <a:lnSpc>
+                <a:spcPct val="90000"/>
+              </a:lnSpc>
+              <a:spcBef>
+                <a:spcPts val="450"/>
+              </a:spcBef>
+              <a:buFont typeface="Wingdings" panose="05000000000000000000" pitchFamily="2" charset="2"/>
+              <a:buChar char="§"/>
+              <a:defRPr sz="1050" kern="1200">
+                <a:solidFill>
+                  <a:schemeClr val="tx1"/>
+                </a:solidFill>
+                <a:latin typeface="微软雅黑" panose="020B0503020204020204" pitchFamily="34" charset="-122"/>
+                <a:ea typeface="微软雅黑" panose="020B0503020204020204" pitchFamily="34" charset="-122"/>
+                <a:cs typeface="+mn-cs"/>
+              </a:defRPr>
+            </a:lvl3pPr>
+            <a:lvl4pPr marL="1200150" indent="-171450" algn="l" defTabSz="685800" rtl="0" eaLnBrk="1" latinLnBrk="0" hangingPunct="1">
+              <a:lnSpc>
+                <a:spcPct val="90000"/>
+              </a:lnSpc>
+              <a:spcBef>
+                <a:spcPts val="450"/>
+              </a:spcBef>
+              <a:buFont typeface="Wingdings" panose="05000000000000000000" pitchFamily="2" charset="2"/>
+              <a:buChar char="§"/>
+              <a:defRPr sz="1050" kern="1200">
+                <a:solidFill>
+                  <a:schemeClr val="tx1"/>
+                </a:solidFill>
+                <a:latin typeface="微软雅黑" panose="020B0503020204020204" pitchFamily="34" charset="-122"/>
+                <a:ea typeface="微软雅黑" panose="020B0503020204020204" pitchFamily="34" charset="-122"/>
+                <a:cs typeface="+mn-cs"/>
+              </a:defRPr>
+            </a:lvl4pPr>
+            <a:lvl5pPr marL="1543050" indent="-171450" algn="l" defTabSz="685800" rtl="0" eaLnBrk="1" latinLnBrk="0" hangingPunct="1">
+              <a:lnSpc>
+                <a:spcPct val="90000"/>
+              </a:lnSpc>
+              <a:spcBef>
+                <a:spcPts val="450"/>
+              </a:spcBef>
+              <a:buFont typeface="Wingdings" panose="05000000000000000000" pitchFamily="2" charset="2"/>
+              <a:buChar char="§"/>
+              <a:defRPr sz="1050" kern="1200">
+                <a:solidFill>
+                  <a:schemeClr val="tx1"/>
+                </a:solidFill>
+                <a:latin typeface="微软雅黑" panose="020B0503020204020204" pitchFamily="34" charset="-122"/>
+                <a:ea typeface="微软雅黑" panose="020B0503020204020204" pitchFamily="34" charset="-122"/>
+                <a:cs typeface="+mn-cs"/>
+              </a:defRPr>
+            </a:lvl5pPr>
+            <a:lvl6pPr marL="1885950" indent="-171450" algn="l" defTabSz="685800" rtl="0" eaLnBrk="1" latinLnBrk="0" hangingPunct="1">
+              <a:lnSpc>
+                <a:spcPct val="90000"/>
+              </a:lnSpc>
+              <a:spcBef>
+                <a:spcPts val="375"/>
+              </a:spcBef>
+              <a:buFont typeface="Wingdings" panose="05000000000000000000" pitchFamily="2" charset="2"/>
+              <a:buChar char="§"/>
+              <a:defRPr sz="1050" kern="1200">
+                <a:solidFill>
+                  <a:schemeClr val="tx1"/>
+                </a:solidFill>
+                <a:latin typeface="微软雅黑" panose="020B0503020204020204" pitchFamily="34" charset="-122"/>
+                <a:ea typeface="微软雅黑" panose="020B0503020204020204" pitchFamily="34" charset="-122"/>
+                <a:cs typeface="+mn-cs"/>
+              </a:defRPr>
+            </a:lvl6pPr>
+            <a:lvl7pPr marL="2228850" indent="-171450" algn="l" defTabSz="685800" rtl="0" eaLnBrk="1" latinLnBrk="0" hangingPunct="1">
+              <a:lnSpc>
+                <a:spcPct val="90000"/>
+              </a:lnSpc>
+              <a:spcBef>
+                <a:spcPts val="375"/>
+              </a:spcBef>
+              <a:buFont typeface="Wingdings" panose="05000000000000000000" pitchFamily="2" charset="2"/>
+              <a:buChar char="§"/>
+              <a:defRPr sz="1050" kern="1200">
+                <a:solidFill>
+                  <a:schemeClr val="tx1"/>
+                </a:solidFill>
+                <a:latin typeface="微软雅黑" panose="020B0503020204020204" pitchFamily="34" charset="-122"/>
+                <a:ea typeface="微软雅黑" panose="020B0503020204020204" pitchFamily="34" charset="-122"/>
+                <a:cs typeface="+mn-cs"/>
+              </a:defRPr>
+            </a:lvl7pPr>
+            <a:lvl8pPr marL="2571750" indent="-171450" algn="l" defTabSz="685800" rtl="0" eaLnBrk="1" latinLnBrk="0" hangingPunct="1">
+              <a:lnSpc>
+                <a:spcPct val="90000"/>
+              </a:lnSpc>
+              <a:spcBef>
+                <a:spcPts val="375"/>
+              </a:spcBef>
+              <a:buFont typeface="Wingdings" panose="05000000000000000000" pitchFamily="2" charset="2"/>
+              <a:buChar char="§"/>
+              <a:defRPr sz="1050" kern="1200">
+                <a:solidFill>
+                  <a:schemeClr val="tx1"/>
+                </a:solidFill>
+                <a:latin typeface="微软雅黑" panose="020B0503020204020204" pitchFamily="34" charset="-122"/>
+                <a:ea typeface="微软雅黑" panose="020B0503020204020204" pitchFamily="34" charset="-122"/>
+                <a:cs typeface="+mn-cs"/>
+              </a:defRPr>
+            </a:lvl8pPr>
+            <a:lvl9pPr marL="2914650" indent="-171450" algn="l" defTabSz="685800" rtl="0" eaLnBrk="1" latinLnBrk="0" hangingPunct="1">
+              <a:lnSpc>
+                <a:spcPct val="90000"/>
+              </a:lnSpc>
+              <a:spcBef>
+                <a:spcPts val="375"/>
+              </a:spcBef>
+              <a:buFont typeface="Wingdings" panose="05000000000000000000" pitchFamily="2" charset="2"/>
+              <a:buChar char="§"/>
+              <a:defRPr sz="1050" kern="1200">
+                <a:solidFill>
+                  <a:schemeClr val="tx1"/>
+                </a:solidFill>
+                <a:latin typeface="微软雅黑" panose="020B0503020204020204" pitchFamily="34" charset="-122"/>
+                <a:ea typeface="微软雅黑" panose="020B0503020204020204" pitchFamily="34" charset="-122"/>
+                <a:cs typeface="+mn-cs"/>
+              </a:defRPr>
+            </a:lvl9pPr>
+          </a:lstStyle>
+          <a:p>
+            <a:r>
+              <a:rPr lang="en-US" altLang="zh-CN" dirty="0"/>
+              <a:t>Suppose that the sizes of the activation records for procedures </a:t>
+            </a:r>
+            <a:r>
+              <a:rPr lang="en-US" altLang="zh-CN" i="1" dirty="0" smtClean="0"/>
+              <a:t>m</a:t>
+            </a:r>
+            <a:r>
+              <a:rPr lang="en-US" altLang="zh-CN" dirty="0" smtClean="0"/>
+              <a:t>, </a:t>
+            </a:r>
+            <a:r>
+              <a:rPr lang="en-US" altLang="zh-CN" i="1" dirty="0"/>
+              <a:t>p</a:t>
+            </a:r>
+            <a:r>
+              <a:rPr lang="en-US" altLang="zh-CN" dirty="0"/>
+              <a:t>, and </a:t>
+            </a:r>
+            <a:r>
+              <a:rPr lang="en-US" altLang="zh-CN" i="1" dirty="0" smtClean="0"/>
+              <a:t>q</a:t>
+            </a:r>
+            <a:r>
+              <a:rPr lang="en-US" altLang="zh-CN" dirty="0" smtClean="0"/>
+              <a:t> have </a:t>
+            </a:r>
+            <a:r>
+              <a:rPr lang="en-US" altLang="zh-CN" dirty="0"/>
+              <a:t>been determined to be </a:t>
+            </a:r>
+            <a:r>
+              <a:rPr lang="en-US" altLang="zh-CN" i="1" dirty="0" err="1"/>
+              <a:t>msize</a:t>
+            </a:r>
+            <a:r>
+              <a:rPr lang="en-US" altLang="zh-CN" dirty="0"/>
+              <a:t>, </a:t>
+            </a:r>
+            <a:r>
+              <a:rPr lang="en-US" altLang="zh-CN" i="1" dirty="0" err="1"/>
+              <a:t>psize</a:t>
+            </a:r>
+            <a:r>
+              <a:rPr lang="en-US" altLang="zh-CN" dirty="0"/>
+              <a:t>, and </a:t>
+            </a:r>
+            <a:r>
+              <a:rPr lang="en-US" altLang="zh-CN" i="1" dirty="0" err="1"/>
+              <a:t>qsize</a:t>
+            </a:r>
+            <a:r>
+              <a:rPr lang="en-US" altLang="zh-CN" dirty="0"/>
+              <a:t>, respectively. The first </a:t>
+            </a:r>
+            <a:r>
+              <a:rPr lang="en-US" altLang="zh-CN" dirty="0" smtClean="0"/>
+              <a:t>word in </a:t>
+            </a:r>
+            <a:r>
+              <a:rPr lang="en-US" altLang="zh-CN" dirty="0"/>
+              <a:t>each activation record will hold a return address. We arbitrarily assume </a:t>
+            </a:r>
+            <a:r>
+              <a:rPr lang="en-US" altLang="zh-CN" dirty="0" smtClean="0"/>
+              <a:t>that the </a:t>
+            </a:r>
+            <a:r>
+              <a:rPr lang="en-US" altLang="zh-CN" dirty="0"/>
+              <a:t>code for these procedures starts at addresses 100, 200 , and 300, respectively, and that the stack starts at address </a:t>
+            </a:r>
+            <a:r>
+              <a:rPr lang="en-US" altLang="zh-CN" dirty="0" smtClean="0"/>
+              <a:t>600.</a:t>
+            </a:r>
+          </a:p>
+          <a:p>
+            <a:endParaRPr lang="zh-CN" altLang="en-US" dirty="0"/>
+          </a:p>
+        </p:txBody>
+      </p:sp>
+      <p:pic>
+        <p:nvPicPr>
+          <p:cNvPr id="5" name="图片 4"/>
+          <p:cNvPicPr>
+            <a:picLocks noChangeAspect="1"/>
+          </p:cNvPicPr>
+          <p:nvPr/>
+        </p:nvPicPr>
+        <p:blipFill>
+          <a:blip r:embed="rId2"/>
+          <a:stretch>
+            <a:fillRect/>
+          </a:stretch>
+        </p:blipFill>
+        <p:spPr>
+          <a:xfrm>
+            <a:off x="838867" y="3962399"/>
+            <a:ext cx="2536722" cy="2621282"/>
+          </a:xfrm>
+          <a:prstGeom prst="rect">
+            <a:avLst/>
+          </a:prstGeom>
+        </p:spPr>
+      </p:pic>
+      <p:pic>
+        <p:nvPicPr>
+          <p:cNvPr id="6" name="图片 5"/>
+          <p:cNvPicPr>
+            <a:picLocks noChangeAspect="1"/>
+          </p:cNvPicPr>
+          <p:nvPr/>
+        </p:nvPicPr>
+        <p:blipFill>
+          <a:blip r:embed="rId3"/>
+          <a:stretch>
+            <a:fillRect/>
+          </a:stretch>
+        </p:blipFill>
+        <p:spPr>
+          <a:xfrm>
+            <a:off x="4576774" y="1897165"/>
+            <a:ext cx="4088662" cy="4964803"/>
+          </a:xfrm>
+          <a:prstGeom prst="rect">
+            <a:avLst/>
+          </a:prstGeom>
+        </p:spPr>
+      </p:pic>
+      <p:sp>
+        <p:nvSpPr>
+          <p:cNvPr id="7" name="右箭头 6"/>
+          <p:cNvSpPr/>
+          <p:nvPr/>
+        </p:nvSpPr>
+        <p:spPr>
+          <a:xfrm>
+            <a:off x="3819970" y="4794191"/>
+            <a:ext cx="435836" cy="247828"/>
+          </a:xfrm>
+          <a:prstGeom prst="rightArrow">
+            <a:avLst/>
+          </a:prstGeom>
+        </p:spPr>
+        <p:style>
+          <a:lnRef idx="2">
+            <a:schemeClr val="accent1">
+              <a:shade val="50000"/>
+            </a:schemeClr>
+          </a:lnRef>
+          <a:fillRef idx="1">
+            <a:schemeClr val="accent1"/>
+          </a:fillRef>
+          <a:effectRef idx="0">
+            <a:schemeClr val="accent1"/>
+          </a:effectRef>
+          <a:fontRef idx="minor">
+            <a:schemeClr val="lt1"/>
+          </a:fontRef>
+        </p:style>
+        <p:txBody>
+          <a:bodyPr rtlCol="0" anchor="ctr"/>
+          <a:lstStyle/>
+          <a:p>
+            <a:pPr algn="ctr"/>
+            <a:endParaRPr lang="zh-CN" altLang="en-US"/>
+          </a:p>
+        </p:txBody>
+      </p:sp>
+    </p:spTree>
+    <p:extLst>
+      <p:ext uri="{BB962C8B-B14F-4D97-AF65-F5344CB8AC3E}">
+        <p14:creationId xmlns:p14="http://schemas.microsoft.com/office/powerpoint/2010/main" val="4114976425"/>
       </p:ext>
     </p:extLst>
   </p:cSld>
@@ -6895,6 +8088,1645 @@
     <p:extLst>
       <p:ext uri="{BB962C8B-B14F-4D97-AF65-F5344CB8AC3E}">
         <p14:creationId xmlns:p14="http://schemas.microsoft.com/office/powerpoint/2010/main" val="132884364"/>
+      </p:ext>
+    </p:extLst>
+  </p:cSld>
+  <p:clrMapOvr>
+    <a:masterClrMapping/>
+  </p:clrMapOvr>
+  <mc:AlternateContent xmlns:mc="http://schemas.openxmlformats.org/markup-compatibility/2006" xmlns:p14="http://schemas.microsoft.com/office/powerpoint/2010/main">
+    <mc:Choice Requires="p14">
+      <p:transition spd="med" p14:dur="700">
+        <p:fade/>
+      </p:transition>
+    </mc:Choice>
+    <mc:Fallback xmlns="">
+      <p:transition spd="med">
+        <p:fade/>
+      </p:transition>
+    </mc:Fallback>
+  </mc:AlternateContent>
+</p:sld>
+</file>
+
+<file path=ppt/slides/slide20.xml><?xml version="1.0" encoding="utf-8"?>
+<p:sld xmlns:a="http://schemas.openxmlformats.org/drawingml/2006/main" xmlns:r="http://schemas.openxmlformats.org/officeDocument/2006/relationships" xmlns:p="http://schemas.openxmlformats.org/presentationml/2006/main">
+  <p:cSld>
+    <p:spTree>
+      <p:nvGrpSpPr>
+        <p:cNvPr id="1" name=""/>
+        <p:cNvGrpSpPr/>
+        <p:nvPr/>
+      </p:nvGrpSpPr>
+      <p:grpSpPr>
+        <a:xfrm>
+          <a:off x="0" y="0"/>
+          <a:ext cx="0" cy="0"/>
+          <a:chOff x="0" y="0"/>
+          <a:chExt cx="0" cy="0"/>
+        </a:xfrm>
+      </p:grpSpPr>
+      <p:sp>
+        <p:nvSpPr>
+          <p:cNvPr id="2" name="标题 1"/>
+          <p:cNvSpPr>
+            <a:spLocks noGrp="1"/>
+          </p:cNvSpPr>
+          <p:nvPr>
+            <p:ph type="title"/>
+          </p:nvPr>
+        </p:nvSpPr>
+        <p:spPr/>
+        <p:txBody>
+          <a:bodyPr/>
+          <a:lstStyle/>
+          <a:p>
+            <a:r>
+              <a:rPr lang="en-US" altLang="zh-CN" dirty="0"/>
+              <a:t>9.4 Basic Blocks and </a:t>
+            </a:r>
+            <a:r>
+              <a:rPr lang="en-US" altLang="zh-CN" dirty="0" smtClean="0"/>
+              <a:t>Flow </a:t>
+            </a:r>
+            <a:r>
+              <a:rPr lang="en-US" altLang="zh-CN" dirty="0"/>
+              <a:t>Graphs</a:t>
+            </a:r>
+            <a:endParaRPr lang="zh-CN" altLang="en-US" dirty="0"/>
+          </a:p>
+        </p:txBody>
+      </p:sp>
+      <p:sp>
+        <p:nvSpPr>
+          <p:cNvPr id="3" name="内容占位符 2"/>
+          <p:cNvSpPr>
+            <a:spLocks noGrp="1"/>
+          </p:cNvSpPr>
+          <p:nvPr>
+            <p:ph idx="1"/>
+          </p:nvPr>
+        </p:nvSpPr>
+        <p:spPr>
+          <a:xfrm>
+            <a:off x="828675" y="1600200"/>
+            <a:ext cx="7486650" cy="1630110"/>
+          </a:xfrm>
+        </p:spPr>
+        <p:txBody>
+          <a:bodyPr/>
+          <a:lstStyle/>
+          <a:p>
+            <a:r>
+              <a:rPr lang="en-US" altLang="zh-CN" dirty="0"/>
+              <a:t>This section introduces a graph representation of intermediate code that is </a:t>
+            </a:r>
+            <a:r>
+              <a:rPr lang="en-US" altLang="zh-CN" dirty="0" smtClean="0"/>
+              <a:t>helpful for </a:t>
+            </a:r>
+            <a:r>
+              <a:rPr lang="en-US" altLang="zh-CN" dirty="0"/>
+              <a:t>discussing code generation even if the graph is not constructed </a:t>
+            </a:r>
+            <a:r>
+              <a:rPr lang="en-US" altLang="zh-CN" dirty="0" smtClean="0"/>
+              <a:t>explicitly by </a:t>
+            </a:r>
+            <a:r>
+              <a:rPr lang="en-US" altLang="zh-CN" dirty="0"/>
+              <a:t>a code-generation algorithm. Code generation benefits from context. </a:t>
+            </a:r>
+            <a:r>
+              <a:rPr lang="en-US" altLang="zh-CN" dirty="0" smtClean="0"/>
+              <a:t>We can </a:t>
+            </a:r>
+            <a:r>
+              <a:rPr lang="en-US" altLang="zh-CN" dirty="0"/>
+              <a:t>do a better job of register allocation if we know how values are </a:t>
+            </a:r>
+            <a:r>
+              <a:rPr lang="en-US" altLang="zh-CN" dirty="0" smtClean="0"/>
+              <a:t>defined and used.</a:t>
+            </a:r>
+            <a:endParaRPr lang="zh-CN" altLang="en-US" dirty="0"/>
+          </a:p>
+        </p:txBody>
+      </p:sp>
+      <p:pic>
+        <p:nvPicPr>
+          <p:cNvPr id="4" name="图片 3"/>
+          <p:cNvPicPr>
+            <a:picLocks noChangeAspect="1"/>
+          </p:cNvPicPr>
+          <p:nvPr/>
+        </p:nvPicPr>
+        <p:blipFill>
+          <a:blip r:embed="rId2"/>
+          <a:stretch>
+            <a:fillRect/>
+          </a:stretch>
+        </p:blipFill>
+        <p:spPr>
+          <a:xfrm>
+            <a:off x="1013623" y="2979747"/>
+            <a:ext cx="7304762" cy="3257143"/>
+          </a:xfrm>
+          <a:prstGeom prst="rect">
+            <a:avLst/>
+          </a:prstGeom>
+        </p:spPr>
+      </p:pic>
+    </p:spTree>
+    <p:extLst>
+      <p:ext uri="{BB962C8B-B14F-4D97-AF65-F5344CB8AC3E}">
+        <p14:creationId xmlns:p14="http://schemas.microsoft.com/office/powerpoint/2010/main" val="2563502135"/>
+      </p:ext>
+    </p:extLst>
+  </p:cSld>
+  <p:clrMapOvr>
+    <a:masterClrMapping/>
+  </p:clrMapOvr>
+  <mc:AlternateContent xmlns:mc="http://schemas.openxmlformats.org/markup-compatibility/2006" xmlns:p14="http://schemas.microsoft.com/office/powerpoint/2010/main">
+    <mc:Choice Requires="p14">
+      <p:transition spd="med" p14:dur="700">
+        <p:fade/>
+      </p:transition>
+    </mc:Choice>
+    <mc:Fallback xmlns="">
+      <p:transition spd="med">
+        <p:fade/>
+      </p:transition>
+    </mc:Fallback>
+  </mc:AlternateContent>
+</p:sld>
+</file>
+
+<file path=ppt/slides/slide21.xml><?xml version="1.0" encoding="utf-8"?>
+<p:sld xmlns:a="http://schemas.openxmlformats.org/drawingml/2006/main" xmlns:r="http://schemas.openxmlformats.org/officeDocument/2006/relationships" xmlns:p="http://schemas.openxmlformats.org/presentationml/2006/main">
+  <p:cSld>
+    <p:spTree>
+      <p:nvGrpSpPr>
+        <p:cNvPr id="1" name=""/>
+        <p:cNvGrpSpPr/>
+        <p:nvPr/>
+      </p:nvGrpSpPr>
+      <p:grpSpPr>
+        <a:xfrm>
+          <a:off x="0" y="0"/>
+          <a:ext cx="0" cy="0"/>
+          <a:chOff x="0" y="0"/>
+          <a:chExt cx="0" cy="0"/>
+        </a:xfrm>
+      </p:grpSpPr>
+      <p:sp>
+        <p:nvSpPr>
+          <p:cNvPr id="2" name="标题 1"/>
+          <p:cNvSpPr>
+            <a:spLocks noGrp="1"/>
+          </p:cNvSpPr>
+          <p:nvPr>
+            <p:ph type="title"/>
+          </p:nvPr>
+        </p:nvSpPr>
+        <p:spPr/>
+        <p:txBody>
+          <a:bodyPr/>
+          <a:lstStyle/>
+          <a:p>
+            <a:r>
+              <a:rPr lang="en-US" altLang="zh-CN" dirty="0"/>
+              <a:t>9.4 Basic Blocks and </a:t>
+            </a:r>
+            <a:r>
+              <a:rPr lang="en-US" altLang="zh-CN" dirty="0" smtClean="0"/>
+              <a:t>Flow Graphs-Basic Blocks</a:t>
+            </a:r>
+            <a:endParaRPr lang="zh-CN" altLang="en-US" dirty="0"/>
+          </a:p>
+        </p:txBody>
+      </p:sp>
+      <p:sp>
+        <p:nvSpPr>
+          <p:cNvPr id="5" name="内容占位符 4"/>
+          <p:cNvSpPr>
+            <a:spLocks noGrp="1"/>
+          </p:cNvSpPr>
+          <p:nvPr>
+            <p:ph idx="1"/>
+          </p:nvPr>
+        </p:nvSpPr>
+        <p:spPr>
+          <a:xfrm>
+            <a:off x="828675" y="1403646"/>
+            <a:ext cx="7486650" cy="1271187"/>
+          </a:xfrm>
+        </p:spPr>
+        <p:txBody>
+          <a:bodyPr>
+            <a:normAutofit/>
+          </a:bodyPr>
+          <a:lstStyle/>
+          <a:p>
+            <a:r>
+              <a:rPr lang="en-US" altLang="zh-CN" sz="1600" dirty="0"/>
+              <a:t>Our first job is to partition a sequence of three-address instructions into </a:t>
+            </a:r>
+            <a:r>
+              <a:rPr lang="en-US" altLang="zh-CN" sz="1600" b="1" dirty="0" smtClean="0">
+                <a:solidFill>
+                  <a:srgbClr val="7030A0"/>
+                </a:solidFill>
+              </a:rPr>
+              <a:t>basic blocks</a:t>
+            </a:r>
+            <a:r>
+              <a:rPr lang="en-US" altLang="zh-CN" sz="1600" dirty="0"/>
+              <a:t>. We begin a new basic block with the first instruction and keep </a:t>
+            </a:r>
+            <a:r>
+              <a:rPr lang="en-US" altLang="zh-CN" sz="1600" dirty="0" smtClean="0"/>
+              <a:t>adding instructions </a:t>
+            </a:r>
+            <a:r>
+              <a:rPr lang="en-US" altLang="zh-CN" sz="1600" dirty="0"/>
+              <a:t>until we meet either a jump, a conditional jump, or a label </a:t>
+            </a:r>
+            <a:r>
+              <a:rPr lang="en-US" altLang="zh-CN" sz="1600" dirty="0" smtClean="0"/>
+              <a:t>on the </a:t>
+            </a:r>
+            <a:r>
+              <a:rPr lang="en-US" altLang="zh-CN" sz="1600" dirty="0"/>
+              <a:t>following instruction.</a:t>
+            </a:r>
+            <a:endParaRPr lang="zh-CN" altLang="en-US" sz="1600" dirty="0"/>
+          </a:p>
+        </p:txBody>
+      </p:sp>
+      <p:pic>
+        <p:nvPicPr>
+          <p:cNvPr id="6" name="图片 5"/>
+          <p:cNvPicPr>
+            <a:picLocks noChangeAspect="1"/>
+          </p:cNvPicPr>
+          <p:nvPr/>
+        </p:nvPicPr>
+        <p:blipFill>
+          <a:blip r:embed="rId2"/>
+          <a:stretch>
+            <a:fillRect/>
+          </a:stretch>
+        </p:blipFill>
+        <p:spPr>
+          <a:xfrm>
+            <a:off x="1251779" y="2333664"/>
+            <a:ext cx="6413798" cy="3925686"/>
+          </a:xfrm>
+          <a:prstGeom prst="rect">
+            <a:avLst/>
+          </a:prstGeom>
+        </p:spPr>
+      </p:pic>
+      <p:pic>
+        <p:nvPicPr>
+          <p:cNvPr id="7" name="图片 6"/>
+          <p:cNvPicPr>
+            <a:picLocks noChangeAspect="1"/>
+          </p:cNvPicPr>
+          <p:nvPr/>
+        </p:nvPicPr>
+        <p:blipFill>
+          <a:blip r:embed="rId3"/>
+          <a:stretch>
+            <a:fillRect/>
+          </a:stretch>
+        </p:blipFill>
+        <p:spPr>
+          <a:xfrm>
+            <a:off x="1272077" y="6264067"/>
+            <a:ext cx="6137127" cy="493965"/>
+          </a:xfrm>
+          <a:prstGeom prst="rect">
+            <a:avLst/>
+          </a:prstGeom>
+        </p:spPr>
+      </p:pic>
+    </p:spTree>
+    <p:extLst>
+      <p:ext uri="{BB962C8B-B14F-4D97-AF65-F5344CB8AC3E}">
+        <p14:creationId xmlns:p14="http://schemas.microsoft.com/office/powerpoint/2010/main" val="1064820227"/>
+      </p:ext>
+    </p:extLst>
+  </p:cSld>
+  <p:clrMapOvr>
+    <a:masterClrMapping/>
+  </p:clrMapOvr>
+  <mc:AlternateContent xmlns:mc="http://schemas.openxmlformats.org/markup-compatibility/2006" xmlns:p14="http://schemas.microsoft.com/office/powerpoint/2010/main">
+    <mc:Choice Requires="p14">
+      <p:transition spd="med" p14:dur="700">
+        <p:fade/>
+      </p:transition>
+    </mc:Choice>
+    <mc:Fallback xmlns="">
+      <p:transition spd="med">
+        <p:fade/>
+      </p:transition>
+    </mc:Fallback>
+  </mc:AlternateContent>
+</p:sld>
+</file>
+
+<file path=ppt/slides/slide22.xml><?xml version="1.0" encoding="utf-8"?>
+<p:sld xmlns:a="http://schemas.openxmlformats.org/drawingml/2006/main" xmlns:r="http://schemas.openxmlformats.org/officeDocument/2006/relationships" xmlns:p="http://schemas.openxmlformats.org/presentationml/2006/main">
+  <p:cSld>
+    <p:spTree>
+      <p:nvGrpSpPr>
+        <p:cNvPr id="1" name=""/>
+        <p:cNvGrpSpPr/>
+        <p:nvPr/>
+      </p:nvGrpSpPr>
+      <p:grpSpPr>
+        <a:xfrm>
+          <a:off x="0" y="0"/>
+          <a:ext cx="0" cy="0"/>
+          <a:chOff x="0" y="0"/>
+          <a:chExt cx="0" cy="0"/>
+        </a:xfrm>
+      </p:grpSpPr>
+      <p:sp>
+        <p:nvSpPr>
+          <p:cNvPr id="2" name="标题 1"/>
+          <p:cNvSpPr>
+            <a:spLocks noGrp="1"/>
+          </p:cNvSpPr>
+          <p:nvPr>
+            <p:ph type="title"/>
+          </p:nvPr>
+        </p:nvSpPr>
+        <p:spPr/>
+        <p:txBody>
+          <a:bodyPr/>
+          <a:lstStyle/>
+          <a:p>
+            <a:r>
+              <a:rPr lang="en-US" altLang="zh-CN" dirty="0"/>
+              <a:t>9.4 Basic Blocks and Flow Graphs-Basic Blocks</a:t>
+            </a:r>
+            <a:endParaRPr lang="zh-CN" altLang="en-US" dirty="0"/>
+          </a:p>
+        </p:txBody>
+      </p:sp>
+      <p:pic>
+        <p:nvPicPr>
+          <p:cNvPr id="4" name="图片 3"/>
+          <p:cNvPicPr>
+            <a:picLocks noChangeAspect="1"/>
+          </p:cNvPicPr>
+          <p:nvPr/>
+        </p:nvPicPr>
+        <p:blipFill>
+          <a:blip r:embed="rId2"/>
+          <a:stretch>
+            <a:fillRect/>
+          </a:stretch>
+        </p:blipFill>
+        <p:spPr>
+          <a:xfrm>
+            <a:off x="808958" y="1552664"/>
+            <a:ext cx="4752835" cy="3814095"/>
+          </a:xfrm>
+          <a:prstGeom prst="rect">
+            <a:avLst/>
+          </a:prstGeom>
+        </p:spPr>
+      </p:pic>
+      <p:sp>
+        <p:nvSpPr>
+          <p:cNvPr id="5" name="矩形 4"/>
+          <p:cNvSpPr/>
+          <p:nvPr/>
+        </p:nvSpPr>
+        <p:spPr>
+          <a:xfrm>
+            <a:off x="4037887" y="1577424"/>
+            <a:ext cx="4572000" cy="1938992"/>
+          </a:xfrm>
+          <a:prstGeom prst="rect">
+            <a:avLst/>
+          </a:prstGeom>
+        </p:spPr>
+        <p:txBody>
+          <a:bodyPr>
+            <a:spAutoFit/>
+          </a:bodyPr>
+          <a:lstStyle/>
+          <a:p>
+            <a:r>
+              <a:rPr lang="en-US" altLang="zh-CN" sz="1200" b="1" dirty="0">
+                <a:latin typeface="Fd2399443-Identity-H"/>
+              </a:rPr>
+              <a:t>First, instruction 1 is a leader by rule (1</a:t>
+            </a:r>
+            <a:r>
+              <a:rPr lang="en-US" altLang="zh-CN" sz="1200" b="1" dirty="0" smtClean="0">
+                <a:latin typeface="Fd2399443-Identity-H"/>
+              </a:rPr>
+              <a:t>). </a:t>
+            </a:r>
+            <a:r>
+              <a:rPr lang="en-US" altLang="zh-CN" sz="1200" b="1" dirty="0">
+                <a:latin typeface="Fd2399443-Identity-H"/>
+              </a:rPr>
+              <a:t>To find the</a:t>
+            </a:r>
+          </a:p>
+          <a:p>
+            <a:r>
+              <a:rPr lang="en-US" altLang="zh-CN" sz="1200" b="1" dirty="0">
+                <a:latin typeface="Fd2399443-Identity-H"/>
+              </a:rPr>
+              <a:t>other leaders, we first need to find the jumps. In this example, there are </a:t>
+            </a:r>
+            <a:r>
+              <a:rPr lang="en-US" altLang="zh-CN" sz="1200" b="1" dirty="0" smtClean="0">
+                <a:latin typeface="Fd2399443-Identity-H"/>
+              </a:rPr>
+              <a:t>three jumps</a:t>
+            </a:r>
+            <a:r>
+              <a:rPr lang="en-US" altLang="zh-CN" sz="1200" b="1" dirty="0">
+                <a:latin typeface="Fd2399443-Identity-H"/>
+              </a:rPr>
+              <a:t>, all conditional, </a:t>
+            </a:r>
+            <a:r>
+              <a:rPr lang="en-US" altLang="zh-CN" sz="1200" b="1" dirty="0" smtClean="0">
+                <a:latin typeface="Fd2399443-Identity-H"/>
+              </a:rPr>
+              <a:t>at instructions </a:t>
+            </a:r>
+            <a:r>
+              <a:rPr lang="en-US" altLang="zh-CN" sz="1200" b="1" dirty="0">
+                <a:latin typeface="Fd2550547-Identity-H"/>
+              </a:rPr>
+              <a:t>9, </a:t>
+            </a:r>
+            <a:r>
+              <a:rPr lang="en-US" altLang="zh-CN" sz="1200" b="1" dirty="0" smtClean="0">
+                <a:latin typeface="Fd2399443-Identity-H"/>
+              </a:rPr>
+              <a:t>11, </a:t>
+            </a:r>
+            <a:r>
+              <a:rPr lang="en-US" altLang="zh-CN" sz="1200" b="1" dirty="0">
+                <a:latin typeface="Fd2399443-Identity-H"/>
+              </a:rPr>
+              <a:t>and 17. By rule (2</a:t>
+            </a:r>
+            <a:r>
+              <a:rPr lang="en-US" altLang="zh-CN" sz="1200" b="1" dirty="0" smtClean="0">
+                <a:latin typeface="Fd2399443-Identity-H"/>
+              </a:rPr>
+              <a:t>), </a:t>
+            </a:r>
+            <a:r>
+              <a:rPr lang="en-US" altLang="zh-CN" sz="1200" b="1" dirty="0">
+                <a:latin typeface="Fd2399443-Identity-H"/>
+              </a:rPr>
+              <a:t>the targets </a:t>
+            </a:r>
+            <a:r>
+              <a:rPr lang="en-US" altLang="zh-CN" sz="1200" b="1" dirty="0" smtClean="0">
+                <a:latin typeface="Fd2399443-Identity-H"/>
+              </a:rPr>
+              <a:t>of these </a:t>
+            </a:r>
+            <a:r>
+              <a:rPr lang="en-US" altLang="zh-CN" sz="1200" b="1" dirty="0">
+                <a:latin typeface="Fd2399443-Identity-H"/>
+              </a:rPr>
+              <a:t>jumps are leaders; they are instructions 3, 2, and 13, respectively. </a:t>
+            </a:r>
+            <a:r>
+              <a:rPr lang="en-US" altLang="zh-CN" sz="1200" b="1" dirty="0" smtClean="0">
+                <a:latin typeface="Fd2399443-Identity-H"/>
+              </a:rPr>
+              <a:t>Then, by </a:t>
+            </a:r>
+            <a:r>
+              <a:rPr lang="en-US" altLang="zh-CN" sz="1200" b="1" dirty="0">
+                <a:latin typeface="Fd2399443-Identity-H"/>
+              </a:rPr>
+              <a:t>rule (3</a:t>
+            </a:r>
+            <a:r>
+              <a:rPr lang="en-US" altLang="zh-CN" sz="1200" b="1" dirty="0" smtClean="0">
+                <a:latin typeface="Fd2399443-Identity-H"/>
+              </a:rPr>
+              <a:t>), </a:t>
+            </a:r>
+            <a:r>
+              <a:rPr lang="en-US" altLang="zh-CN" sz="1200" b="1" dirty="0">
+                <a:latin typeface="Fd2399443-Identity-H"/>
+              </a:rPr>
+              <a:t>each instruction following a jump is a leader; those are instructions</a:t>
+            </a:r>
+          </a:p>
+          <a:p>
+            <a:r>
+              <a:rPr lang="en-US" altLang="zh-CN" sz="1200" b="1" dirty="0">
+                <a:latin typeface="Fd2399443-Identity-H"/>
+              </a:rPr>
+              <a:t>10 and 12. Note that no instruction follows 17 in this code, but if there </a:t>
+            </a:r>
+            <a:r>
+              <a:rPr lang="en-US" altLang="zh-CN" sz="1200" b="1" dirty="0" smtClean="0">
+                <a:latin typeface="Fd2399443-Identity-H"/>
+              </a:rPr>
+              <a:t>were code </a:t>
+            </a:r>
+            <a:r>
+              <a:rPr lang="en-US" altLang="zh-CN" sz="1200" b="1" dirty="0">
+                <a:latin typeface="Fd2399443-Identity-H"/>
+              </a:rPr>
+              <a:t>following, the 18th instruction would also be a leader.</a:t>
+            </a:r>
+            <a:endParaRPr lang="zh-CN" altLang="en-US" b="1" dirty="0"/>
+          </a:p>
+        </p:txBody>
+      </p:sp>
+      <p:sp>
+        <p:nvSpPr>
+          <p:cNvPr id="7" name="椭圆 6"/>
+          <p:cNvSpPr/>
+          <p:nvPr/>
+        </p:nvSpPr>
+        <p:spPr>
+          <a:xfrm>
+            <a:off x="1536820" y="1630822"/>
+            <a:ext cx="51274" cy="68366"/>
+          </a:xfrm>
+          <a:prstGeom prst="ellipse">
+            <a:avLst/>
+          </a:prstGeom>
+          <a:solidFill>
+            <a:srgbClr val="FF0000"/>
+          </a:solidFill>
+          <a:ln>
+            <a:solidFill>
+              <a:srgbClr val="FF0000"/>
+            </a:solidFill>
+          </a:ln>
+        </p:spPr>
+        <p:style>
+          <a:lnRef idx="2">
+            <a:schemeClr val="accent1">
+              <a:shade val="50000"/>
+            </a:schemeClr>
+          </a:lnRef>
+          <a:fillRef idx="1">
+            <a:schemeClr val="accent1"/>
+          </a:fillRef>
+          <a:effectRef idx="0">
+            <a:schemeClr val="accent1"/>
+          </a:effectRef>
+          <a:fontRef idx="minor">
+            <a:schemeClr val="lt1"/>
+          </a:fontRef>
+        </p:style>
+        <p:txBody>
+          <a:bodyPr rtlCol="0" anchor="ctr"/>
+          <a:lstStyle/>
+          <a:p>
+            <a:pPr algn="ctr"/>
+            <a:endParaRPr lang="zh-CN" altLang="en-US"/>
+          </a:p>
+        </p:txBody>
+      </p:sp>
+      <p:sp>
+        <p:nvSpPr>
+          <p:cNvPr id="8" name="椭圆 7"/>
+          <p:cNvSpPr/>
+          <p:nvPr/>
+        </p:nvSpPr>
+        <p:spPr>
+          <a:xfrm>
+            <a:off x="1536821" y="1827375"/>
+            <a:ext cx="51274" cy="68366"/>
+          </a:xfrm>
+          <a:prstGeom prst="ellipse">
+            <a:avLst/>
+          </a:prstGeom>
+          <a:solidFill>
+            <a:srgbClr val="FF0000"/>
+          </a:solidFill>
+          <a:ln>
+            <a:solidFill>
+              <a:srgbClr val="FF0000"/>
+            </a:solidFill>
+          </a:ln>
+        </p:spPr>
+        <p:style>
+          <a:lnRef idx="2">
+            <a:schemeClr val="accent1">
+              <a:shade val="50000"/>
+            </a:schemeClr>
+          </a:lnRef>
+          <a:fillRef idx="1">
+            <a:schemeClr val="accent1"/>
+          </a:fillRef>
+          <a:effectRef idx="0">
+            <a:schemeClr val="accent1"/>
+          </a:effectRef>
+          <a:fontRef idx="minor">
+            <a:schemeClr val="lt1"/>
+          </a:fontRef>
+        </p:style>
+        <p:txBody>
+          <a:bodyPr rtlCol="0" anchor="ctr"/>
+          <a:lstStyle/>
+          <a:p>
+            <a:pPr algn="ctr"/>
+            <a:endParaRPr lang="zh-CN" altLang="en-US"/>
+          </a:p>
+        </p:txBody>
+      </p:sp>
+      <p:sp>
+        <p:nvSpPr>
+          <p:cNvPr id="9" name="椭圆 8"/>
+          <p:cNvSpPr/>
+          <p:nvPr/>
+        </p:nvSpPr>
+        <p:spPr>
+          <a:xfrm>
+            <a:off x="1536821" y="2041020"/>
+            <a:ext cx="51274" cy="68366"/>
+          </a:xfrm>
+          <a:prstGeom prst="ellipse">
+            <a:avLst/>
+          </a:prstGeom>
+          <a:solidFill>
+            <a:srgbClr val="FF0000"/>
+          </a:solidFill>
+          <a:ln>
+            <a:solidFill>
+              <a:srgbClr val="FF0000"/>
+            </a:solidFill>
+          </a:ln>
+        </p:spPr>
+        <p:style>
+          <a:lnRef idx="2">
+            <a:schemeClr val="accent1">
+              <a:shade val="50000"/>
+            </a:schemeClr>
+          </a:lnRef>
+          <a:fillRef idx="1">
+            <a:schemeClr val="accent1"/>
+          </a:fillRef>
+          <a:effectRef idx="0">
+            <a:schemeClr val="accent1"/>
+          </a:effectRef>
+          <a:fontRef idx="minor">
+            <a:schemeClr val="lt1"/>
+          </a:fontRef>
+        </p:style>
+        <p:txBody>
+          <a:bodyPr rtlCol="0" anchor="ctr"/>
+          <a:lstStyle/>
+          <a:p>
+            <a:pPr algn="ctr"/>
+            <a:endParaRPr lang="zh-CN" altLang="en-US"/>
+          </a:p>
+        </p:txBody>
+      </p:sp>
+      <p:sp>
+        <p:nvSpPr>
+          <p:cNvPr id="10" name="椭圆 9"/>
+          <p:cNvSpPr/>
+          <p:nvPr/>
+        </p:nvSpPr>
+        <p:spPr>
+          <a:xfrm>
+            <a:off x="1519729" y="3451076"/>
+            <a:ext cx="51274" cy="68366"/>
+          </a:xfrm>
+          <a:prstGeom prst="ellipse">
+            <a:avLst/>
+          </a:prstGeom>
+          <a:solidFill>
+            <a:srgbClr val="FF0000"/>
+          </a:solidFill>
+          <a:ln>
+            <a:solidFill>
+              <a:srgbClr val="FF0000"/>
+            </a:solidFill>
+          </a:ln>
+        </p:spPr>
+        <p:style>
+          <a:lnRef idx="2">
+            <a:schemeClr val="accent1">
+              <a:shade val="50000"/>
+            </a:schemeClr>
+          </a:lnRef>
+          <a:fillRef idx="1">
+            <a:schemeClr val="accent1"/>
+          </a:fillRef>
+          <a:effectRef idx="0">
+            <a:schemeClr val="accent1"/>
+          </a:effectRef>
+          <a:fontRef idx="minor">
+            <a:schemeClr val="lt1"/>
+          </a:fontRef>
+        </p:style>
+        <p:txBody>
+          <a:bodyPr rtlCol="0" anchor="ctr"/>
+          <a:lstStyle/>
+          <a:p>
+            <a:pPr algn="ctr"/>
+            <a:endParaRPr lang="zh-CN" altLang="en-US"/>
+          </a:p>
+        </p:txBody>
+      </p:sp>
+      <p:sp>
+        <p:nvSpPr>
+          <p:cNvPr id="11" name="椭圆 10"/>
+          <p:cNvSpPr/>
+          <p:nvPr/>
+        </p:nvSpPr>
+        <p:spPr>
+          <a:xfrm>
+            <a:off x="1528274" y="3861274"/>
+            <a:ext cx="51274" cy="68366"/>
+          </a:xfrm>
+          <a:prstGeom prst="ellipse">
+            <a:avLst/>
+          </a:prstGeom>
+          <a:solidFill>
+            <a:srgbClr val="FF0000"/>
+          </a:solidFill>
+          <a:ln>
+            <a:solidFill>
+              <a:srgbClr val="FF0000"/>
+            </a:solidFill>
+          </a:ln>
+        </p:spPr>
+        <p:style>
+          <a:lnRef idx="2">
+            <a:schemeClr val="accent1">
+              <a:shade val="50000"/>
+            </a:schemeClr>
+          </a:lnRef>
+          <a:fillRef idx="1">
+            <a:schemeClr val="accent1"/>
+          </a:fillRef>
+          <a:effectRef idx="0">
+            <a:schemeClr val="accent1"/>
+          </a:effectRef>
+          <a:fontRef idx="minor">
+            <a:schemeClr val="lt1"/>
+          </a:fontRef>
+        </p:style>
+        <p:txBody>
+          <a:bodyPr rtlCol="0" anchor="ctr"/>
+          <a:lstStyle/>
+          <a:p>
+            <a:pPr algn="ctr"/>
+            <a:endParaRPr lang="zh-CN" altLang="en-US"/>
+          </a:p>
+        </p:txBody>
+      </p:sp>
+      <p:sp>
+        <p:nvSpPr>
+          <p:cNvPr id="12" name="椭圆 11"/>
+          <p:cNvSpPr/>
+          <p:nvPr/>
+        </p:nvSpPr>
+        <p:spPr>
+          <a:xfrm>
+            <a:off x="1519729" y="4074919"/>
+            <a:ext cx="51274" cy="68366"/>
+          </a:xfrm>
+          <a:prstGeom prst="ellipse">
+            <a:avLst/>
+          </a:prstGeom>
+          <a:solidFill>
+            <a:srgbClr val="FF0000"/>
+          </a:solidFill>
+          <a:ln>
+            <a:solidFill>
+              <a:srgbClr val="FF0000"/>
+            </a:solidFill>
+          </a:ln>
+        </p:spPr>
+        <p:style>
+          <a:lnRef idx="2">
+            <a:schemeClr val="accent1">
+              <a:shade val="50000"/>
+            </a:schemeClr>
+          </a:lnRef>
+          <a:fillRef idx="1">
+            <a:schemeClr val="accent1"/>
+          </a:fillRef>
+          <a:effectRef idx="0">
+            <a:schemeClr val="accent1"/>
+          </a:effectRef>
+          <a:fontRef idx="minor">
+            <a:schemeClr val="lt1"/>
+          </a:fontRef>
+        </p:style>
+        <p:txBody>
+          <a:bodyPr rtlCol="0" anchor="ctr"/>
+          <a:lstStyle/>
+          <a:p>
+            <a:pPr algn="ctr"/>
+            <a:endParaRPr lang="zh-CN" altLang="en-US"/>
+          </a:p>
+        </p:txBody>
+      </p:sp>
+    </p:spTree>
+    <p:extLst>
+      <p:ext uri="{BB962C8B-B14F-4D97-AF65-F5344CB8AC3E}">
+        <p14:creationId xmlns:p14="http://schemas.microsoft.com/office/powerpoint/2010/main" val="2851730794"/>
+      </p:ext>
+    </p:extLst>
+  </p:cSld>
+  <p:clrMapOvr>
+    <a:masterClrMapping/>
+  </p:clrMapOvr>
+  <mc:AlternateContent xmlns:mc="http://schemas.openxmlformats.org/markup-compatibility/2006" xmlns:p14="http://schemas.microsoft.com/office/powerpoint/2010/main">
+    <mc:Choice Requires="p14">
+      <p:transition spd="med" p14:dur="700">
+        <p:fade/>
+      </p:transition>
+    </mc:Choice>
+    <mc:Fallback xmlns="">
+      <p:transition spd="med">
+        <p:fade/>
+      </p:transition>
+    </mc:Fallback>
+  </mc:AlternateContent>
+</p:sld>
+</file>
+
+<file path=ppt/slides/slide23.xml><?xml version="1.0" encoding="utf-8"?>
+<p:sld xmlns:a="http://schemas.openxmlformats.org/drawingml/2006/main" xmlns:r="http://schemas.openxmlformats.org/officeDocument/2006/relationships" xmlns:p="http://schemas.openxmlformats.org/presentationml/2006/main">
+  <p:cSld>
+    <p:spTree>
+      <p:nvGrpSpPr>
+        <p:cNvPr id="1" name=""/>
+        <p:cNvGrpSpPr/>
+        <p:nvPr/>
+      </p:nvGrpSpPr>
+      <p:grpSpPr>
+        <a:xfrm>
+          <a:off x="0" y="0"/>
+          <a:ext cx="0" cy="0"/>
+          <a:chOff x="0" y="0"/>
+          <a:chExt cx="0" cy="0"/>
+        </a:xfrm>
+      </p:grpSpPr>
+      <p:sp>
+        <p:nvSpPr>
+          <p:cNvPr id="2" name="标题 1"/>
+          <p:cNvSpPr>
+            <a:spLocks noGrp="1"/>
+          </p:cNvSpPr>
+          <p:nvPr>
+            <p:ph type="title"/>
+          </p:nvPr>
+        </p:nvSpPr>
+        <p:spPr/>
+        <p:txBody>
+          <a:bodyPr/>
+          <a:lstStyle/>
+          <a:p>
+            <a:r>
+              <a:rPr lang="en-US" altLang="zh-CN" dirty="0"/>
+              <a:t>9.4 Basic Blocks and Flow </a:t>
+            </a:r>
+            <a:r>
+              <a:rPr lang="en-US" altLang="zh-CN" dirty="0" smtClean="0"/>
+              <a:t>Graphs-Next-Use Information</a:t>
+            </a:r>
+            <a:endParaRPr lang="zh-CN" altLang="en-US" dirty="0"/>
+          </a:p>
+        </p:txBody>
+      </p:sp>
+      <p:pic>
+        <p:nvPicPr>
+          <p:cNvPr id="4" name="图片 3"/>
+          <p:cNvPicPr>
+            <a:picLocks noChangeAspect="1"/>
+          </p:cNvPicPr>
+          <p:nvPr/>
+        </p:nvPicPr>
+        <p:blipFill>
+          <a:blip r:embed="rId2"/>
+          <a:stretch>
+            <a:fillRect/>
+          </a:stretch>
+        </p:blipFill>
+        <p:spPr>
+          <a:xfrm>
+            <a:off x="725487" y="1348190"/>
+            <a:ext cx="7590476" cy="2161905"/>
+          </a:xfrm>
+          <a:prstGeom prst="rect">
+            <a:avLst/>
+          </a:prstGeom>
+        </p:spPr>
+      </p:pic>
+      <p:pic>
+        <p:nvPicPr>
+          <p:cNvPr id="5" name="图片 4"/>
+          <p:cNvPicPr>
+            <a:picLocks noChangeAspect="1"/>
+          </p:cNvPicPr>
+          <p:nvPr/>
+        </p:nvPicPr>
+        <p:blipFill>
+          <a:blip r:embed="rId3"/>
+          <a:stretch>
+            <a:fillRect/>
+          </a:stretch>
+        </p:blipFill>
+        <p:spPr>
+          <a:xfrm>
+            <a:off x="819619" y="3547487"/>
+            <a:ext cx="7504762" cy="771429"/>
+          </a:xfrm>
+          <a:prstGeom prst="rect">
+            <a:avLst/>
+          </a:prstGeom>
+        </p:spPr>
+      </p:pic>
+    </p:spTree>
+    <p:extLst>
+      <p:ext uri="{BB962C8B-B14F-4D97-AF65-F5344CB8AC3E}">
+        <p14:creationId xmlns:p14="http://schemas.microsoft.com/office/powerpoint/2010/main" val="3433468780"/>
+      </p:ext>
+    </p:extLst>
+  </p:cSld>
+  <p:clrMapOvr>
+    <a:masterClrMapping/>
+  </p:clrMapOvr>
+  <mc:AlternateContent xmlns:mc="http://schemas.openxmlformats.org/markup-compatibility/2006" xmlns:p14="http://schemas.microsoft.com/office/powerpoint/2010/main">
+    <mc:Choice Requires="p14">
+      <p:transition spd="med" p14:dur="700">
+        <p:fade/>
+      </p:transition>
+    </mc:Choice>
+    <mc:Fallback xmlns="">
+      <p:transition spd="med">
+        <p:fade/>
+      </p:transition>
+    </mc:Fallback>
+  </mc:AlternateContent>
+</p:sld>
+</file>
+
+<file path=ppt/slides/slide24.xml><?xml version="1.0" encoding="utf-8"?>
+<p:sld xmlns:a="http://schemas.openxmlformats.org/drawingml/2006/main" xmlns:r="http://schemas.openxmlformats.org/officeDocument/2006/relationships" xmlns:p="http://schemas.openxmlformats.org/presentationml/2006/main">
+  <p:cSld>
+    <p:spTree>
+      <p:nvGrpSpPr>
+        <p:cNvPr id="1" name=""/>
+        <p:cNvGrpSpPr/>
+        <p:nvPr/>
+      </p:nvGrpSpPr>
+      <p:grpSpPr>
+        <a:xfrm>
+          <a:off x="0" y="0"/>
+          <a:ext cx="0" cy="0"/>
+          <a:chOff x="0" y="0"/>
+          <a:chExt cx="0" cy="0"/>
+        </a:xfrm>
+      </p:grpSpPr>
+      <p:sp>
+        <p:nvSpPr>
+          <p:cNvPr id="2" name="标题 1"/>
+          <p:cNvSpPr>
+            <a:spLocks noGrp="1"/>
+          </p:cNvSpPr>
+          <p:nvPr>
+            <p:ph type="title"/>
+          </p:nvPr>
+        </p:nvSpPr>
+        <p:spPr/>
+        <p:txBody>
+          <a:bodyPr/>
+          <a:lstStyle/>
+          <a:p>
+            <a:r>
+              <a:rPr lang="en-US" altLang="zh-CN" dirty="0"/>
+              <a:t>9.4 Basic Blocks and Flow </a:t>
+            </a:r>
+            <a:r>
+              <a:rPr lang="en-US" altLang="zh-CN" dirty="0" smtClean="0"/>
+              <a:t>Graphs-Next-Use Information</a:t>
+            </a:r>
+            <a:endParaRPr lang="zh-CN" altLang="en-US" dirty="0"/>
+          </a:p>
+        </p:txBody>
+      </p:sp>
+      <p:pic>
+        <p:nvPicPr>
+          <p:cNvPr id="3" name="图片 2"/>
+          <p:cNvPicPr>
+            <a:picLocks noChangeAspect="1"/>
+          </p:cNvPicPr>
+          <p:nvPr/>
+        </p:nvPicPr>
+        <p:blipFill>
+          <a:blip r:embed="rId2"/>
+          <a:stretch>
+            <a:fillRect/>
+          </a:stretch>
+        </p:blipFill>
+        <p:spPr>
+          <a:xfrm>
+            <a:off x="799121" y="1733906"/>
+            <a:ext cx="7562850" cy="4381500"/>
+          </a:xfrm>
+          <a:prstGeom prst="rect">
+            <a:avLst/>
+          </a:prstGeom>
+        </p:spPr>
+      </p:pic>
+    </p:spTree>
+    <p:extLst>
+      <p:ext uri="{BB962C8B-B14F-4D97-AF65-F5344CB8AC3E}">
+        <p14:creationId xmlns:p14="http://schemas.microsoft.com/office/powerpoint/2010/main" val="2690227964"/>
+      </p:ext>
+    </p:extLst>
+  </p:cSld>
+  <p:clrMapOvr>
+    <a:masterClrMapping/>
+  </p:clrMapOvr>
+  <mc:AlternateContent xmlns:mc="http://schemas.openxmlformats.org/markup-compatibility/2006" xmlns:p14="http://schemas.microsoft.com/office/powerpoint/2010/main">
+    <mc:Choice Requires="p14">
+      <p:transition spd="med" p14:dur="700">
+        <p:fade/>
+      </p:transition>
+    </mc:Choice>
+    <mc:Fallback xmlns="">
+      <p:transition spd="med">
+        <p:fade/>
+      </p:transition>
+    </mc:Fallback>
+  </mc:AlternateContent>
+</p:sld>
+</file>
+
+<file path=ppt/slides/slide25.xml><?xml version="1.0" encoding="utf-8"?>
+<p:sld xmlns:a="http://schemas.openxmlformats.org/drawingml/2006/main" xmlns:r="http://schemas.openxmlformats.org/officeDocument/2006/relationships" xmlns:p="http://schemas.openxmlformats.org/presentationml/2006/main">
+  <p:cSld>
+    <p:spTree>
+      <p:nvGrpSpPr>
+        <p:cNvPr id="1" name=""/>
+        <p:cNvGrpSpPr/>
+        <p:nvPr/>
+      </p:nvGrpSpPr>
+      <p:grpSpPr>
+        <a:xfrm>
+          <a:off x="0" y="0"/>
+          <a:ext cx="0" cy="0"/>
+          <a:chOff x="0" y="0"/>
+          <a:chExt cx="0" cy="0"/>
+        </a:xfrm>
+      </p:grpSpPr>
+      <p:sp>
+        <p:nvSpPr>
+          <p:cNvPr id="2" name="标题 1"/>
+          <p:cNvSpPr>
+            <a:spLocks noGrp="1"/>
+          </p:cNvSpPr>
+          <p:nvPr>
+            <p:ph type="title"/>
+          </p:nvPr>
+        </p:nvSpPr>
+        <p:spPr/>
+        <p:txBody>
+          <a:bodyPr/>
+          <a:lstStyle/>
+          <a:p>
+            <a:r>
+              <a:rPr lang="en-US" altLang="zh-CN" dirty="0"/>
+              <a:t>9.4 Basic Blocks and Flow </a:t>
+            </a:r>
+            <a:r>
+              <a:rPr lang="en-US" altLang="zh-CN" dirty="0" smtClean="0"/>
+              <a:t>Graphs-Flow Graphs</a:t>
+            </a:r>
+            <a:endParaRPr lang="zh-CN" altLang="en-US" dirty="0"/>
+          </a:p>
+        </p:txBody>
+      </p:sp>
+      <p:sp>
+        <p:nvSpPr>
+          <p:cNvPr id="3" name="内容占位符 2"/>
+          <p:cNvSpPr>
+            <a:spLocks noGrp="1"/>
+          </p:cNvSpPr>
+          <p:nvPr>
+            <p:ph idx="1"/>
+          </p:nvPr>
+        </p:nvSpPr>
+        <p:spPr/>
+        <p:txBody>
+          <a:bodyPr/>
+          <a:lstStyle/>
+          <a:p>
+            <a:endParaRPr lang="zh-CN" altLang="en-US"/>
+          </a:p>
+        </p:txBody>
+      </p:sp>
+      <p:pic>
+        <p:nvPicPr>
+          <p:cNvPr id="4" name="图片 3"/>
+          <p:cNvPicPr>
+            <a:picLocks noChangeAspect="1"/>
+          </p:cNvPicPr>
+          <p:nvPr/>
+        </p:nvPicPr>
+        <p:blipFill>
+          <a:blip r:embed="rId2"/>
+          <a:stretch>
+            <a:fillRect/>
+          </a:stretch>
+        </p:blipFill>
+        <p:spPr>
+          <a:xfrm>
+            <a:off x="724253" y="1400476"/>
+            <a:ext cx="7780952" cy="3390476"/>
+          </a:xfrm>
+          <a:prstGeom prst="rect">
+            <a:avLst/>
+          </a:prstGeom>
+        </p:spPr>
+      </p:pic>
+    </p:spTree>
+    <p:extLst>
+      <p:ext uri="{BB962C8B-B14F-4D97-AF65-F5344CB8AC3E}">
+        <p14:creationId xmlns:p14="http://schemas.microsoft.com/office/powerpoint/2010/main" val="3920547669"/>
+      </p:ext>
+    </p:extLst>
+  </p:cSld>
+  <p:clrMapOvr>
+    <a:masterClrMapping/>
+  </p:clrMapOvr>
+  <mc:AlternateContent xmlns:mc="http://schemas.openxmlformats.org/markup-compatibility/2006" xmlns:p14="http://schemas.microsoft.com/office/powerpoint/2010/main">
+    <mc:Choice Requires="p14">
+      <p:transition spd="med" p14:dur="700">
+        <p:fade/>
+      </p:transition>
+    </mc:Choice>
+    <mc:Fallback xmlns="">
+      <p:transition spd="med">
+        <p:fade/>
+      </p:transition>
+    </mc:Fallback>
+  </mc:AlternateContent>
+</p:sld>
+</file>
+
+<file path=ppt/slides/slide26.xml><?xml version="1.0" encoding="utf-8"?>
+<p:sld xmlns:a="http://schemas.openxmlformats.org/drawingml/2006/main" xmlns:r="http://schemas.openxmlformats.org/officeDocument/2006/relationships" xmlns:p="http://schemas.openxmlformats.org/presentationml/2006/main">
+  <p:cSld>
+    <p:spTree>
+      <p:nvGrpSpPr>
+        <p:cNvPr id="1" name=""/>
+        <p:cNvGrpSpPr/>
+        <p:nvPr/>
+      </p:nvGrpSpPr>
+      <p:grpSpPr>
+        <a:xfrm>
+          <a:off x="0" y="0"/>
+          <a:ext cx="0" cy="0"/>
+          <a:chOff x="0" y="0"/>
+          <a:chExt cx="0" cy="0"/>
+        </a:xfrm>
+      </p:grpSpPr>
+      <p:sp>
+        <p:nvSpPr>
+          <p:cNvPr id="2" name="标题 1"/>
+          <p:cNvSpPr>
+            <a:spLocks noGrp="1"/>
+          </p:cNvSpPr>
+          <p:nvPr>
+            <p:ph type="title"/>
+          </p:nvPr>
+        </p:nvSpPr>
+        <p:spPr/>
+        <p:txBody>
+          <a:bodyPr/>
+          <a:lstStyle/>
+          <a:p>
+            <a:r>
+              <a:rPr lang="en-US" altLang="zh-CN" dirty="0"/>
+              <a:t>9.4 Basic Blocks and Flow </a:t>
+            </a:r>
+            <a:r>
+              <a:rPr lang="en-US" altLang="zh-CN" dirty="0" smtClean="0"/>
+              <a:t>Graphs-Flow Graphs</a:t>
+            </a:r>
+            <a:endParaRPr lang="zh-CN" altLang="en-US" dirty="0"/>
+          </a:p>
+        </p:txBody>
+      </p:sp>
+      <p:pic>
+        <p:nvPicPr>
+          <p:cNvPr id="5" name="图片 4"/>
+          <p:cNvPicPr>
+            <a:picLocks noChangeAspect="1"/>
+          </p:cNvPicPr>
+          <p:nvPr/>
+        </p:nvPicPr>
+        <p:blipFill>
+          <a:blip r:embed="rId2"/>
+          <a:stretch>
+            <a:fillRect/>
+          </a:stretch>
+        </p:blipFill>
+        <p:spPr>
+          <a:xfrm>
+            <a:off x="321848" y="1663760"/>
+            <a:ext cx="4752835" cy="3814095"/>
+          </a:xfrm>
+          <a:prstGeom prst="rect">
+            <a:avLst/>
+          </a:prstGeom>
+        </p:spPr>
+      </p:pic>
+      <p:pic>
+        <p:nvPicPr>
+          <p:cNvPr id="6" name="图片 5"/>
+          <p:cNvPicPr>
+            <a:picLocks noChangeAspect="1"/>
+          </p:cNvPicPr>
+          <p:nvPr/>
+        </p:nvPicPr>
+        <p:blipFill>
+          <a:blip r:embed="rId3"/>
+          <a:stretch>
+            <a:fillRect/>
+          </a:stretch>
+        </p:blipFill>
+        <p:spPr>
+          <a:xfrm>
+            <a:off x="5562571" y="1468917"/>
+            <a:ext cx="2803761" cy="4765241"/>
+          </a:xfrm>
+          <a:prstGeom prst="rect">
+            <a:avLst/>
+          </a:prstGeom>
+        </p:spPr>
+      </p:pic>
+      <p:sp>
+        <p:nvSpPr>
+          <p:cNvPr id="7" name="右箭头 6"/>
+          <p:cNvSpPr/>
+          <p:nvPr/>
+        </p:nvSpPr>
+        <p:spPr>
+          <a:xfrm>
+            <a:off x="4862557" y="2991028"/>
+            <a:ext cx="461473" cy="401652"/>
+          </a:xfrm>
+          <a:prstGeom prst="rightArrow">
+            <a:avLst/>
+          </a:prstGeom>
+        </p:spPr>
+        <p:style>
+          <a:lnRef idx="2">
+            <a:schemeClr val="accent1">
+              <a:shade val="50000"/>
+            </a:schemeClr>
+          </a:lnRef>
+          <a:fillRef idx="1">
+            <a:schemeClr val="accent1"/>
+          </a:fillRef>
+          <a:effectRef idx="0">
+            <a:schemeClr val="accent1"/>
+          </a:effectRef>
+          <a:fontRef idx="minor">
+            <a:schemeClr val="lt1"/>
+          </a:fontRef>
+        </p:style>
+        <p:txBody>
+          <a:bodyPr rtlCol="0" anchor="ctr"/>
+          <a:lstStyle/>
+          <a:p>
+            <a:pPr algn="ctr"/>
+            <a:endParaRPr lang="zh-CN" altLang="en-US"/>
+          </a:p>
+        </p:txBody>
+      </p:sp>
+    </p:spTree>
+    <p:extLst>
+      <p:ext uri="{BB962C8B-B14F-4D97-AF65-F5344CB8AC3E}">
+        <p14:creationId xmlns:p14="http://schemas.microsoft.com/office/powerpoint/2010/main" val="2964763127"/>
+      </p:ext>
+    </p:extLst>
+  </p:cSld>
+  <p:clrMapOvr>
+    <a:masterClrMapping/>
+  </p:clrMapOvr>
+  <mc:AlternateContent xmlns:mc="http://schemas.openxmlformats.org/markup-compatibility/2006" xmlns:p14="http://schemas.microsoft.com/office/powerpoint/2010/main">
+    <mc:Choice Requires="p14">
+      <p:transition spd="med" p14:dur="700">
+        <p:fade/>
+      </p:transition>
+    </mc:Choice>
+    <mc:Fallback xmlns="">
+      <p:transition spd="med">
+        <p:fade/>
+      </p:transition>
+    </mc:Fallback>
+  </mc:AlternateContent>
+</p:sld>
+</file>
+
+<file path=ppt/slides/slide27.xml><?xml version="1.0" encoding="utf-8"?>
+<p:sld xmlns:a="http://schemas.openxmlformats.org/drawingml/2006/main" xmlns:r="http://schemas.openxmlformats.org/officeDocument/2006/relationships" xmlns:p="http://schemas.openxmlformats.org/presentationml/2006/main">
+  <p:cSld>
+    <p:spTree>
+      <p:nvGrpSpPr>
+        <p:cNvPr id="1" name=""/>
+        <p:cNvGrpSpPr/>
+        <p:nvPr/>
+      </p:nvGrpSpPr>
+      <p:grpSpPr>
+        <a:xfrm>
+          <a:off x="0" y="0"/>
+          <a:ext cx="0" cy="0"/>
+          <a:chOff x="0" y="0"/>
+          <a:chExt cx="0" cy="0"/>
+        </a:xfrm>
+      </p:grpSpPr>
+      <p:sp>
+        <p:nvSpPr>
+          <p:cNvPr id="2" name="标题 1"/>
+          <p:cNvSpPr>
+            <a:spLocks noGrp="1"/>
+          </p:cNvSpPr>
+          <p:nvPr>
+            <p:ph type="title"/>
+          </p:nvPr>
+        </p:nvSpPr>
+        <p:spPr/>
+        <p:txBody>
+          <a:bodyPr/>
+          <a:lstStyle/>
+          <a:p>
+            <a:endParaRPr lang="zh-CN" altLang="en-US" dirty="0"/>
+          </a:p>
+        </p:txBody>
+      </p:sp>
+      <p:sp>
+        <p:nvSpPr>
+          <p:cNvPr id="3" name="内容占位符 2"/>
+          <p:cNvSpPr>
+            <a:spLocks noGrp="1"/>
+          </p:cNvSpPr>
+          <p:nvPr>
+            <p:ph idx="1"/>
+          </p:nvPr>
+        </p:nvSpPr>
+        <p:spPr>
+          <a:xfrm>
+            <a:off x="956862" y="2087311"/>
+            <a:ext cx="7204372" cy="1578835"/>
+          </a:xfrm>
+        </p:spPr>
+        <p:txBody>
+          <a:bodyPr/>
+          <a:lstStyle/>
+          <a:p>
+            <a:pPr marL="0" indent="0">
+              <a:buNone/>
+            </a:pPr>
+            <a:r>
+              <a:rPr lang="en-US" altLang="zh-CN" sz="2400" dirty="0" smtClean="0"/>
+              <a:t>The rest content in this chapter is related to Code Optimization, which is out of the scope in this 48-instruction-hour course. If you interested in that content, please read it by yourselves.</a:t>
+            </a:r>
+          </a:p>
+          <a:p>
+            <a:pPr marL="0" indent="0">
+              <a:buNone/>
+            </a:pPr>
+            <a:endParaRPr lang="en-US" altLang="zh-CN" dirty="0" smtClean="0"/>
+          </a:p>
+        </p:txBody>
+      </p:sp>
+      <p:sp>
+        <p:nvSpPr>
+          <p:cNvPr id="4" name="内容占位符 2"/>
+          <p:cNvSpPr txBox="1">
+            <a:spLocks/>
+          </p:cNvSpPr>
+          <p:nvPr/>
+        </p:nvSpPr>
+        <p:spPr>
+          <a:xfrm>
+            <a:off x="6518749" y="5059823"/>
+            <a:ext cx="1104100" cy="426577"/>
+          </a:xfrm>
+          <a:prstGeom prst="rect">
+            <a:avLst/>
+          </a:prstGeom>
+        </p:spPr>
+        <p:txBody>
+          <a:bodyPr vert="horz" lIns="0" tIns="45720" rIns="0" bIns="45720" rtlCol="0">
+            <a:normAutofit/>
+          </a:bodyPr>
+          <a:lstStyle>
+            <a:lvl1pPr marL="171450" indent="-171450" algn="l" defTabSz="685800" rtl="0" eaLnBrk="1" latinLnBrk="0" hangingPunct="1">
+              <a:lnSpc>
+                <a:spcPct val="90000"/>
+              </a:lnSpc>
+              <a:spcBef>
+                <a:spcPts val="1350"/>
+              </a:spcBef>
+              <a:buFont typeface="Wingdings" panose="05000000000000000000" pitchFamily="2" charset="2"/>
+              <a:buChar char="§"/>
+              <a:defRPr sz="1500" kern="1200">
+                <a:solidFill>
+                  <a:schemeClr val="tx1"/>
+                </a:solidFill>
+                <a:latin typeface="微软雅黑" panose="020B0503020204020204" pitchFamily="34" charset="-122"/>
+                <a:ea typeface="微软雅黑" panose="020B0503020204020204" pitchFamily="34" charset="-122"/>
+                <a:cs typeface="+mn-cs"/>
+              </a:defRPr>
+            </a:lvl1pPr>
+            <a:lvl2pPr marL="514350" indent="-171450" algn="l" defTabSz="685800" rtl="0" eaLnBrk="1" latinLnBrk="0" hangingPunct="1">
+              <a:lnSpc>
+                <a:spcPct val="90000"/>
+              </a:lnSpc>
+              <a:spcBef>
+                <a:spcPts val="450"/>
+              </a:spcBef>
+              <a:buFont typeface="Wingdings" panose="05000000000000000000" pitchFamily="2" charset="2"/>
+              <a:buChar char="§"/>
+              <a:defRPr sz="1200" kern="1200">
+                <a:solidFill>
+                  <a:schemeClr val="tx1"/>
+                </a:solidFill>
+                <a:latin typeface="微软雅黑" panose="020B0503020204020204" pitchFamily="34" charset="-122"/>
+                <a:ea typeface="微软雅黑" panose="020B0503020204020204" pitchFamily="34" charset="-122"/>
+                <a:cs typeface="+mn-cs"/>
+              </a:defRPr>
+            </a:lvl2pPr>
+            <a:lvl3pPr marL="857250" indent="-171450" algn="l" defTabSz="685800" rtl="0" eaLnBrk="1" latinLnBrk="0" hangingPunct="1">
+              <a:lnSpc>
+                <a:spcPct val="90000"/>
+              </a:lnSpc>
+              <a:spcBef>
+                <a:spcPts val="450"/>
+              </a:spcBef>
+              <a:buFont typeface="Wingdings" panose="05000000000000000000" pitchFamily="2" charset="2"/>
+              <a:buChar char="§"/>
+              <a:defRPr sz="1050" kern="1200">
+                <a:solidFill>
+                  <a:schemeClr val="tx1"/>
+                </a:solidFill>
+                <a:latin typeface="微软雅黑" panose="020B0503020204020204" pitchFamily="34" charset="-122"/>
+                <a:ea typeface="微软雅黑" panose="020B0503020204020204" pitchFamily="34" charset="-122"/>
+                <a:cs typeface="+mn-cs"/>
+              </a:defRPr>
+            </a:lvl3pPr>
+            <a:lvl4pPr marL="1200150" indent="-171450" algn="l" defTabSz="685800" rtl="0" eaLnBrk="1" latinLnBrk="0" hangingPunct="1">
+              <a:lnSpc>
+                <a:spcPct val="90000"/>
+              </a:lnSpc>
+              <a:spcBef>
+                <a:spcPts val="450"/>
+              </a:spcBef>
+              <a:buFont typeface="Wingdings" panose="05000000000000000000" pitchFamily="2" charset="2"/>
+              <a:buChar char="§"/>
+              <a:defRPr sz="1050" kern="1200">
+                <a:solidFill>
+                  <a:schemeClr val="tx1"/>
+                </a:solidFill>
+                <a:latin typeface="微软雅黑" panose="020B0503020204020204" pitchFamily="34" charset="-122"/>
+                <a:ea typeface="微软雅黑" panose="020B0503020204020204" pitchFamily="34" charset="-122"/>
+                <a:cs typeface="+mn-cs"/>
+              </a:defRPr>
+            </a:lvl4pPr>
+            <a:lvl5pPr marL="1543050" indent="-171450" algn="l" defTabSz="685800" rtl="0" eaLnBrk="1" latinLnBrk="0" hangingPunct="1">
+              <a:lnSpc>
+                <a:spcPct val="90000"/>
+              </a:lnSpc>
+              <a:spcBef>
+                <a:spcPts val="450"/>
+              </a:spcBef>
+              <a:buFont typeface="Wingdings" panose="05000000000000000000" pitchFamily="2" charset="2"/>
+              <a:buChar char="§"/>
+              <a:defRPr sz="1050" kern="1200">
+                <a:solidFill>
+                  <a:schemeClr val="tx1"/>
+                </a:solidFill>
+                <a:latin typeface="微软雅黑" panose="020B0503020204020204" pitchFamily="34" charset="-122"/>
+                <a:ea typeface="微软雅黑" panose="020B0503020204020204" pitchFamily="34" charset="-122"/>
+                <a:cs typeface="+mn-cs"/>
+              </a:defRPr>
+            </a:lvl5pPr>
+            <a:lvl6pPr marL="1885950" indent="-171450" algn="l" defTabSz="685800" rtl="0" eaLnBrk="1" latinLnBrk="0" hangingPunct="1">
+              <a:lnSpc>
+                <a:spcPct val="90000"/>
+              </a:lnSpc>
+              <a:spcBef>
+                <a:spcPts val="375"/>
+              </a:spcBef>
+              <a:buFont typeface="Wingdings" panose="05000000000000000000" pitchFamily="2" charset="2"/>
+              <a:buChar char="§"/>
+              <a:defRPr sz="1050" kern="1200">
+                <a:solidFill>
+                  <a:schemeClr val="tx1"/>
+                </a:solidFill>
+                <a:latin typeface="微软雅黑" panose="020B0503020204020204" pitchFamily="34" charset="-122"/>
+                <a:ea typeface="微软雅黑" panose="020B0503020204020204" pitchFamily="34" charset="-122"/>
+                <a:cs typeface="+mn-cs"/>
+              </a:defRPr>
+            </a:lvl6pPr>
+            <a:lvl7pPr marL="2228850" indent="-171450" algn="l" defTabSz="685800" rtl="0" eaLnBrk="1" latinLnBrk="0" hangingPunct="1">
+              <a:lnSpc>
+                <a:spcPct val="90000"/>
+              </a:lnSpc>
+              <a:spcBef>
+                <a:spcPts val="375"/>
+              </a:spcBef>
+              <a:buFont typeface="Wingdings" panose="05000000000000000000" pitchFamily="2" charset="2"/>
+              <a:buChar char="§"/>
+              <a:defRPr sz="1050" kern="1200">
+                <a:solidFill>
+                  <a:schemeClr val="tx1"/>
+                </a:solidFill>
+                <a:latin typeface="微软雅黑" panose="020B0503020204020204" pitchFamily="34" charset="-122"/>
+                <a:ea typeface="微软雅黑" panose="020B0503020204020204" pitchFamily="34" charset="-122"/>
+                <a:cs typeface="+mn-cs"/>
+              </a:defRPr>
+            </a:lvl7pPr>
+            <a:lvl8pPr marL="2571750" indent="-171450" algn="l" defTabSz="685800" rtl="0" eaLnBrk="1" latinLnBrk="0" hangingPunct="1">
+              <a:lnSpc>
+                <a:spcPct val="90000"/>
+              </a:lnSpc>
+              <a:spcBef>
+                <a:spcPts val="375"/>
+              </a:spcBef>
+              <a:buFont typeface="Wingdings" panose="05000000000000000000" pitchFamily="2" charset="2"/>
+              <a:buChar char="§"/>
+              <a:defRPr sz="1050" kern="1200">
+                <a:solidFill>
+                  <a:schemeClr val="tx1"/>
+                </a:solidFill>
+                <a:latin typeface="微软雅黑" panose="020B0503020204020204" pitchFamily="34" charset="-122"/>
+                <a:ea typeface="微软雅黑" panose="020B0503020204020204" pitchFamily="34" charset="-122"/>
+                <a:cs typeface="+mn-cs"/>
+              </a:defRPr>
+            </a:lvl8pPr>
+            <a:lvl9pPr marL="2914650" indent="-171450" algn="l" defTabSz="685800" rtl="0" eaLnBrk="1" latinLnBrk="0" hangingPunct="1">
+              <a:lnSpc>
+                <a:spcPct val="90000"/>
+              </a:lnSpc>
+              <a:spcBef>
+                <a:spcPts val="375"/>
+              </a:spcBef>
+              <a:buFont typeface="Wingdings" panose="05000000000000000000" pitchFamily="2" charset="2"/>
+              <a:buChar char="§"/>
+              <a:defRPr sz="1050" kern="1200">
+                <a:solidFill>
+                  <a:schemeClr val="tx1"/>
+                </a:solidFill>
+                <a:latin typeface="微软雅黑" panose="020B0503020204020204" pitchFamily="34" charset="-122"/>
+                <a:ea typeface="微软雅黑" panose="020B0503020204020204" pitchFamily="34" charset="-122"/>
+                <a:cs typeface="+mn-cs"/>
+              </a:defRPr>
+            </a:lvl9pPr>
+          </a:lstStyle>
+          <a:p>
+            <a:pPr marL="0" indent="0">
+              <a:buNone/>
+            </a:pPr>
+            <a:r>
+              <a:rPr lang="en-US" altLang="zh-CN" sz="2400" dirty="0" smtClean="0"/>
+              <a:t>END </a:t>
+            </a:r>
+          </a:p>
+          <a:p>
+            <a:pPr marL="0" indent="0">
+              <a:buFont typeface="Wingdings" panose="05000000000000000000" pitchFamily="2" charset="2"/>
+              <a:buNone/>
+            </a:pPr>
+            <a:endParaRPr lang="en-US" altLang="zh-CN" dirty="0" smtClean="0"/>
+          </a:p>
+        </p:txBody>
+      </p:sp>
+    </p:spTree>
+    <p:extLst>
+      <p:ext uri="{BB962C8B-B14F-4D97-AF65-F5344CB8AC3E}">
+        <p14:creationId xmlns:p14="http://schemas.microsoft.com/office/powerpoint/2010/main" val="2371354908"/>
       </p:ext>
     </p:extLst>
   </p:cSld>
@@ -8735,7 +11567,11 @@
           <a:p>
             <a:r>
               <a:rPr lang="en-US" altLang="zh-CN" dirty="0" smtClean="0"/>
-              <a:t>8.2 The </a:t>
+              <a:t>9.2 </a:t>
+            </a:r>
+            <a:r>
+              <a:rPr lang="en-US" altLang="zh-CN" dirty="0" smtClean="0"/>
+              <a:t>The </a:t>
             </a:r>
             <a:r>
               <a:rPr lang="en-US" altLang="zh-CN" dirty="0"/>
@@ -10018,7 +12854,11 @@
           <a:p>
             <a:r>
               <a:rPr lang="en-US" altLang="zh-CN" dirty="0" smtClean="0"/>
-              <a:t>8.2 The </a:t>
+              <a:t>9.2 </a:t>
+            </a:r>
+            <a:r>
+              <a:rPr lang="en-US" altLang="zh-CN" dirty="0" smtClean="0"/>
+              <a:t>The </a:t>
             </a:r>
             <a:r>
               <a:rPr lang="en-US" altLang="zh-CN" dirty="0"/>
@@ -10143,20 +12983,14 @@
             </a:r>
             <a:r>
               <a:rPr lang="en-US" altLang="zh-CN" dirty="0"/>
-              <a:t> is a register</a:t>
+              <a:t> is a </a:t>
             </a:r>
             <a:r>
               <a:rPr lang="en-US" altLang="zh-CN" dirty="0" smtClean="0"/>
-              <a:t>.</a:t>
-            </a:r>
-          </a:p>
-          <a:p>
-            <a:pPr>
-              <a:buFont typeface="Wingdings" panose="05000000000000000000" pitchFamily="2" charset="2"/>
-              <a:buChar char="ü"/>
-            </a:pPr>
-            <a:r>
-              <a:rPr lang="en-US" altLang="zh-CN" dirty="0">
+              <a:t>register. Instruction </a:t>
+            </a:r>
+            <a:r>
+              <a:rPr lang="en-US" altLang="zh-CN" dirty="0" smtClean="0">
                 <a:solidFill>
                   <a:srgbClr val="7030A0"/>
                 </a:solidFill>
@@ -10285,7 +13119,11 @@
             </a:r>
             <a:r>
               <a:rPr lang="en-US" altLang="zh-CN" dirty="0" smtClean="0"/>
-              <a:t>)), where contents(x</a:t>
+              <a:t>)), where </a:t>
+            </a:r>
+            <a:r>
+              <a:rPr lang="en-US" altLang="zh-CN" dirty="0" smtClean="0"/>
+              <a:t> contents(x</a:t>
             </a:r>
             <a:r>
               <a:rPr lang="en-US" altLang="zh-CN" dirty="0"/>
@@ -11558,129 +14396,12 @@
 </file>
 
 <file path=customXml/item1.xml><?xml version="1.0" encoding="utf-8"?>
-<p:properties xmlns:p="http://schemas.microsoft.com/office/2006/metadata/properties" xmlns:xsi="http://www.w3.org/2001/XMLSchema-instance" xmlns:pc="http://schemas.microsoft.com/office/infopath/2007/PartnerControls">
-  <documentManagement>
-    <APDescription xmlns="4873beb7-5857-4685-be1f-d57550cc96cc" xsi:nil="true"/>
-    <AssetExpire xmlns="4873beb7-5857-4685-be1f-d57550cc96cc">2029-01-01T08:00:00+00:00</AssetExpire>
-    <CampaignTagsTaxHTField0 xmlns="4873beb7-5857-4685-be1f-d57550cc96cc">
-      <Terms xmlns="http://schemas.microsoft.com/office/infopath/2007/PartnerControls"/>
-    </CampaignTagsTaxHTField0>
-    <IntlLangReviewDate xmlns="4873beb7-5857-4685-be1f-d57550cc96cc" xsi:nil="true"/>
-    <TPFriendlyName xmlns="4873beb7-5857-4685-be1f-d57550cc96cc" xsi:nil="true"/>
-    <IntlLangReview xmlns="4873beb7-5857-4685-be1f-d57550cc96cc">false</IntlLangReview>
-    <LocLastLocAttemptVersionLookup xmlns="4873beb7-5857-4685-be1f-d57550cc96cc">855024</LocLastLocAttemptVersionLookup>
-    <PolicheckWords xmlns="4873beb7-5857-4685-be1f-d57550cc96cc" xsi:nil="true"/>
-    <SubmitterId xmlns="4873beb7-5857-4685-be1f-d57550cc96cc" xsi:nil="true"/>
-    <AcquiredFrom xmlns="4873beb7-5857-4685-be1f-d57550cc96cc">Internal MS</AcquiredFrom>
-    <EditorialStatus xmlns="4873beb7-5857-4685-be1f-d57550cc96cc">Complete</EditorialStatus>
-    <Markets xmlns="4873beb7-5857-4685-be1f-d57550cc96cc"/>
-    <OriginAsset xmlns="4873beb7-5857-4685-be1f-d57550cc96cc" xsi:nil="true"/>
-    <AssetStart xmlns="4873beb7-5857-4685-be1f-d57550cc96cc">2012-08-31T08:50:00+00:00</AssetStart>
-    <FriendlyTitle xmlns="4873beb7-5857-4685-be1f-d57550cc96cc" xsi:nil="true"/>
-    <MarketSpecific xmlns="4873beb7-5857-4685-be1f-d57550cc96cc">false</MarketSpecific>
-    <TPNamespace xmlns="4873beb7-5857-4685-be1f-d57550cc96cc" xsi:nil="true"/>
-    <PublishStatusLookup xmlns="4873beb7-5857-4685-be1f-d57550cc96cc">
-      <Value>1616423</Value>
-    </PublishStatusLookup>
-    <APAuthor xmlns="4873beb7-5857-4685-be1f-d57550cc96cc">
-      <UserInfo>
-        <DisplayName>REDMOND\kristaa</DisplayName>
-        <AccountId>136</AccountId>
-        <AccountType/>
-      </UserInfo>
-    </APAuthor>
-    <TPCommandLine xmlns="4873beb7-5857-4685-be1f-d57550cc96cc" xsi:nil="true"/>
-    <IntlLangReviewer xmlns="4873beb7-5857-4685-be1f-d57550cc96cc" xsi:nil="true"/>
-    <OpenTemplate xmlns="4873beb7-5857-4685-be1f-d57550cc96cc">true</OpenTemplate>
-    <CSXSubmissionDate xmlns="4873beb7-5857-4685-be1f-d57550cc96cc" xsi:nil="true"/>
-    <TaxCatchAll xmlns="4873beb7-5857-4685-be1f-d57550cc96cc"/>
-    <Manager xmlns="4873beb7-5857-4685-be1f-d57550cc96cc" xsi:nil="true"/>
-    <NumericId xmlns="4873beb7-5857-4685-be1f-d57550cc96cc" xsi:nil="true"/>
-    <ParentAssetId xmlns="4873beb7-5857-4685-be1f-d57550cc96cc" xsi:nil="true"/>
-    <OriginalSourceMarket xmlns="4873beb7-5857-4685-be1f-d57550cc96cc" xsi:nil="true"/>
-    <ApprovalStatus xmlns="4873beb7-5857-4685-be1f-d57550cc96cc">InProgress</ApprovalStatus>
-    <TPComponent xmlns="4873beb7-5857-4685-be1f-d57550cc96cc" xsi:nil="true"/>
-    <EditorialTags xmlns="4873beb7-5857-4685-be1f-d57550cc96cc" xsi:nil="true"/>
-    <TPExecutable xmlns="4873beb7-5857-4685-be1f-d57550cc96cc" xsi:nil="true"/>
-    <TPLaunchHelpLink xmlns="4873beb7-5857-4685-be1f-d57550cc96cc" xsi:nil="true"/>
-    <LocComments xmlns="4873beb7-5857-4685-be1f-d57550cc96cc" xsi:nil="true"/>
-    <LocRecommendedHandoff xmlns="4873beb7-5857-4685-be1f-d57550cc96cc" xsi:nil="true"/>
-    <SourceTitle xmlns="4873beb7-5857-4685-be1f-d57550cc96cc" xsi:nil="true"/>
-    <CSXUpdate xmlns="4873beb7-5857-4685-be1f-d57550cc96cc">false</CSXUpdate>
-    <IntlLocPriority xmlns="4873beb7-5857-4685-be1f-d57550cc96cc" xsi:nil="true"/>
-    <UAProjectedTotalWords xmlns="4873beb7-5857-4685-be1f-d57550cc96cc" xsi:nil="true"/>
-    <AssetType xmlns="4873beb7-5857-4685-be1f-d57550cc96cc">TP</AssetType>
-    <MachineTranslated xmlns="4873beb7-5857-4685-be1f-d57550cc96cc">false</MachineTranslated>
-    <OutputCachingOn xmlns="4873beb7-5857-4685-be1f-d57550cc96cc">false</OutputCachingOn>
-    <TemplateStatus xmlns="4873beb7-5857-4685-be1f-d57550cc96cc">Complete</TemplateStatus>
-    <IsSearchable xmlns="4873beb7-5857-4685-be1f-d57550cc96cc">true</IsSearchable>
-    <ContentItem xmlns="4873beb7-5857-4685-be1f-d57550cc96cc" xsi:nil="true"/>
-    <HandoffToMSDN xmlns="4873beb7-5857-4685-be1f-d57550cc96cc" xsi:nil="true"/>
-    <ShowIn xmlns="4873beb7-5857-4685-be1f-d57550cc96cc">Show everywhere</ShowIn>
-    <ThumbnailAssetId xmlns="4873beb7-5857-4685-be1f-d57550cc96cc" xsi:nil="true"/>
-    <UALocComments xmlns="4873beb7-5857-4685-be1f-d57550cc96cc" xsi:nil="true"/>
-    <UALocRecommendation xmlns="4873beb7-5857-4685-be1f-d57550cc96cc">Localize</UALocRecommendation>
-    <LastModifiedDateTime xmlns="4873beb7-5857-4685-be1f-d57550cc96cc" xsi:nil="true"/>
-    <LegacyData xmlns="4873beb7-5857-4685-be1f-d57550cc96cc" xsi:nil="true"/>
-    <LocManualTestRequired xmlns="4873beb7-5857-4685-be1f-d57550cc96cc">false</LocManualTestRequired>
-    <LocMarketGroupTiers2 xmlns="4873beb7-5857-4685-be1f-d57550cc96cc" xsi:nil="true"/>
-    <ClipArtFilename xmlns="4873beb7-5857-4685-be1f-d57550cc96cc" xsi:nil="true"/>
-    <TPApplication xmlns="4873beb7-5857-4685-be1f-d57550cc96cc" xsi:nil="true"/>
-    <CSXHash xmlns="4873beb7-5857-4685-be1f-d57550cc96cc" xsi:nil="true"/>
-    <DirectSourceMarket xmlns="4873beb7-5857-4685-be1f-d57550cc96cc" xsi:nil="true"/>
-    <PrimaryImageGen xmlns="4873beb7-5857-4685-be1f-d57550cc96cc">true</PrimaryImageGen>
-    <PlannedPubDate xmlns="4873beb7-5857-4685-be1f-d57550cc96cc" xsi:nil="true"/>
-    <CSXSubmissionMarket xmlns="4873beb7-5857-4685-be1f-d57550cc96cc" xsi:nil="true"/>
-    <Downloads xmlns="4873beb7-5857-4685-be1f-d57550cc96cc">0</Downloads>
-    <ArtSampleDocs xmlns="4873beb7-5857-4685-be1f-d57550cc96cc" xsi:nil="true"/>
-    <TrustLevel xmlns="4873beb7-5857-4685-be1f-d57550cc96cc">1 Microsoft Managed Content</TrustLevel>
-    <BlockPublish xmlns="4873beb7-5857-4685-be1f-d57550cc96cc">false</BlockPublish>
-    <TPLaunchHelpLinkType xmlns="4873beb7-5857-4685-be1f-d57550cc96cc">Template</TPLaunchHelpLinkType>
-    <LocalizationTagsTaxHTField0 xmlns="4873beb7-5857-4685-be1f-d57550cc96cc">
-      <Terms xmlns="http://schemas.microsoft.com/office/infopath/2007/PartnerControls"/>
-    </LocalizationTagsTaxHTField0>
-    <BusinessGroup xmlns="4873beb7-5857-4685-be1f-d57550cc96cc" xsi:nil="true"/>
-    <Providers xmlns="4873beb7-5857-4685-be1f-d57550cc96cc" xsi:nil="true"/>
-    <TemplateTemplateType xmlns="4873beb7-5857-4685-be1f-d57550cc96cc">PowerPoint Presentation Template</TemplateTemplateType>
-    <TimesCloned xmlns="4873beb7-5857-4685-be1f-d57550cc96cc" xsi:nil="true"/>
-    <TPAppVersion xmlns="4873beb7-5857-4685-be1f-d57550cc96cc" xsi:nil="true"/>
-    <VoteCount xmlns="4873beb7-5857-4685-be1f-d57550cc96cc" xsi:nil="true"/>
-    <AverageRating xmlns="4873beb7-5857-4685-be1f-d57550cc96cc" xsi:nil="true"/>
-    <FeatureTagsTaxHTField0 xmlns="4873beb7-5857-4685-be1f-d57550cc96cc">
-      <Terms xmlns="http://schemas.microsoft.com/office/infopath/2007/PartnerControls"/>
-    </FeatureTagsTaxHTField0>
-    <Provider xmlns="4873beb7-5857-4685-be1f-d57550cc96cc" xsi:nil="true"/>
-    <UACurrentWords xmlns="4873beb7-5857-4685-be1f-d57550cc96cc" xsi:nil="true"/>
-    <AssetId xmlns="4873beb7-5857-4685-be1f-d57550cc96cc">TP103431361</AssetId>
-    <TPClientViewer xmlns="4873beb7-5857-4685-be1f-d57550cc96cc" xsi:nil="true"/>
-    <DSATActionTaken xmlns="4873beb7-5857-4685-be1f-d57550cc96cc" xsi:nil="true"/>
-    <APEditor xmlns="4873beb7-5857-4685-be1f-d57550cc96cc">
-      <UserInfo>
-        <DisplayName/>
-        <AccountId xsi:nil="true"/>
-        <AccountType/>
-      </UserInfo>
-    </APEditor>
-    <TPInstallLocation xmlns="4873beb7-5857-4685-be1f-d57550cc96cc" xsi:nil="true"/>
-    <OOCacheId xmlns="4873beb7-5857-4685-be1f-d57550cc96cc" xsi:nil="true"/>
-    <IsDeleted xmlns="4873beb7-5857-4685-be1f-d57550cc96cc">false</IsDeleted>
-    <PublishTargets xmlns="4873beb7-5857-4685-be1f-d57550cc96cc">OfficeOnlineVNext</PublishTargets>
-    <ApprovalLog xmlns="4873beb7-5857-4685-be1f-d57550cc96cc" xsi:nil="true"/>
-    <BugNumber xmlns="4873beb7-5857-4685-be1f-d57550cc96cc" xsi:nil="true"/>
-    <CrawlForDependencies xmlns="4873beb7-5857-4685-be1f-d57550cc96cc">false</CrawlForDependencies>
-    <InternalTagsTaxHTField0 xmlns="4873beb7-5857-4685-be1f-d57550cc96cc">
-      <Terms xmlns="http://schemas.microsoft.com/office/infopath/2007/PartnerControls"/>
-    </InternalTagsTaxHTField0>
-    <LastHandOff xmlns="4873beb7-5857-4685-be1f-d57550cc96cc" xsi:nil="true"/>
-    <Milestone xmlns="4873beb7-5857-4685-be1f-d57550cc96cc" xsi:nil="true"/>
-    <OriginalRelease xmlns="4873beb7-5857-4685-be1f-d57550cc96cc">15</OriginalRelease>
-    <RecommendationsModifier xmlns="4873beb7-5857-4685-be1f-d57550cc96cc" xsi:nil="true"/>
-    <ScenarioTagsTaxHTField0 xmlns="4873beb7-5857-4685-be1f-d57550cc96cc">
-      <Terms xmlns="http://schemas.microsoft.com/office/infopath/2007/PartnerControls"/>
-    </ScenarioTagsTaxHTField0>
-    <UANotes xmlns="4873beb7-5857-4685-be1f-d57550cc96cc" xsi:nil="true"/>
-  </documentManagement>
-</p:properties>
+<?mso-contentType ?>
+<FormTemplates xmlns="http://schemas.microsoft.com/sharepoint/v3/contenttype/forms">
+  <Display>DocumentLibraryForm</Display>
+  <Edit>AssetEditForm</Edit>
+  <New>DocumentLibraryForm</New>
+</FormTemplates>
 </file>
 
 <file path=customXml/item2.xml><?xml version="1.0" encoding="utf-8"?>
@@ -12724,26 +15445,135 @@
 </file>
 
 <file path=customXml/item3.xml><?xml version="1.0" encoding="utf-8"?>
-<?mso-contentType ?>
-<FormTemplates xmlns="http://schemas.microsoft.com/sharepoint/v3/contenttype/forms">
-  <Display>DocumentLibraryForm</Display>
-  <Edit>AssetEditForm</Edit>
-  <New>DocumentLibraryForm</New>
-</FormTemplates>
+<p:properties xmlns:p="http://schemas.microsoft.com/office/2006/metadata/properties" xmlns:xsi="http://www.w3.org/2001/XMLSchema-instance" xmlns:pc="http://schemas.microsoft.com/office/infopath/2007/PartnerControls">
+  <documentManagement>
+    <APDescription xmlns="4873beb7-5857-4685-be1f-d57550cc96cc" xsi:nil="true"/>
+    <AssetExpire xmlns="4873beb7-5857-4685-be1f-d57550cc96cc">2029-01-01T08:00:00+00:00</AssetExpire>
+    <CampaignTagsTaxHTField0 xmlns="4873beb7-5857-4685-be1f-d57550cc96cc">
+      <Terms xmlns="http://schemas.microsoft.com/office/infopath/2007/PartnerControls"/>
+    </CampaignTagsTaxHTField0>
+    <IntlLangReviewDate xmlns="4873beb7-5857-4685-be1f-d57550cc96cc" xsi:nil="true"/>
+    <TPFriendlyName xmlns="4873beb7-5857-4685-be1f-d57550cc96cc" xsi:nil="true"/>
+    <IntlLangReview xmlns="4873beb7-5857-4685-be1f-d57550cc96cc">false</IntlLangReview>
+    <LocLastLocAttemptVersionLookup xmlns="4873beb7-5857-4685-be1f-d57550cc96cc">855024</LocLastLocAttemptVersionLookup>
+    <PolicheckWords xmlns="4873beb7-5857-4685-be1f-d57550cc96cc" xsi:nil="true"/>
+    <SubmitterId xmlns="4873beb7-5857-4685-be1f-d57550cc96cc" xsi:nil="true"/>
+    <AcquiredFrom xmlns="4873beb7-5857-4685-be1f-d57550cc96cc">Internal MS</AcquiredFrom>
+    <EditorialStatus xmlns="4873beb7-5857-4685-be1f-d57550cc96cc">Complete</EditorialStatus>
+    <Markets xmlns="4873beb7-5857-4685-be1f-d57550cc96cc"/>
+    <OriginAsset xmlns="4873beb7-5857-4685-be1f-d57550cc96cc" xsi:nil="true"/>
+    <AssetStart xmlns="4873beb7-5857-4685-be1f-d57550cc96cc">2012-08-31T08:50:00+00:00</AssetStart>
+    <FriendlyTitle xmlns="4873beb7-5857-4685-be1f-d57550cc96cc" xsi:nil="true"/>
+    <MarketSpecific xmlns="4873beb7-5857-4685-be1f-d57550cc96cc">false</MarketSpecific>
+    <TPNamespace xmlns="4873beb7-5857-4685-be1f-d57550cc96cc" xsi:nil="true"/>
+    <PublishStatusLookup xmlns="4873beb7-5857-4685-be1f-d57550cc96cc">
+      <Value>1616423</Value>
+    </PublishStatusLookup>
+    <APAuthor xmlns="4873beb7-5857-4685-be1f-d57550cc96cc">
+      <UserInfo>
+        <DisplayName>REDMOND\kristaa</DisplayName>
+        <AccountId>136</AccountId>
+        <AccountType/>
+      </UserInfo>
+    </APAuthor>
+    <TPCommandLine xmlns="4873beb7-5857-4685-be1f-d57550cc96cc" xsi:nil="true"/>
+    <IntlLangReviewer xmlns="4873beb7-5857-4685-be1f-d57550cc96cc" xsi:nil="true"/>
+    <OpenTemplate xmlns="4873beb7-5857-4685-be1f-d57550cc96cc">true</OpenTemplate>
+    <CSXSubmissionDate xmlns="4873beb7-5857-4685-be1f-d57550cc96cc" xsi:nil="true"/>
+    <TaxCatchAll xmlns="4873beb7-5857-4685-be1f-d57550cc96cc"/>
+    <Manager xmlns="4873beb7-5857-4685-be1f-d57550cc96cc" xsi:nil="true"/>
+    <NumericId xmlns="4873beb7-5857-4685-be1f-d57550cc96cc" xsi:nil="true"/>
+    <ParentAssetId xmlns="4873beb7-5857-4685-be1f-d57550cc96cc" xsi:nil="true"/>
+    <OriginalSourceMarket xmlns="4873beb7-5857-4685-be1f-d57550cc96cc" xsi:nil="true"/>
+    <ApprovalStatus xmlns="4873beb7-5857-4685-be1f-d57550cc96cc">InProgress</ApprovalStatus>
+    <TPComponent xmlns="4873beb7-5857-4685-be1f-d57550cc96cc" xsi:nil="true"/>
+    <EditorialTags xmlns="4873beb7-5857-4685-be1f-d57550cc96cc" xsi:nil="true"/>
+    <TPExecutable xmlns="4873beb7-5857-4685-be1f-d57550cc96cc" xsi:nil="true"/>
+    <TPLaunchHelpLink xmlns="4873beb7-5857-4685-be1f-d57550cc96cc" xsi:nil="true"/>
+    <LocComments xmlns="4873beb7-5857-4685-be1f-d57550cc96cc" xsi:nil="true"/>
+    <LocRecommendedHandoff xmlns="4873beb7-5857-4685-be1f-d57550cc96cc" xsi:nil="true"/>
+    <SourceTitle xmlns="4873beb7-5857-4685-be1f-d57550cc96cc" xsi:nil="true"/>
+    <CSXUpdate xmlns="4873beb7-5857-4685-be1f-d57550cc96cc">false</CSXUpdate>
+    <IntlLocPriority xmlns="4873beb7-5857-4685-be1f-d57550cc96cc" xsi:nil="true"/>
+    <UAProjectedTotalWords xmlns="4873beb7-5857-4685-be1f-d57550cc96cc" xsi:nil="true"/>
+    <AssetType xmlns="4873beb7-5857-4685-be1f-d57550cc96cc">TP</AssetType>
+    <MachineTranslated xmlns="4873beb7-5857-4685-be1f-d57550cc96cc">false</MachineTranslated>
+    <OutputCachingOn xmlns="4873beb7-5857-4685-be1f-d57550cc96cc">false</OutputCachingOn>
+    <TemplateStatus xmlns="4873beb7-5857-4685-be1f-d57550cc96cc">Complete</TemplateStatus>
+    <IsSearchable xmlns="4873beb7-5857-4685-be1f-d57550cc96cc">true</IsSearchable>
+    <ContentItem xmlns="4873beb7-5857-4685-be1f-d57550cc96cc" xsi:nil="true"/>
+    <HandoffToMSDN xmlns="4873beb7-5857-4685-be1f-d57550cc96cc" xsi:nil="true"/>
+    <ShowIn xmlns="4873beb7-5857-4685-be1f-d57550cc96cc">Show everywhere</ShowIn>
+    <ThumbnailAssetId xmlns="4873beb7-5857-4685-be1f-d57550cc96cc" xsi:nil="true"/>
+    <UALocComments xmlns="4873beb7-5857-4685-be1f-d57550cc96cc" xsi:nil="true"/>
+    <UALocRecommendation xmlns="4873beb7-5857-4685-be1f-d57550cc96cc">Localize</UALocRecommendation>
+    <LastModifiedDateTime xmlns="4873beb7-5857-4685-be1f-d57550cc96cc" xsi:nil="true"/>
+    <LegacyData xmlns="4873beb7-5857-4685-be1f-d57550cc96cc" xsi:nil="true"/>
+    <LocManualTestRequired xmlns="4873beb7-5857-4685-be1f-d57550cc96cc">false</LocManualTestRequired>
+    <LocMarketGroupTiers2 xmlns="4873beb7-5857-4685-be1f-d57550cc96cc" xsi:nil="true"/>
+    <ClipArtFilename xmlns="4873beb7-5857-4685-be1f-d57550cc96cc" xsi:nil="true"/>
+    <TPApplication xmlns="4873beb7-5857-4685-be1f-d57550cc96cc" xsi:nil="true"/>
+    <CSXHash xmlns="4873beb7-5857-4685-be1f-d57550cc96cc" xsi:nil="true"/>
+    <DirectSourceMarket xmlns="4873beb7-5857-4685-be1f-d57550cc96cc" xsi:nil="true"/>
+    <PrimaryImageGen xmlns="4873beb7-5857-4685-be1f-d57550cc96cc">true</PrimaryImageGen>
+    <PlannedPubDate xmlns="4873beb7-5857-4685-be1f-d57550cc96cc" xsi:nil="true"/>
+    <CSXSubmissionMarket xmlns="4873beb7-5857-4685-be1f-d57550cc96cc" xsi:nil="true"/>
+    <Downloads xmlns="4873beb7-5857-4685-be1f-d57550cc96cc">0</Downloads>
+    <ArtSampleDocs xmlns="4873beb7-5857-4685-be1f-d57550cc96cc" xsi:nil="true"/>
+    <TrustLevel xmlns="4873beb7-5857-4685-be1f-d57550cc96cc">1 Microsoft Managed Content</TrustLevel>
+    <BlockPublish xmlns="4873beb7-5857-4685-be1f-d57550cc96cc">false</BlockPublish>
+    <TPLaunchHelpLinkType xmlns="4873beb7-5857-4685-be1f-d57550cc96cc">Template</TPLaunchHelpLinkType>
+    <LocalizationTagsTaxHTField0 xmlns="4873beb7-5857-4685-be1f-d57550cc96cc">
+      <Terms xmlns="http://schemas.microsoft.com/office/infopath/2007/PartnerControls"/>
+    </LocalizationTagsTaxHTField0>
+    <BusinessGroup xmlns="4873beb7-5857-4685-be1f-d57550cc96cc" xsi:nil="true"/>
+    <Providers xmlns="4873beb7-5857-4685-be1f-d57550cc96cc" xsi:nil="true"/>
+    <TemplateTemplateType xmlns="4873beb7-5857-4685-be1f-d57550cc96cc">PowerPoint Presentation Template</TemplateTemplateType>
+    <TimesCloned xmlns="4873beb7-5857-4685-be1f-d57550cc96cc" xsi:nil="true"/>
+    <TPAppVersion xmlns="4873beb7-5857-4685-be1f-d57550cc96cc" xsi:nil="true"/>
+    <VoteCount xmlns="4873beb7-5857-4685-be1f-d57550cc96cc" xsi:nil="true"/>
+    <AverageRating xmlns="4873beb7-5857-4685-be1f-d57550cc96cc" xsi:nil="true"/>
+    <FeatureTagsTaxHTField0 xmlns="4873beb7-5857-4685-be1f-d57550cc96cc">
+      <Terms xmlns="http://schemas.microsoft.com/office/infopath/2007/PartnerControls"/>
+    </FeatureTagsTaxHTField0>
+    <Provider xmlns="4873beb7-5857-4685-be1f-d57550cc96cc" xsi:nil="true"/>
+    <UACurrentWords xmlns="4873beb7-5857-4685-be1f-d57550cc96cc" xsi:nil="true"/>
+    <AssetId xmlns="4873beb7-5857-4685-be1f-d57550cc96cc">TP103431361</AssetId>
+    <TPClientViewer xmlns="4873beb7-5857-4685-be1f-d57550cc96cc" xsi:nil="true"/>
+    <DSATActionTaken xmlns="4873beb7-5857-4685-be1f-d57550cc96cc" xsi:nil="true"/>
+    <APEditor xmlns="4873beb7-5857-4685-be1f-d57550cc96cc">
+      <UserInfo>
+        <DisplayName/>
+        <AccountId xsi:nil="true"/>
+        <AccountType/>
+      </UserInfo>
+    </APEditor>
+    <TPInstallLocation xmlns="4873beb7-5857-4685-be1f-d57550cc96cc" xsi:nil="true"/>
+    <OOCacheId xmlns="4873beb7-5857-4685-be1f-d57550cc96cc" xsi:nil="true"/>
+    <IsDeleted xmlns="4873beb7-5857-4685-be1f-d57550cc96cc">false</IsDeleted>
+    <PublishTargets xmlns="4873beb7-5857-4685-be1f-d57550cc96cc">OfficeOnlineVNext</PublishTargets>
+    <ApprovalLog xmlns="4873beb7-5857-4685-be1f-d57550cc96cc" xsi:nil="true"/>
+    <BugNumber xmlns="4873beb7-5857-4685-be1f-d57550cc96cc" xsi:nil="true"/>
+    <CrawlForDependencies xmlns="4873beb7-5857-4685-be1f-d57550cc96cc">false</CrawlForDependencies>
+    <InternalTagsTaxHTField0 xmlns="4873beb7-5857-4685-be1f-d57550cc96cc">
+      <Terms xmlns="http://schemas.microsoft.com/office/infopath/2007/PartnerControls"/>
+    </InternalTagsTaxHTField0>
+    <LastHandOff xmlns="4873beb7-5857-4685-be1f-d57550cc96cc" xsi:nil="true"/>
+    <Milestone xmlns="4873beb7-5857-4685-be1f-d57550cc96cc" xsi:nil="true"/>
+    <OriginalRelease xmlns="4873beb7-5857-4685-be1f-d57550cc96cc">15</OriginalRelease>
+    <RecommendationsModifier xmlns="4873beb7-5857-4685-be1f-d57550cc96cc" xsi:nil="true"/>
+    <ScenarioTagsTaxHTField0 xmlns="4873beb7-5857-4685-be1f-d57550cc96cc">
+      <Terms xmlns="http://schemas.microsoft.com/office/infopath/2007/PartnerControls"/>
+    </ScenarioTagsTaxHTField0>
+    <UANotes xmlns="4873beb7-5857-4685-be1f-d57550cc96cc" xsi:nil="true"/>
+  </documentManagement>
+</p:properties>
 </file>
 
 <file path=customXml/itemProps1.xml><?xml version="1.0" encoding="utf-8"?>
-<ds:datastoreItem xmlns:ds="http://schemas.openxmlformats.org/officeDocument/2006/customXml" ds:itemID="{8CDDBB83-77C1-4099-A0AA-289882E745E2}">
+<ds:datastoreItem xmlns:ds="http://schemas.openxmlformats.org/officeDocument/2006/customXml" ds:itemID="{561E720F-F05D-4536-9C34-0CFCED65D3B7}">
   <ds:schemaRefs>
-    <ds:schemaRef ds:uri="http://purl.org/dc/terms/"/>
-    <ds:schemaRef ds:uri="http://www.w3.org/XML/1998/namespace"/>
-    <ds:schemaRef ds:uri="http://schemas.microsoft.com/office/2006/documentManagement/types"/>
-    <ds:schemaRef ds:uri="4873beb7-5857-4685-be1f-d57550cc96cc"/>
-    <ds:schemaRef ds:uri="http://schemas.openxmlformats.org/package/2006/metadata/core-properties"/>
-    <ds:schemaRef ds:uri="http://schemas.microsoft.com/office/infopath/2007/PartnerControls"/>
-    <ds:schemaRef ds:uri="http://purl.org/dc/dcmitype/"/>
-    <ds:schemaRef ds:uri="http://schemas.microsoft.com/office/2006/metadata/properties"/>
-    <ds:schemaRef ds:uri="http://purl.org/dc/elements/1.1/"/>
+    <ds:schemaRef ds:uri="http://schemas.microsoft.com/sharepoint/v3/contenttype/forms"/>
   </ds:schemaRefs>
 </ds:datastoreItem>
 </file>
@@ -12767,9 +15597,17 @@
 </file>
 
 <file path=customXml/itemProps3.xml><?xml version="1.0" encoding="utf-8"?>
-<ds:datastoreItem xmlns:ds="http://schemas.openxmlformats.org/officeDocument/2006/customXml" ds:itemID="{561E720F-F05D-4536-9C34-0CFCED65D3B7}">
+<ds:datastoreItem xmlns:ds="http://schemas.openxmlformats.org/officeDocument/2006/customXml" ds:itemID="{8CDDBB83-77C1-4099-A0AA-289882E745E2}">
   <ds:schemaRefs>
-    <ds:schemaRef ds:uri="http://schemas.microsoft.com/sharepoint/v3/contenttype/forms"/>
+    <ds:schemaRef ds:uri="http://purl.org/dc/terms/"/>
+    <ds:schemaRef ds:uri="http://www.w3.org/XML/1998/namespace"/>
+    <ds:schemaRef ds:uri="http://schemas.microsoft.com/office/2006/documentManagement/types"/>
+    <ds:schemaRef ds:uri="4873beb7-5857-4685-be1f-d57550cc96cc"/>
+    <ds:schemaRef ds:uri="http://schemas.openxmlformats.org/package/2006/metadata/core-properties"/>
+    <ds:schemaRef ds:uri="http://schemas.microsoft.com/office/infopath/2007/PartnerControls"/>
+    <ds:schemaRef ds:uri="http://purl.org/dc/dcmitype/"/>
+    <ds:schemaRef ds:uri="http://schemas.microsoft.com/office/2006/metadata/properties"/>
+    <ds:schemaRef ds:uri="http://purl.org/dc/elements/1.1/"/>
   </ds:schemaRefs>
 </ds:datastoreItem>
 </file>